--- a/CSE-5305/Zongming_Juli/VFS presentation.pptx
+++ b/CSE-5305/Zongming_Juli/VFS presentation.pptx
@@ -7,19 +7,29 @@
     <p:sldMasterId id="2147493467" r:id="rId6"/>
   </p:sldMasterIdLst>
   <p:notesMasterIdLst>
-    <p:notesMasterId r:id="rId17"/>
+    <p:notesMasterId r:id="rId27"/>
   </p:notesMasterIdLst>
   <p:sldIdLst>
     <p:sldId id="259" r:id="rId7"/>
-    <p:sldId id="261" r:id="rId8"/>
-    <p:sldId id="260" r:id="rId9"/>
-    <p:sldId id="266" r:id="rId10"/>
-    <p:sldId id="269" r:id="rId11"/>
-    <p:sldId id="262" r:id="rId12"/>
-    <p:sldId id="263" r:id="rId13"/>
-    <p:sldId id="265" r:id="rId14"/>
-    <p:sldId id="267" r:id="rId15"/>
-    <p:sldId id="268" r:id="rId16"/>
+    <p:sldId id="260" r:id="rId8"/>
+    <p:sldId id="282" r:id="rId9"/>
+    <p:sldId id="261" r:id="rId10"/>
+    <p:sldId id="266" r:id="rId11"/>
+    <p:sldId id="269" r:id="rId12"/>
+    <p:sldId id="262" r:id="rId13"/>
+    <p:sldId id="274" r:id="rId14"/>
+    <p:sldId id="275" r:id="rId15"/>
+    <p:sldId id="265" r:id="rId16"/>
+    <p:sldId id="263" r:id="rId17"/>
+    <p:sldId id="277" r:id="rId18"/>
+    <p:sldId id="278" r:id="rId19"/>
+    <p:sldId id="280" r:id="rId20"/>
+    <p:sldId id="281" r:id="rId21"/>
+    <p:sldId id="276" r:id="rId22"/>
+    <p:sldId id="272" r:id="rId23"/>
+    <p:sldId id="279" r:id="rId24"/>
+    <p:sldId id="271" r:id="rId25"/>
+    <p:sldId id="267" r:id="rId26"/>
   </p:sldIdLst>
   <p:sldSz cx="9144000" cy="5143500" type="screen16x9"/>
   <p:notesSz cx="6858000" cy="9144000"/>
@@ -219,7 +229,7 @@
           <a:p>
             <a:fld id="{C4807CA6-C2A0-9740-ACA0-4651BDBBF0F4}" type="datetimeFigureOut">
               <a:rPr kumimoji="1" lang="zh-CN" altLang="en-US" smtClean="0"/>
-              <a:t>2023/11/26</a:t>
+              <a:t>2023/12/6</a:t>
             </a:fld>
             <a:endParaRPr kumimoji="1" lang="zh-CN" altLang="en-US"/>
           </a:p>
@@ -505,7 +515,7 @@
       </p:grpSpPr>
       <p:sp>
         <p:nvSpPr>
-          <p:cNvPr id="2" name="幻灯片图像占位符 1"/>
+          <p:cNvPr id="2" name="Slide Image Placeholder 1"/>
           <p:cNvSpPr>
             <a:spLocks noGrp="1" noRot="1" noChangeAspect="1"/>
           </p:cNvSpPr>
@@ -517,7 +527,7 @@
       </p:sp>
       <p:sp>
         <p:nvSpPr>
-          <p:cNvPr id="3" name="备注占位符 2"/>
+          <p:cNvPr id="3" name="Notes Placeholder 2"/>
           <p:cNvSpPr>
             <a:spLocks noGrp="1"/>
           </p:cNvSpPr>
@@ -530,33 +540,13 @@
           <a:bodyPr/>
           <a:lstStyle/>
           <a:p>
-            <a:r>
-              <a:rPr kumimoji="1" lang="en-US" altLang="zh-CN" dirty="0"/>
-              <a:t>Design a file system with a two-level structure, and implement at least the following functions: login, </a:t>
-            </a:r>
-            <a:r>
-              <a:rPr kumimoji="1" lang="en-US" altLang="zh-CN" dirty="0" err="1"/>
-              <a:t>dir</a:t>
-            </a:r>
-            <a:r>
-              <a:rPr kumimoji="1" lang="en-US" altLang="zh-CN" dirty="0"/>
-              <a:t> lists file directories, create, del deletes files, open opens files, close closes files, read reads files, write writes files, cd enters a subdirectory, </a:t>
-            </a:r>
-            <a:r>
-              <a:rPr kumimoji="1" lang="en-US" altLang="zh-CN" dirty="0" err="1"/>
-              <a:t>rd</a:t>
-            </a:r>
-            <a:r>
-              <a:rPr kumimoji="1" lang="en-US" altLang="zh-CN" dirty="0"/>
-              <a:t> deletes a subdirectory, md creates a subdirectory, and so on.</a:t>
-            </a:r>
-            <a:endParaRPr kumimoji="1" lang="zh-CN" altLang="en-US" dirty="0"/>
-          </a:p>
-        </p:txBody>
-      </p:sp>
-      <p:sp>
-        <p:nvSpPr>
-          <p:cNvPr id="4" name="灯片编号占位符 3"/>
+            <a:endParaRPr lang="en-US" dirty="0"/>
+          </a:p>
+        </p:txBody>
+      </p:sp>
+      <p:sp>
+        <p:nvSpPr>
+          <p:cNvPr id="4" name="Slide Number Placeholder 3"/>
           <p:cNvSpPr>
             <a:spLocks noGrp="1"/>
           </p:cNvSpPr>
@@ -571,7 +561,7 @@
           <a:p>
             <a:fld id="{E8B5171A-03FC-0642-9915-6F3CC8C2C25A}" type="slidenum">
               <a:rPr kumimoji="1" lang="zh-CN" altLang="en-US" smtClean="0"/>
-              <a:t>2</a:t>
+              <a:t>1</a:t>
             </a:fld>
             <a:endParaRPr kumimoji="1" lang="zh-CN" altLang="en-US"/>
           </a:p>
@@ -580,7 +570,7 @@
     </p:spTree>
     <p:extLst>
       <p:ext uri="{BB962C8B-B14F-4D97-AF65-F5344CB8AC3E}">
-        <p14:creationId xmlns:p14="http://schemas.microsoft.com/office/powerpoint/2010/main" val="2133645179"/>
+        <p14:creationId xmlns:p14="http://schemas.microsoft.com/office/powerpoint/2010/main" val="1610405075"/>
       </p:ext>
     </p:extLst>
   </p:cSld>
@@ -634,28 +624,6 @@
           <a:bodyPr/>
           <a:lstStyle/>
           <a:p>
-            <a:r>
-              <a:rPr kumimoji="1" lang="en-US" altLang="zh-CN" dirty="0"/>
-              <a:t>This file system uses two levels of directories, where the first level corresponds to the user account and the second level corresponds to the files under the user account. In addition, for the sake of simplicity, the file system does not take into account file sharing, file system security, pipeline files, device files, and other special features.</a:t>
-            </a:r>
-          </a:p>
-          <a:p>
-            <a:endParaRPr kumimoji="1" lang="en-US" altLang="zh-CN" dirty="0"/>
-          </a:p>
-          <a:p>
-            <a:r>
-              <a:rPr kumimoji="1" lang="en-US" altLang="zh-CN" dirty="0"/>
-              <a:t>First of all, the data structure of the file system should be determined: home directory, subdirectories and active files. The home directory and subdirectories are stored on disk in the form of files, so that it is easy to find and modify.</a:t>
-            </a:r>
-          </a:p>
-          <a:p>
-            <a:endParaRPr kumimoji="1" lang="en-US" altLang="zh-CN" dirty="0"/>
-          </a:p>
-          <a:p>
-            <a:r>
-              <a:rPr kumimoji="1" lang="en-US" altLang="zh-CN" dirty="0"/>
-              <a:t>Files created by the user can be numbered and stored on disk. For example: file0, file1, file2... and use the number as the physical address, registered in the directory.</a:t>
-            </a:r>
             <a:endParaRPr kumimoji="1" lang="zh-CN" altLang="en-US" dirty="0"/>
           </a:p>
         </p:txBody>
@@ -686,7 +654,7 @@
     </p:spTree>
     <p:extLst>
       <p:ext uri="{BB962C8B-B14F-4D97-AF65-F5344CB8AC3E}">
-        <p14:creationId xmlns:p14="http://schemas.microsoft.com/office/powerpoint/2010/main" val="2819637696"/>
+        <p14:creationId xmlns:p14="http://schemas.microsoft.com/office/powerpoint/2010/main" val="2133645179"/>
       </p:ext>
     </p:extLst>
   </p:cSld>
@@ -740,82 +708,6 @@
           <a:bodyPr/>
           <a:lstStyle/>
           <a:p>
-            <a:r>
-              <a:rPr kumimoji="1" lang="en-US" altLang="zh-CN" dirty="0"/>
-              <a:t>Creating a File: When creating a new file, the system first requests the necessary external memory for the new file and assigns a directory entry to the file in FAT. The directory entry should contain the filename of the newly created file, the total capacity of the file, the currently used capacity, the file attributes, and the starting location of the file on the disk.</a:t>
-            </a:r>
-          </a:p>
-          <a:p>
-            <a:endParaRPr kumimoji="1" lang="en-US" altLang="zh-CN" dirty="0"/>
-          </a:p>
-          <a:p>
-            <a:r>
-              <a:rPr kumimoji="1" lang="en-US" altLang="zh-CN" dirty="0"/>
-              <a:t>Deleting a file: When a file is no longer needed, it can be deleted from the file system. When deleting a file, first find the file node corresponding to the file in the file chain table of FAT, and then check whether the file is in the closed state. If all the above conditions are met, the system can delete the node from the file chain table and reclaim the disk space corresponding to the changed node.</a:t>
-            </a:r>
-          </a:p>
-          <a:p>
-            <a:endParaRPr kumimoji="1" lang="en-US" altLang="zh-CN" dirty="0"/>
-          </a:p>
-          <a:p>
-            <a:r>
-              <a:rPr kumimoji="1" lang="en-US" altLang="zh-CN" dirty="0"/>
-              <a:t>Open files: Only files in the open state can be read, written to, or closed repeatedly and cannot be deleted.</a:t>
-            </a:r>
-          </a:p>
-          <a:p>
-            <a:r>
-              <a:rPr kumimoji="1" lang="en-US" altLang="zh-CN" dirty="0"/>
-              <a:t>Closed files: Only closed files can be deleted and cannot be closed repeatedly.</a:t>
-            </a:r>
-          </a:p>
-          <a:p>
-            <a:endParaRPr kumimoji="1" lang="en-US" altLang="zh-CN" dirty="0"/>
-          </a:p>
-          <a:p>
-            <a:r>
-              <a:rPr kumimoji="1" lang="en-US" altLang="zh-CN" dirty="0"/>
-              <a:t>Write Files: Users can write data to user-defined files (on disk); the file to be written must be open, and cannot be a file of the same type as the file to be written. The file to be written must be open and cannot be a file shared by another user.</a:t>
-            </a:r>
-          </a:p>
-          <a:p>
-            <a:r>
-              <a:rPr kumimoji="1" lang="en-US" altLang="zh-CN" dirty="0"/>
-              <a:t>Read files: Users can read the data stored in the file; the file to be read must be open; users can either read the file they have created or read the file they have created. Users can read the files created by themselves or files shared by other users.</a:t>
-            </a:r>
-          </a:p>
-          <a:p>
-            <a:endParaRPr kumimoji="1" lang="en-US" altLang="zh-CN" dirty="0"/>
-          </a:p>
-          <a:p>
-            <a:endParaRPr kumimoji="1" lang="en-US" altLang="zh-CN" dirty="0"/>
-          </a:p>
-          <a:p>
-            <a:r>
-              <a:rPr kumimoji="1" lang="en-US" altLang="zh-CN" dirty="0"/>
-              <a:t>List File Directory: Users can only get the list of files they created or files shared by other users, and can view the list of files created by users. Users can only get the list of files they created or files shared by other users, and can view the list of files created by all users.</a:t>
-            </a:r>
-          </a:p>
-          <a:p>
-            <a:endParaRPr kumimoji="1" lang="en-US" altLang="zh-CN" dirty="0"/>
-          </a:p>
-          <a:p>
-            <a:endParaRPr kumimoji="1" lang="en-US" altLang="zh-CN" dirty="0"/>
-          </a:p>
-          <a:p>
-            <a:r>
-              <a:rPr kumimoji="1" lang="en-US" altLang="zh-CN" dirty="0"/>
-              <a:t>Create directory: Enter the name of the directory, if there exists a directory with the same name as the file, the creation fails; if there is none, check the free disk and move the file to a subdirectory. If there is no such directory, then search for a free disk, put the disk into allocated status, fill in the directory entries, and assign the address, then the subdirectory is created successfully.</a:t>
-            </a:r>
-          </a:p>
-          <a:p>
-            <a:endParaRPr kumimoji="1" lang="en-US" altLang="zh-CN" dirty="0"/>
-          </a:p>
-          <a:p>
-            <a:r>
-              <a:rPr kumimoji="1" lang="en-US" altLang="zh-CN" dirty="0"/>
-              <a:t>Delete directory: enter the name, find out if the file or directory exists, if it is a file, it cannot be deleted; if it exists, find the starting disk block number. If it is a file, it cannot be deleted; if it is a file, find the starting disk block number and release it, modify the directory entry, and the deletion is successful.</a:t>
-            </a:r>
             <a:endParaRPr kumimoji="1" lang="zh-CN" altLang="en-US" dirty="0"/>
           </a:p>
         </p:txBody>
@@ -837,7 +729,7 @@
           <a:p>
             <a:fld id="{E8B5171A-03FC-0642-9915-6F3CC8C2C25A}" type="slidenum">
               <a:rPr kumimoji="1" lang="zh-CN" altLang="en-US" smtClean="0"/>
-              <a:t>7</a:t>
+              <a:t>5</a:t>
             </a:fld>
             <a:endParaRPr kumimoji="1" lang="zh-CN" altLang="en-US"/>
           </a:p>
@@ -846,7 +738,7 @@
     </p:spTree>
     <p:extLst>
       <p:ext uri="{BB962C8B-B14F-4D97-AF65-F5344CB8AC3E}">
-        <p14:creationId xmlns:p14="http://schemas.microsoft.com/office/powerpoint/2010/main" val="3137167737"/>
+        <p14:creationId xmlns:p14="http://schemas.microsoft.com/office/powerpoint/2010/main" val="2819637696"/>
       </p:ext>
     </p:extLst>
   </p:cSld>
@@ -900,24 +792,6 @@
           <a:bodyPr/>
           <a:lstStyle/>
           <a:p>
-            <a:r>
-              <a:rPr kumimoji="1" lang="en-US" altLang="zh-CN" dirty="0"/>
-              <a:t>From the above running process, we can see that after the user logs into the system, the interface will display the basic operation of files or directories, and then according to the corresponding operation, complete the basic requirements of the system.</a:t>
-            </a:r>
-          </a:p>
-          <a:p>
-            <a:r>
-              <a:rPr kumimoji="1" lang="en-US" altLang="zh-CN" dirty="0"/>
-              <a:t>The result of this program is consistent with the expected result. Since the operation stage, although the results are obtained every time, the operation interface is sometimes not perfect, so we modify the program code and keep executing the program to improve it until we get a satisfactory operation interface. In this process, the basic functions required by the course design were verified, and although some operations were not perfect, they were generally realized. The most unsatisfactory feature is the </a:t>
-            </a:r>
-            <a:r>
-              <a:rPr kumimoji="1" lang="en-US" altLang="zh-CN" dirty="0" err="1"/>
-              <a:t>dir</a:t>
-            </a:r>
-            <a:r>
-              <a:rPr kumimoji="1" lang="en-US" altLang="zh-CN" dirty="0"/>
-              <a:t> function. It only lists the name of the directory, but does not display any other information about the directory.</a:t>
-            </a:r>
             <a:endParaRPr kumimoji="1" lang="zh-CN" altLang="en-US" dirty="0"/>
           </a:p>
         </p:txBody>
@@ -939,7 +813,7 @@
           <a:p>
             <a:fld id="{E8B5171A-03FC-0642-9915-6F3CC8C2C25A}" type="slidenum">
               <a:rPr kumimoji="1" lang="zh-CN" altLang="en-US" smtClean="0"/>
-              <a:t>9</a:t>
+              <a:t>10</a:t>
             </a:fld>
             <a:endParaRPr kumimoji="1" lang="zh-CN" altLang="en-US"/>
           </a:p>
@@ -948,7 +822,7 @@
     </p:spTree>
     <p:extLst>
       <p:ext uri="{BB962C8B-B14F-4D97-AF65-F5344CB8AC3E}">
-        <p14:creationId xmlns:p14="http://schemas.microsoft.com/office/powerpoint/2010/main" val="1908316723"/>
+        <p14:creationId xmlns:p14="http://schemas.microsoft.com/office/powerpoint/2010/main" val="2836351791"/>
       </p:ext>
     </p:extLst>
   </p:cSld>
@@ -1023,7 +897,7 @@
           <a:p>
             <a:fld id="{E8B5171A-03FC-0642-9915-6F3CC8C2C25A}" type="slidenum">
               <a:rPr kumimoji="1" lang="zh-CN" altLang="en-US" smtClean="0"/>
-              <a:t>10</a:t>
+              <a:t>11</a:t>
             </a:fld>
             <a:endParaRPr kumimoji="1" lang="zh-CN" altLang="en-US"/>
           </a:p>
@@ -1032,7 +906,259 @@
     </p:spTree>
     <p:extLst>
       <p:ext uri="{BB962C8B-B14F-4D97-AF65-F5344CB8AC3E}">
-        <p14:creationId xmlns:p14="http://schemas.microsoft.com/office/powerpoint/2010/main" val="2073021702"/>
+        <p14:creationId xmlns:p14="http://schemas.microsoft.com/office/powerpoint/2010/main" val="3137167737"/>
+      </p:ext>
+    </p:extLst>
+  </p:cSld>
+  <p:clrMapOvr>
+    <a:masterClrMapping/>
+  </p:clrMapOvr>
+</p:notes>
+</file>
+
+<file path=ppt/notesSlides/notesSlide6.xml><?xml version="1.0" encoding="utf-8"?>
+<p:notes xmlns:a="http://schemas.openxmlformats.org/drawingml/2006/main" xmlns:r="http://schemas.openxmlformats.org/officeDocument/2006/relationships" xmlns:p="http://schemas.openxmlformats.org/presentationml/2006/main">
+  <p:cSld>
+    <p:spTree>
+      <p:nvGrpSpPr>
+        <p:cNvPr id="1" name=""/>
+        <p:cNvGrpSpPr/>
+        <p:nvPr/>
+      </p:nvGrpSpPr>
+      <p:grpSpPr>
+        <a:xfrm>
+          <a:off x="0" y="0"/>
+          <a:ext cx="0" cy="0"/>
+          <a:chOff x="0" y="0"/>
+          <a:chExt cx="0" cy="0"/>
+        </a:xfrm>
+      </p:grpSpPr>
+      <p:sp>
+        <p:nvSpPr>
+          <p:cNvPr id="2" name="幻灯片图像占位符 1"/>
+          <p:cNvSpPr>
+            <a:spLocks noGrp="1" noRot="1" noChangeAspect="1"/>
+          </p:cNvSpPr>
+          <p:nvPr>
+            <p:ph type="sldImg"/>
+          </p:nvPr>
+        </p:nvSpPr>
+        <p:spPr/>
+      </p:sp>
+      <p:sp>
+        <p:nvSpPr>
+          <p:cNvPr id="3" name="备注占位符 2"/>
+          <p:cNvSpPr>
+            <a:spLocks noGrp="1"/>
+          </p:cNvSpPr>
+          <p:nvPr>
+            <p:ph type="body" idx="1"/>
+          </p:nvPr>
+        </p:nvSpPr>
+        <p:spPr/>
+        <p:txBody>
+          <a:bodyPr/>
+          <a:lstStyle/>
+          <a:p>
+            <a:endParaRPr kumimoji="1" lang="zh-CN" altLang="en-US" dirty="0"/>
+          </a:p>
+        </p:txBody>
+      </p:sp>
+      <p:sp>
+        <p:nvSpPr>
+          <p:cNvPr id="4" name="灯片编号占位符 3"/>
+          <p:cNvSpPr>
+            <a:spLocks noGrp="1"/>
+          </p:cNvSpPr>
+          <p:nvPr>
+            <p:ph type="sldNum" sz="quarter" idx="5"/>
+          </p:nvPr>
+        </p:nvSpPr>
+        <p:spPr/>
+        <p:txBody>
+          <a:bodyPr/>
+          <a:lstStyle/>
+          <a:p>
+            <a:fld id="{E8B5171A-03FC-0642-9915-6F3CC8C2C25A}" type="slidenum">
+              <a:rPr kumimoji="1" lang="zh-CN" altLang="en-US" smtClean="0"/>
+              <a:t>18</a:t>
+            </a:fld>
+            <a:endParaRPr kumimoji="1" lang="zh-CN" altLang="en-US"/>
+          </a:p>
+        </p:txBody>
+      </p:sp>
+    </p:spTree>
+    <p:extLst>
+      <p:ext uri="{BB962C8B-B14F-4D97-AF65-F5344CB8AC3E}">
+        <p14:creationId xmlns:p14="http://schemas.microsoft.com/office/powerpoint/2010/main" val="2487342620"/>
+      </p:ext>
+    </p:extLst>
+  </p:cSld>
+  <p:clrMapOvr>
+    <a:masterClrMapping/>
+  </p:clrMapOvr>
+</p:notes>
+</file>
+
+<file path=ppt/notesSlides/notesSlide7.xml><?xml version="1.0" encoding="utf-8"?>
+<p:notes xmlns:a="http://schemas.openxmlformats.org/drawingml/2006/main" xmlns:r="http://schemas.openxmlformats.org/officeDocument/2006/relationships" xmlns:p="http://schemas.openxmlformats.org/presentationml/2006/main">
+  <p:cSld>
+    <p:spTree>
+      <p:nvGrpSpPr>
+        <p:cNvPr id="1" name=""/>
+        <p:cNvGrpSpPr/>
+        <p:nvPr/>
+      </p:nvGrpSpPr>
+      <p:grpSpPr>
+        <a:xfrm>
+          <a:off x="0" y="0"/>
+          <a:ext cx="0" cy="0"/>
+          <a:chOff x="0" y="0"/>
+          <a:chExt cx="0" cy="0"/>
+        </a:xfrm>
+      </p:grpSpPr>
+      <p:sp>
+        <p:nvSpPr>
+          <p:cNvPr id="2" name="幻灯片图像占位符 1"/>
+          <p:cNvSpPr>
+            <a:spLocks noGrp="1" noRot="1" noChangeAspect="1"/>
+          </p:cNvSpPr>
+          <p:nvPr>
+            <p:ph type="sldImg"/>
+          </p:nvPr>
+        </p:nvSpPr>
+        <p:spPr/>
+      </p:sp>
+      <p:sp>
+        <p:nvSpPr>
+          <p:cNvPr id="3" name="备注占位符 2"/>
+          <p:cNvSpPr>
+            <a:spLocks noGrp="1"/>
+          </p:cNvSpPr>
+          <p:nvPr>
+            <p:ph type="body" idx="1"/>
+          </p:nvPr>
+        </p:nvSpPr>
+        <p:spPr/>
+        <p:txBody>
+          <a:bodyPr/>
+          <a:lstStyle/>
+          <a:p>
+            <a:endParaRPr kumimoji="1" lang="zh-CN" altLang="en-US" dirty="0"/>
+          </a:p>
+        </p:txBody>
+      </p:sp>
+      <p:sp>
+        <p:nvSpPr>
+          <p:cNvPr id="4" name="灯片编号占位符 3"/>
+          <p:cNvSpPr>
+            <a:spLocks noGrp="1"/>
+          </p:cNvSpPr>
+          <p:nvPr>
+            <p:ph type="sldNum" sz="quarter" idx="5"/>
+          </p:nvPr>
+        </p:nvSpPr>
+        <p:spPr/>
+        <p:txBody>
+          <a:bodyPr/>
+          <a:lstStyle/>
+          <a:p>
+            <a:fld id="{E8B5171A-03FC-0642-9915-6F3CC8C2C25A}" type="slidenum">
+              <a:rPr kumimoji="1" lang="zh-CN" altLang="en-US" smtClean="0"/>
+              <a:t>19</a:t>
+            </a:fld>
+            <a:endParaRPr kumimoji="1" lang="zh-CN" altLang="en-US"/>
+          </a:p>
+        </p:txBody>
+      </p:sp>
+    </p:spTree>
+    <p:extLst>
+      <p:ext uri="{BB962C8B-B14F-4D97-AF65-F5344CB8AC3E}">
+        <p14:creationId xmlns:p14="http://schemas.microsoft.com/office/powerpoint/2010/main" val="114935265"/>
+      </p:ext>
+    </p:extLst>
+  </p:cSld>
+  <p:clrMapOvr>
+    <a:masterClrMapping/>
+  </p:clrMapOvr>
+</p:notes>
+</file>
+
+<file path=ppt/notesSlides/notesSlide8.xml><?xml version="1.0" encoding="utf-8"?>
+<p:notes xmlns:a="http://schemas.openxmlformats.org/drawingml/2006/main" xmlns:r="http://schemas.openxmlformats.org/officeDocument/2006/relationships" xmlns:p="http://schemas.openxmlformats.org/presentationml/2006/main">
+  <p:cSld>
+    <p:spTree>
+      <p:nvGrpSpPr>
+        <p:cNvPr id="1" name=""/>
+        <p:cNvGrpSpPr/>
+        <p:nvPr/>
+      </p:nvGrpSpPr>
+      <p:grpSpPr>
+        <a:xfrm>
+          <a:off x="0" y="0"/>
+          <a:ext cx="0" cy="0"/>
+          <a:chOff x="0" y="0"/>
+          <a:chExt cx="0" cy="0"/>
+        </a:xfrm>
+      </p:grpSpPr>
+      <p:sp>
+        <p:nvSpPr>
+          <p:cNvPr id="2" name="幻灯片图像占位符 1"/>
+          <p:cNvSpPr>
+            <a:spLocks noGrp="1" noRot="1" noChangeAspect="1"/>
+          </p:cNvSpPr>
+          <p:nvPr>
+            <p:ph type="sldImg"/>
+          </p:nvPr>
+        </p:nvSpPr>
+        <p:spPr/>
+      </p:sp>
+      <p:sp>
+        <p:nvSpPr>
+          <p:cNvPr id="3" name="备注占位符 2"/>
+          <p:cNvSpPr>
+            <a:spLocks noGrp="1"/>
+          </p:cNvSpPr>
+          <p:nvPr>
+            <p:ph type="body" idx="1"/>
+          </p:nvPr>
+        </p:nvSpPr>
+        <p:spPr/>
+        <p:txBody>
+          <a:bodyPr/>
+          <a:lstStyle/>
+          <a:p>
+            <a:endParaRPr kumimoji="1" lang="zh-CN" altLang="en-US" dirty="0"/>
+          </a:p>
+        </p:txBody>
+      </p:sp>
+      <p:sp>
+        <p:nvSpPr>
+          <p:cNvPr id="4" name="灯片编号占位符 3"/>
+          <p:cNvSpPr>
+            <a:spLocks noGrp="1"/>
+          </p:cNvSpPr>
+          <p:nvPr>
+            <p:ph type="sldNum" sz="quarter" idx="5"/>
+          </p:nvPr>
+        </p:nvSpPr>
+        <p:spPr/>
+        <p:txBody>
+          <a:bodyPr/>
+          <a:lstStyle/>
+          <a:p>
+            <a:fld id="{E8B5171A-03FC-0642-9915-6F3CC8C2C25A}" type="slidenum">
+              <a:rPr kumimoji="1" lang="zh-CN" altLang="en-US" smtClean="0"/>
+              <a:t>20</a:t>
+            </a:fld>
+            <a:endParaRPr kumimoji="1" lang="zh-CN" altLang="en-US"/>
+          </a:p>
+        </p:txBody>
+      </p:sp>
+    </p:spTree>
+    <p:extLst>
+      <p:ext uri="{BB962C8B-B14F-4D97-AF65-F5344CB8AC3E}">
+        <p14:creationId xmlns:p14="http://schemas.microsoft.com/office/powerpoint/2010/main" val="1908316723"/>
       </p:ext>
     </p:extLst>
   </p:cSld>
@@ -1077,7 +1203,7 @@
             <a:fld id="{8ACDB3CC-F982-40F9-8DD6-BCC9AFBF44BD}" type="datetime1">
               <a:rPr lang="en-US" smtClean="0"/>
               <a:pPr/>
-              <a:t>11/26/2023</a:t>
+              <a:t>12/6/2023</a:t>
             </a:fld>
             <a:endParaRPr lang="en-US" dirty="0"/>
           </a:p>
@@ -1255,7 +1381,7 @@
           <a:p>
             <a:fld id="{3C30CA21-89C5-A040-B01E-D208A7FA3D8D}" type="datetimeFigureOut">
               <a:rPr lang="en-US" smtClean="0"/>
-              <a:t>11/26/2023</a:t>
+              <a:t>12/6/2023</a:t>
             </a:fld>
             <a:endParaRPr lang="en-US"/>
           </a:p>
@@ -1495,7 +1621,7 @@
           <a:p>
             <a:fld id="{501656F7-E2D5-EF4D-B3EB-3635D9B80BFE}" type="datetimeFigureOut">
               <a:rPr lang="en-US" smtClean="0"/>
-              <a:t>11/26/2023</a:t>
+              <a:t>12/6/2023</a:t>
             </a:fld>
             <a:endParaRPr lang="en-US"/>
           </a:p>
@@ -1663,7 +1789,7 @@
           <a:p>
             <a:fld id="{501656F7-E2D5-EF4D-B3EB-3635D9B80BFE}" type="datetimeFigureOut">
               <a:rPr lang="en-US" smtClean="0"/>
-              <a:t>11/26/2023</a:t>
+              <a:t>12/6/2023</a:t>
             </a:fld>
             <a:endParaRPr lang="en-US"/>
           </a:p>
@@ -1908,7 +2034,7 @@
           <a:p>
             <a:fld id="{501656F7-E2D5-EF4D-B3EB-3635D9B80BFE}" type="datetimeFigureOut">
               <a:rPr lang="en-US" smtClean="0"/>
-              <a:t>11/26/2023</a:t>
+              <a:t>12/6/2023</a:t>
             </a:fld>
             <a:endParaRPr lang="en-US"/>
           </a:p>
@@ -2193,7 +2319,7 @@
           <a:p>
             <a:fld id="{501656F7-E2D5-EF4D-B3EB-3635D9B80BFE}" type="datetimeFigureOut">
               <a:rPr lang="en-US" smtClean="0"/>
-              <a:t>11/26/2023</a:t>
+              <a:t>12/6/2023</a:t>
             </a:fld>
             <a:endParaRPr lang="en-US"/>
           </a:p>
@@ -2612,7 +2738,7 @@
           <a:p>
             <a:fld id="{501656F7-E2D5-EF4D-B3EB-3635D9B80BFE}" type="datetimeFigureOut">
               <a:rPr lang="en-US" smtClean="0"/>
-              <a:t>11/26/2023</a:t>
+              <a:t>12/6/2023</a:t>
             </a:fld>
             <a:endParaRPr lang="en-US"/>
           </a:p>
@@ -2729,7 +2855,7 @@
           <a:p>
             <a:fld id="{501656F7-E2D5-EF4D-B3EB-3635D9B80BFE}" type="datetimeFigureOut">
               <a:rPr lang="en-US" smtClean="0"/>
-              <a:t>11/26/2023</a:t>
+              <a:t>12/6/2023</a:t>
             </a:fld>
             <a:endParaRPr lang="en-US"/>
           </a:p>
@@ -2824,7 +2950,7 @@
           <a:p>
             <a:fld id="{501656F7-E2D5-EF4D-B3EB-3635D9B80BFE}" type="datetimeFigureOut">
               <a:rPr lang="en-US" smtClean="0"/>
-              <a:t>11/26/2023</a:t>
+              <a:t>12/6/2023</a:t>
             </a:fld>
             <a:endParaRPr lang="en-US"/>
           </a:p>
@@ -3099,7 +3225,7 @@
           <a:p>
             <a:fld id="{501656F7-E2D5-EF4D-B3EB-3635D9B80BFE}" type="datetimeFigureOut">
               <a:rPr lang="en-US" smtClean="0"/>
-              <a:t>11/26/2023</a:t>
+              <a:t>12/6/2023</a:t>
             </a:fld>
             <a:endParaRPr lang="en-US"/>
           </a:p>
@@ -3351,7 +3477,7 @@
           <a:p>
             <a:fld id="{501656F7-E2D5-EF4D-B3EB-3635D9B80BFE}" type="datetimeFigureOut">
               <a:rPr lang="en-US" smtClean="0"/>
-              <a:t>11/26/2023</a:t>
+              <a:t>12/6/2023</a:t>
             </a:fld>
             <a:endParaRPr lang="en-US"/>
           </a:p>
@@ -3537,7 +3663,7 @@
           <a:p>
             <a:fld id="{3C30CA21-89C5-A040-B01E-D208A7FA3D8D}" type="datetimeFigureOut">
               <a:rPr lang="en-US" smtClean="0"/>
-              <a:t>11/26/2023</a:t>
+              <a:t>12/6/2023</a:t>
             </a:fld>
             <a:endParaRPr lang="en-US"/>
           </a:p>
@@ -3705,7 +3831,7 @@
           <a:p>
             <a:fld id="{501656F7-E2D5-EF4D-B3EB-3635D9B80BFE}" type="datetimeFigureOut">
               <a:rPr lang="en-US" smtClean="0"/>
-              <a:t>11/26/2023</a:t>
+              <a:t>12/6/2023</a:t>
             </a:fld>
             <a:endParaRPr lang="en-US"/>
           </a:p>
@@ -3883,7 +4009,7 @@
           <a:p>
             <a:fld id="{501656F7-E2D5-EF4D-B3EB-3635D9B80BFE}" type="datetimeFigureOut">
               <a:rPr lang="en-US" smtClean="0"/>
-              <a:t>11/26/2023</a:t>
+              <a:t>12/6/2023</a:t>
             </a:fld>
             <a:endParaRPr lang="en-US"/>
           </a:p>
@@ -4155,7 +4281,7 @@
           <a:p>
             <a:fld id="{3C30CA21-89C5-A040-B01E-D208A7FA3D8D}" type="datetimeFigureOut">
               <a:rPr lang="en-US" smtClean="0"/>
-              <a:t>11/26/2023</a:t>
+              <a:t>12/6/2023</a:t>
             </a:fld>
             <a:endParaRPr lang="en-US"/>
           </a:p>
@@ -4614,7 +4740,7 @@
           <a:p>
             <a:fld id="{3C30CA21-89C5-A040-B01E-D208A7FA3D8D}" type="datetimeFigureOut">
               <a:rPr lang="en-US" smtClean="0"/>
-              <a:t>11/26/2023</a:t>
+              <a:t>12/6/2023</a:t>
             </a:fld>
             <a:endParaRPr lang="en-US"/>
           </a:p>
@@ -4731,7 +4857,7 @@
           <a:p>
             <a:fld id="{3C30CA21-89C5-A040-B01E-D208A7FA3D8D}" type="datetimeFigureOut">
               <a:rPr lang="en-US" smtClean="0"/>
-              <a:t>11/26/2023</a:t>
+              <a:t>12/6/2023</a:t>
             </a:fld>
             <a:endParaRPr lang="en-US"/>
           </a:p>
@@ -4826,7 +4952,7 @@
           <a:p>
             <a:fld id="{3C30CA21-89C5-A040-B01E-D208A7FA3D8D}" type="datetimeFigureOut">
               <a:rPr lang="en-US" smtClean="0"/>
-              <a:t>11/26/2023</a:t>
+              <a:t>12/6/2023</a:t>
             </a:fld>
             <a:endParaRPr lang="en-US"/>
           </a:p>
@@ -5101,7 +5227,7 @@
           <a:p>
             <a:fld id="{3C30CA21-89C5-A040-B01E-D208A7FA3D8D}" type="datetimeFigureOut">
               <a:rPr lang="en-US" smtClean="0"/>
-              <a:t>11/26/2023</a:t>
+              <a:t>12/6/2023</a:t>
             </a:fld>
             <a:endParaRPr lang="en-US"/>
           </a:p>
@@ -5353,7 +5479,7 @@
           <a:p>
             <a:fld id="{3C30CA21-89C5-A040-B01E-D208A7FA3D8D}" type="datetimeFigureOut">
               <a:rPr lang="en-US" smtClean="0"/>
-              <a:t>11/26/2023</a:t>
+              <a:t>12/6/2023</a:t>
             </a:fld>
             <a:endParaRPr lang="en-US"/>
           </a:p>
@@ -5521,7 +5647,7 @@
           <a:p>
             <a:fld id="{3C30CA21-89C5-A040-B01E-D208A7FA3D8D}" type="datetimeFigureOut">
               <a:rPr lang="en-US" smtClean="0"/>
-              <a:t>11/26/2023</a:t>
+              <a:t>12/6/2023</a:t>
             </a:fld>
             <a:endParaRPr lang="en-US"/>
           </a:p>
@@ -5739,7 +5865,7 @@
           <a:p>
             <a:fld id="{68C2560D-EC28-3B41-86E8-18F1CE0113B4}" type="datetimeFigureOut">
               <a:rPr lang="en-US" smtClean="0"/>
-              <a:t>11/26/2023</a:t>
+              <a:t>12/6/2023</a:t>
             </a:fld>
             <a:endParaRPr lang="en-US"/>
           </a:p>
@@ -6293,7 +6419,7 @@
           <a:p>
             <a:fld id="{3C30CA21-89C5-A040-B01E-D208A7FA3D8D}" type="datetimeFigureOut">
               <a:rPr lang="en-US" smtClean="0"/>
-              <a:t>11/26/2023</a:t>
+              <a:t>12/6/2023</a:t>
             </a:fld>
             <a:endParaRPr lang="en-US"/>
           </a:p>
@@ -6799,7 +6925,7 @@
           <a:p>
             <a:fld id="{501656F7-E2D5-EF4D-B3EB-3635D9B80BFE}" type="datetimeFigureOut">
               <a:rPr lang="en-US" smtClean="0"/>
-              <a:t>11/26/2023</a:t>
+              <a:t>12/6/2023</a:t>
             </a:fld>
             <a:endParaRPr lang="en-US"/>
           </a:p>
@@ -7214,8 +7340,32 @@
           <a:p>
             <a:pPr algn="ctr"/>
             <a:r>
+              <a:rPr lang="en-US" altLang="zh-CN" dirty="0"/>
+              <a:t>Simulation</a:t>
+            </a:r>
+            <a:r>
+              <a:rPr lang="zh-CN" altLang="en-US" dirty="0"/>
+              <a:t> </a:t>
+            </a:r>
+            <a:r>
+              <a:rPr lang="en-US" altLang="zh-CN" dirty="0"/>
+              <a:t>of</a:t>
+            </a:r>
+            <a:r>
+              <a:rPr lang="zh-CN" altLang="en-US" dirty="0"/>
+              <a:t> </a:t>
+            </a:r>
+            <a:r>
+              <a:rPr lang="en-US" altLang="zh-CN" dirty="0"/>
+              <a:t>a</a:t>
+            </a:r>
+            <a:r>
+              <a:rPr lang="zh-CN" altLang="en-US" dirty="0"/>
+              <a:t> </a:t>
+            </a:r>
+            <a:r>
               <a:rPr lang="en-US" dirty="0"/>
-              <a:t>Overview of the Virtual File System (VFS)</a:t>
+              <a:t>Virtual File System (VFS)</a:t>
             </a:r>
           </a:p>
         </p:txBody>
@@ -7230,7 +7380,7 @@
         </p:nvSpPr>
         <p:spPr>
           <a:xfrm>
-            <a:off x="457200" y="1847122"/>
+            <a:off x="457200" y="1199426"/>
             <a:ext cx="8229600" cy="857250"/>
           </a:xfrm>
           <a:prstGeom prst="rect">
@@ -7239,7 +7389,7 @@
         </p:spPr>
         <p:txBody>
           <a:bodyPr vert="horz" lIns="91440" tIns="45720" rIns="91440" bIns="45720" rtlCol="0" anchor="ctr">
-            <a:normAutofit fontScale="85000" lnSpcReduction="20000"/>
+            <a:normAutofit/>
           </a:bodyPr>
           <a:lstStyle>
             <a:lvl1pPr algn="l" defTabSz="457200" rtl="0" eaLnBrk="1" latinLnBrk="0" hangingPunct="1">
@@ -7260,9 +7410,34 @@
           <a:p>
             <a:pPr algn="ctr"/>
             <a:r>
-              <a:rPr lang="en-US" sz="3600" dirty="0"/>
-              <a:t>A comprehensive simulation of file system operations</a:t>
-            </a:r>
+              <a:rPr lang="en-US" altLang="zh-CN" sz="3600" dirty="0"/>
+              <a:t>With</a:t>
+            </a:r>
+            <a:r>
+              <a:rPr lang="zh-CN" altLang="en-US" sz="3600" dirty="0"/>
+              <a:t> </a:t>
+            </a:r>
+            <a:r>
+              <a:rPr lang="en-US" altLang="zh-CN" sz="3600" dirty="0"/>
+              <a:t>Multi-user</a:t>
+            </a:r>
+            <a:r>
+              <a:rPr lang="zh-CN" altLang="en-US" sz="3600" dirty="0"/>
+              <a:t> </a:t>
+            </a:r>
+            <a:r>
+              <a:rPr lang="en-US" altLang="zh-CN" sz="3600" dirty="0"/>
+              <a:t>and</a:t>
+            </a:r>
+            <a:r>
+              <a:rPr lang="zh-CN" altLang="en-US" sz="3600" dirty="0"/>
+              <a:t> </a:t>
+            </a:r>
+            <a:r>
+              <a:rPr lang="en-US" altLang="zh-CN" sz="3600" dirty="0"/>
+              <a:t>Multi-Directory</a:t>
+            </a:r>
+            <a:endParaRPr lang="en-US" sz="3600" dirty="0"/>
           </a:p>
         </p:txBody>
       </p:sp>
@@ -7394,26 +7569,1702 @@
             <p:ph type="title"/>
           </p:nvPr>
         </p:nvSpPr>
-        <p:spPr/>
+        <p:spPr>
+          <a:xfrm>
+            <a:off x="457200" y="206375"/>
+            <a:ext cx="8229600" cy="857250"/>
+          </a:xfrm>
+        </p:spPr>
+        <p:txBody>
+          <a:bodyPr anchor="ctr">
+            <a:normAutofit/>
+          </a:bodyPr>
+          <a:lstStyle/>
+          <a:p>
+            <a:pPr algn="ctr"/>
+            <a:r>
+              <a:rPr kumimoji="1" lang="en-US" altLang="zh-CN" sz="3600" b="1" dirty="0"/>
+              <a:t>Security and Access Control</a:t>
+            </a:r>
+            <a:endParaRPr kumimoji="1" lang="zh-CN" altLang="en-US" sz="3600" b="1" dirty="0"/>
+          </a:p>
+        </p:txBody>
+      </p:sp>
+      <p:sp>
+        <p:nvSpPr>
+          <p:cNvPr id="4" name="内容占位符 3">
+            <a:extLst>
+              <a:ext uri="{FF2B5EF4-FFF2-40B4-BE49-F238E27FC236}">
+                <a16:creationId xmlns:a16="http://schemas.microsoft.com/office/drawing/2014/main" id="{C67385F7-FEEB-ADAE-D42F-E98D26BC7D19}"/>
+              </a:ext>
+            </a:extLst>
+          </p:cNvPr>
+          <p:cNvSpPr>
+            <a:spLocks noGrp="1"/>
+          </p:cNvSpPr>
+          <p:nvPr>
+            <p:ph sz="half" idx="1"/>
+          </p:nvPr>
+        </p:nvSpPr>
+        <p:spPr>
+          <a:xfrm>
+            <a:off x="457200" y="1446407"/>
+            <a:ext cx="4432434" cy="3394075"/>
+          </a:xfrm>
+        </p:spPr>
         <p:txBody>
           <a:bodyPr>
             <a:normAutofit/>
           </a:bodyPr>
           <a:lstStyle/>
           <a:p>
-            <a:pPr algn="ctr"/>
-            <a:r>
-              <a:rPr kumimoji="1" lang="en-US" altLang="zh-CN" sz="3600" b="1" dirty="0"/>
-              <a:t>Demonstration</a:t>
-            </a:r>
-            <a:endParaRPr kumimoji="1" lang="zh-CN" altLang="en-US" sz="3600" b="1" dirty="0"/>
-          </a:p>
-        </p:txBody>
-      </p:sp>
+            <a:pPr>
+              <a:buFont typeface="Arial" panose="020B0604020202020204" pitchFamily="34" charset="0"/>
+              <a:buChar char="•"/>
+            </a:pPr>
+            <a:r>
+              <a:rPr lang="en-US" altLang="zh-CN" b="1" i="0" dirty="0">
+                <a:effectLst/>
+              </a:rPr>
+              <a:t>Basic User Authentication:</a:t>
+            </a:r>
+            <a:r>
+              <a:rPr lang="en-US" altLang="zh-CN" b="0" i="0" dirty="0">
+                <a:effectLst/>
+              </a:rPr>
+              <a:t> Password protection for user accounts</a:t>
+            </a:r>
+          </a:p>
+          <a:p>
+            <a:pPr>
+              <a:buFont typeface="Arial" panose="020B0604020202020204" pitchFamily="34" charset="0"/>
+              <a:buChar char="•"/>
+            </a:pPr>
+            <a:endParaRPr lang="en-US" altLang="zh-CN" b="0" i="0" dirty="0">
+              <a:effectLst/>
+            </a:endParaRPr>
+          </a:p>
+          <a:p>
+            <a:pPr>
+              <a:buFont typeface="Arial" panose="020B0604020202020204" pitchFamily="34" charset="0"/>
+              <a:buChar char="•"/>
+            </a:pPr>
+            <a:r>
+              <a:rPr lang="en-US" altLang="zh-CN" b="1" i="0" dirty="0">
+                <a:effectLst/>
+              </a:rPr>
+              <a:t>Access Control:</a:t>
+            </a:r>
+            <a:r>
+              <a:rPr lang="en-US" altLang="zh-CN" b="0" i="0" dirty="0">
+                <a:effectLst/>
+              </a:rPr>
+              <a:t> User-specific directories</a:t>
+            </a:r>
+          </a:p>
+        </p:txBody>
+      </p:sp>
+      <p:pic>
+        <p:nvPicPr>
+          <p:cNvPr id="5" name="图片 4" descr="文本&#10;&#10;描述已自动生成">
+            <a:extLst>
+              <a:ext uri="{FF2B5EF4-FFF2-40B4-BE49-F238E27FC236}">
+                <a16:creationId xmlns:a16="http://schemas.microsoft.com/office/drawing/2014/main" id="{F993B7B8-92FB-376F-4CC9-F04E8F4012D3}"/>
+              </a:ext>
+            </a:extLst>
+          </p:cNvPr>
+          <p:cNvPicPr>
+            <a:picLocks noChangeAspect="1"/>
+          </p:cNvPicPr>
+          <p:nvPr/>
+        </p:nvPicPr>
+        <p:blipFill>
+          <a:blip r:embed="rId3"/>
+          <a:stretch>
+            <a:fillRect/>
+          </a:stretch>
+        </p:blipFill>
+        <p:spPr>
+          <a:xfrm>
+            <a:off x="5203277" y="1595422"/>
+            <a:ext cx="2766441" cy="2552041"/>
+          </a:xfrm>
+          <a:prstGeom prst="rect">
+            <a:avLst/>
+          </a:prstGeom>
+          <a:noFill/>
+        </p:spPr>
+      </p:pic>
     </p:spTree>
     <p:extLst>
       <p:ext uri="{BB962C8B-B14F-4D97-AF65-F5344CB8AC3E}">
-        <p14:creationId xmlns:p14="http://schemas.microsoft.com/office/powerpoint/2010/main" val="4113354476"/>
+        <p14:creationId xmlns:p14="http://schemas.microsoft.com/office/powerpoint/2010/main" val="1741449533"/>
+      </p:ext>
+    </p:extLst>
+  </p:cSld>
+  <p:clrMapOvr>
+    <a:masterClrMapping/>
+  </p:clrMapOvr>
+</p:sld>
+</file>
+
+<file path=ppt/slides/slide11.xml><?xml version="1.0" encoding="utf-8"?>
+<p:sld xmlns:a="http://schemas.openxmlformats.org/drawingml/2006/main" xmlns:r="http://schemas.openxmlformats.org/officeDocument/2006/relationships" xmlns:p="http://schemas.openxmlformats.org/presentationml/2006/main">
+  <p:cSld>
+    <p:spTree>
+      <p:nvGrpSpPr>
+        <p:cNvPr id="1" name=""/>
+        <p:cNvGrpSpPr/>
+        <p:nvPr/>
+      </p:nvGrpSpPr>
+      <p:grpSpPr>
+        <a:xfrm>
+          <a:off x="0" y="0"/>
+          <a:ext cx="0" cy="0"/>
+          <a:chOff x="0" y="0"/>
+          <a:chExt cx="0" cy="0"/>
+        </a:xfrm>
+      </p:grpSpPr>
+      <p:sp>
+        <p:nvSpPr>
+          <p:cNvPr id="2" name="标题 1">
+            <a:extLst>
+              <a:ext uri="{FF2B5EF4-FFF2-40B4-BE49-F238E27FC236}">
+                <a16:creationId xmlns:a16="http://schemas.microsoft.com/office/drawing/2014/main" id="{1DCE679E-7120-4EFF-95A8-644B0D2CC671}"/>
+              </a:ext>
+            </a:extLst>
+          </p:cNvPr>
+          <p:cNvSpPr>
+            <a:spLocks noGrp="1"/>
+          </p:cNvSpPr>
+          <p:nvPr>
+            <p:ph type="title"/>
+          </p:nvPr>
+        </p:nvSpPr>
+        <p:spPr>
+          <a:xfrm>
+            <a:off x="457200" y="206375"/>
+            <a:ext cx="8229600" cy="857250"/>
+          </a:xfrm>
+        </p:spPr>
+        <p:txBody>
+          <a:bodyPr anchor="ctr">
+            <a:normAutofit/>
+          </a:bodyPr>
+          <a:lstStyle/>
+          <a:p>
+            <a:pPr algn="ctr"/>
+            <a:r>
+              <a:rPr kumimoji="1" lang="en-US" altLang="zh-CN" sz="3600" b="1" dirty="0"/>
+              <a:t>File Operations</a:t>
+            </a:r>
+            <a:endParaRPr kumimoji="1" lang="zh-CN" altLang="en-US" sz="3600" b="1" dirty="0"/>
+          </a:p>
+        </p:txBody>
+      </p:sp>
+      <p:sp>
+        <p:nvSpPr>
+          <p:cNvPr id="4" name="内容占位符 3">
+            <a:extLst>
+              <a:ext uri="{FF2B5EF4-FFF2-40B4-BE49-F238E27FC236}">
+                <a16:creationId xmlns:a16="http://schemas.microsoft.com/office/drawing/2014/main" id="{C67385F7-FEEB-ADAE-D42F-E98D26BC7D19}"/>
+              </a:ext>
+            </a:extLst>
+          </p:cNvPr>
+          <p:cNvSpPr>
+            <a:spLocks noGrp="1"/>
+          </p:cNvSpPr>
+          <p:nvPr>
+            <p:ph sz="half" idx="1"/>
+          </p:nvPr>
+        </p:nvSpPr>
+        <p:spPr>
+          <a:xfrm>
+            <a:off x="457200" y="1244277"/>
+            <a:ext cx="4038600" cy="3394075"/>
+          </a:xfrm>
+        </p:spPr>
+        <p:txBody>
+          <a:bodyPr>
+            <a:normAutofit/>
+          </a:bodyPr>
+          <a:lstStyle/>
+          <a:p>
+            <a:pPr>
+              <a:lnSpc>
+                <a:spcPct val="90000"/>
+              </a:lnSpc>
+              <a:buFont typeface="Arial" panose="020B0604020202020204" pitchFamily="34" charset="0"/>
+              <a:buChar char="•"/>
+            </a:pPr>
+            <a:r>
+              <a:rPr lang="en-US" altLang="zh-CN" sz="1800" b="1" i="0" dirty="0">
+                <a:effectLst/>
+              </a:rPr>
+              <a:t>Creating Files: ‘create’</a:t>
+            </a:r>
+          </a:p>
+          <a:p>
+            <a:pPr>
+              <a:lnSpc>
+                <a:spcPct val="90000"/>
+              </a:lnSpc>
+              <a:buFont typeface="Arial" panose="020B0604020202020204" pitchFamily="34" charset="0"/>
+              <a:buChar char="•"/>
+            </a:pPr>
+            <a:r>
+              <a:rPr lang="en-US" altLang="zh-CN" sz="1800" b="1" i="0" dirty="0">
+                <a:effectLst/>
+              </a:rPr>
+              <a:t>Deleting Files: ‘del’</a:t>
+            </a:r>
+          </a:p>
+          <a:p>
+            <a:pPr>
+              <a:lnSpc>
+                <a:spcPct val="90000"/>
+              </a:lnSpc>
+              <a:buFont typeface="Arial" panose="020B0604020202020204" pitchFamily="34" charset="0"/>
+              <a:buChar char="•"/>
+            </a:pPr>
+            <a:r>
+              <a:rPr lang="en-US" altLang="zh-CN" sz="1800" b="1" i="0" dirty="0">
+                <a:effectLst/>
+              </a:rPr>
+              <a:t>Opening and Closing Files:  ‘open’ </a:t>
+            </a:r>
+            <a:r>
+              <a:rPr lang="en-US" altLang="zh-CN" sz="1800" i="0" dirty="0">
+                <a:effectLst/>
+              </a:rPr>
+              <a:t>and</a:t>
+            </a:r>
+            <a:r>
+              <a:rPr lang="en-US" altLang="zh-CN" sz="1800" b="1" i="0" dirty="0">
+                <a:effectLst/>
+              </a:rPr>
+              <a:t> ‘close’</a:t>
+            </a:r>
+          </a:p>
+          <a:p>
+            <a:pPr>
+              <a:lnSpc>
+                <a:spcPct val="90000"/>
+              </a:lnSpc>
+              <a:buFont typeface="Arial" panose="020B0604020202020204" pitchFamily="34" charset="0"/>
+              <a:buChar char="•"/>
+            </a:pPr>
+            <a:r>
+              <a:rPr lang="en-US" altLang="zh-CN" sz="1800" b="1" i="0" dirty="0">
+                <a:effectLst/>
+              </a:rPr>
+              <a:t>Reading and Writing Files: ‘read’ </a:t>
+            </a:r>
+            <a:r>
+              <a:rPr lang="en-US" altLang="zh-CN" sz="1800" i="0" dirty="0">
+                <a:effectLst/>
+              </a:rPr>
+              <a:t>and</a:t>
+            </a:r>
+            <a:r>
+              <a:rPr lang="en-US" altLang="zh-CN" sz="1800" b="1" i="0" dirty="0">
+                <a:effectLst/>
+              </a:rPr>
+              <a:t> ‘write’</a:t>
+            </a:r>
+          </a:p>
+          <a:p>
+            <a:pPr>
+              <a:lnSpc>
+                <a:spcPct val="90000"/>
+              </a:lnSpc>
+              <a:buFont typeface="Arial" panose="020B0604020202020204" pitchFamily="34" charset="0"/>
+              <a:buChar char="•"/>
+            </a:pPr>
+            <a:r>
+              <a:rPr lang="en-US" altLang="zh-CN" sz="1800" b="1" i="0" dirty="0">
+                <a:effectLst/>
+              </a:rPr>
+              <a:t>Listing Contents: ‘</a:t>
+            </a:r>
+            <a:r>
+              <a:rPr lang="en-US" altLang="zh-CN" sz="1800" b="1" i="0" dirty="0" err="1">
+                <a:effectLst/>
+              </a:rPr>
+              <a:t>dir</a:t>
+            </a:r>
+            <a:r>
+              <a:rPr lang="en-US" altLang="zh-CN" sz="1800" b="1" i="0" dirty="0">
+                <a:effectLst/>
+              </a:rPr>
+              <a:t>’</a:t>
+            </a:r>
+          </a:p>
+          <a:p>
+            <a:pPr>
+              <a:lnSpc>
+                <a:spcPct val="90000"/>
+              </a:lnSpc>
+              <a:buFont typeface="Arial" panose="020B0604020202020204" pitchFamily="34" charset="0"/>
+              <a:buChar char="•"/>
+            </a:pPr>
+            <a:r>
+              <a:rPr lang="en-US" altLang="zh-CN" sz="1800" b="1" i="0" dirty="0">
+                <a:effectLst/>
+              </a:rPr>
+              <a:t>Changing Directories: ‘cd’</a:t>
+            </a:r>
+          </a:p>
+          <a:p>
+            <a:pPr>
+              <a:lnSpc>
+                <a:spcPct val="90000"/>
+              </a:lnSpc>
+              <a:buFont typeface="Arial" panose="020B0604020202020204" pitchFamily="34" charset="0"/>
+              <a:buChar char="•"/>
+            </a:pPr>
+            <a:r>
+              <a:rPr lang="en-US" altLang="zh-CN" sz="1800" b="1" i="0" dirty="0">
+                <a:effectLst/>
+              </a:rPr>
+              <a:t>Creating and Deleting Directories:  ‘md’ </a:t>
+            </a:r>
+            <a:r>
+              <a:rPr lang="en-US" altLang="zh-CN" sz="1800" i="0" dirty="0">
+                <a:effectLst/>
+              </a:rPr>
+              <a:t>and</a:t>
+            </a:r>
+            <a:r>
+              <a:rPr lang="en-US" altLang="zh-CN" sz="1800" b="1" i="0" dirty="0">
+                <a:effectLst/>
+              </a:rPr>
+              <a:t> ‘</a:t>
+            </a:r>
+            <a:r>
+              <a:rPr lang="en-US" altLang="zh-CN" sz="1800" b="1" i="0" dirty="0" err="1">
+                <a:effectLst/>
+              </a:rPr>
+              <a:t>rd</a:t>
+            </a:r>
+            <a:r>
+              <a:rPr lang="en-US" altLang="zh-CN" sz="1800" b="1" i="0" dirty="0">
+                <a:effectLst/>
+              </a:rPr>
+              <a:t>’</a:t>
+            </a:r>
+            <a:endParaRPr kumimoji="1" lang="zh-CN" altLang="en-US" sz="1800" dirty="0"/>
+          </a:p>
+          <a:p>
+            <a:pPr>
+              <a:lnSpc>
+                <a:spcPct val="90000"/>
+              </a:lnSpc>
+              <a:buFont typeface="Arial" panose="020B0604020202020204" pitchFamily="34" charset="0"/>
+              <a:buChar char="•"/>
+            </a:pPr>
+            <a:endParaRPr kumimoji="1" lang="zh-CN" altLang="en-US" dirty="0"/>
+          </a:p>
+        </p:txBody>
+      </p:sp>
+      <p:pic>
+        <p:nvPicPr>
+          <p:cNvPr id="5" name="图片 4" descr="电脑屏幕的照片上有文字&#10;&#10;中度可信度描述已自动生成">
+            <a:extLst>
+              <a:ext uri="{FF2B5EF4-FFF2-40B4-BE49-F238E27FC236}">
+                <a16:creationId xmlns:a16="http://schemas.microsoft.com/office/drawing/2014/main" id="{28C69F6C-7C7A-23F7-6964-4DED3D1F4622}"/>
+              </a:ext>
+            </a:extLst>
+          </p:cNvPr>
+          <p:cNvPicPr>
+            <a:picLocks noChangeAspect="1"/>
+          </p:cNvPicPr>
+          <p:nvPr/>
+        </p:nvPicPr>
+        <p:blipFill>
+          <a:blip r:embed="rId3"/>
+          <a:stretch>
+            <a:fillRect/>
+          </a:stretch>
+        </p:blipFill>
+        <p:spPr>
+          <a:xfrm>
+            <a:off x="4572000" y="1688152"/>
+            <a:ext cx="4108728" cy="2506324"/>
+          </a:xfrm>
+          <a:prstGeom prst="rect">
+            <a:avLst/>
+          </a:prstGeom>
+          <a:noFill/>
+        </p:spPr>
+      </p:pic>
+    </p:spTree>
+    <p:extLst>
+      <p:ext uri="{BB962C8B-B14F-4D97-AF65-F5344CB8AC3E}">
+        <p14:creationId xmlns:p14="http://schemas.microsoft.com/office/powerpoint/2010/main" val="2726854522"/>
+      </p:ext>
+    </p:extLst>
+  </p:cSld>
+  <p:clrMapOvr>
+    <a:masterClrMapping/>
+  </p:clrMapOvr>
+</p:sld>
+</file>
+
+<file path=ppt/slides/slide12.xml><?xml version="1.0" encoding="utf-8"?>
+<p:sld xmlns:a="http://schemas.openxmlformats.org/drawingml/2006/main" xmlns:r="http://schemas.openxmlformats.org/officeDocument/2006/relationships" xmlns:p="http://schemas.openxmlformats.org/presentationml/2006/main">
+  <p:cSld>
+    <p:spTree>
+      <p:nvGrpSpPr>
+        <p:cNvPr id="1" name=""/>
+        <p:cNvGrpSpPr/>
+        <p:nvPr/>
+      </p:nvGrpSpPr>
+      <p:grpSpPr>
+        <a:xfrm>
+          <a:off x="0" y="0"/>
+          <a:ext cx="0" cy="0"/>
+          <a:chOff x="0" y="0"/>
+          <a:chExt cx="0" cy="0"/>
+        </a:xfrm>
+      </p:grpSpPr>
+      <p:sp>
+        <p:nvSpPr>
+          <p:cNvPr id="2" name="标题 1">
+            <a:extLst>
+              <a:ext uri="{FF2B5EF4-FFF2-40B4-BE49-F238E27FC236}">
+                <a16:creationId xmlns:a16="http://schemas.microsoft.com/office/drawing/2014/main" id="{A5973538-E0C0-8442-1BB2-53EFB7C893DB}"/>
+              </a:ext>
+            </a:extLst>
+          </p:cNvPr>
+          <p:cNvSpPr>
+            <a:spLocks noGrp="1"/>
+          </p:cNvSpPr>
+          <p:nvPr>
+            <p:ph type="title"/>
+          </p:nvPr>
+        </p:nvSpPr>
+        <p:spPr/>
+        <p:txBody>
+          <a:bodyPr>
+            <a:normAutofit/>
+          </a:bodyPr>
+          <a:lstStyle/>
+          <a:p>
+            <a:pPr algn="ctr"/>
+            <a:r>
+              <a:rPr kumimoji="1" lang="en-US" altLang="zh-CN" sz="3600" b="1" dirty="0"/>
+              <a:t>Creating Files</a:t>
+            </a:r>
+            <a:endParaRPr kumimoji="1" lang="zh-CN" altLang="en-US" sz="3600" b="1" dirty="0"/>
+          </a:p>
+        </p:txBody>
+      </p:sp>
+      <p:sp>
+        <p:nvSpPr>
+          <p:cNvPr id="3" name="内容占位符 2">
+            <a:extLst>
+              <a:ext uri="{FF2B5EF4-FFF2-40B4-BE49-F238E27FC236}">
+                <a16:creationId xmlns:a16="http://schemas.microsoft.com/office/drawing/2014/main" id="{4C3DB08F-AD31-1B09-1007-E5201C9BC3E6}"/>
+              </a:ext>
+            </a:extLst>
+          </p:cNvPr>
+          <p:cNvSpPr>
+            <a:spLocks noGrp="1"/>
+          </p:cNvSpPr>
+          <p:nvPr>
+            <p:ph sz="half" idx="1"/>
+          </p:nvPr>
+        </p:nvSpPr>
+        <p:spPr>
+          <a:xfrm>
+            <a:off x="457199" y="1244277"/>
+            <a:ext cx="8229600" cy="1595176"/>
+          </a:xfrm>
+        </p:spPr>
+        <p:txBody>
+          <a:bodyPr>
+            <a:normAutofit/>
+          </a:bodyPr>
+          <a:lstStyle/>
+          <a:p>
+            <a:pPr marL="0" indent="0">
+              <a:buNone/>
+            </a:pPr>
+            <a:r>
+              <a:rPr kumimoji="1" lang="en-US" altLang="zh-CN" dirty="0"/>
+              <a:t>When creating a new file, the system allocates a directory entry for the file in FAT</a:t>
+            </a:r>
+            <a:r>
+              <a:rPr kumimoji="1" lang="zh-CN" altLang="en-US" dirty="0"/>
+              <a:t> </a:t>
+            </a:r>
+            <a:r>
+              <a:rPr kumimoji="1" lang="en-US" altLang="zh-CN" dirty="0"/>
+              <a:t>directory entry for the file. The directory entry should record the file name of the new file, the total capacity of the file and the starting location of the file on the disk.</a:t>
+            </a:r>
+            <a:r>
+              <a:rPr kumimoji="1" lang="zh-CN" altLang="en-US" dirty="0"/>
+              <a:t> </a:t>
+            </a:r>
+          </a:p>
+        </p:txBody>
+      </p:sp>
+      <p:pic>
+        <p:nvPicPr>
+          <p:cNvPr id="6" name="图片 5" descr="文本&#10;&#10;描述已自动生成">
+            <a:extLst>
+              <a:ext uri="{FF2B5EF4-FFF2-40B4-BE49-F238E27FC236}">
+                <a16:creationId xmlns:a16="http://schemas.microsoft.com/office/drawing/2014/main" id="{438981E4-25DE-3316-AD97-D1F71E31BADB}"/>
+              </a:ext>
+            </a:extLst>
+          </p:cNvPr>
+          <p:cNvPicPr>
+            <a:picLocks noChangeAspect="1"/>
+          </p:cNvPicPr>
+          <p:nvPr/>
+        </p:nvPicPr>
+        <p:blipFill>
+          <a:blip r:embed="rId2"/>
+          <a:stretch>
+            <a:fillRect/>
+          </a:stretch>
+        </p:blipFill>
+        <p:spPr>
+          <a:xfrm>
+            <a:off x="1271595" y="2769150"/>
+            <a:ext cx="6600808" cy="1302321"/>
+          </a:xfrm>
+          <a:prstGeom prst="rect">
+            <a:avLst/>
+          </a:prstGeom>
+        </p:spPr>
+      </p:pic>
+    </p:spTree>
+    <p:extLst>
+      <p:ext uri="{BB962C8B-B14F-4D97-AF65-F5344CB8AC3E}">
+        <p14:creationId xmlns:p14="http://schemas.microsoft.com/office/powerpoint/2010/main" val="4189715242"/>
+      </p:ext>
+    </p:extLst>
+  </p:cSld>
+  <p:clrMapOvr>
+    <a:masterClrMapping/>
+  </p:clrMapOvr>
+</p:sld>
+</file>
+
+<file path=ppt/slides/slide13.xml><?xml version="1.0" encoding="utf-8"?>
+<p:sld xmlns:a="http://schemas.openxmlformats.org/drawingml/2006/main" xmlns:r="http://schemas.openxmlformats.org/officeDocument/2006/relationships" xmlns:p="http://schemas.openxmlformats.org/presentationml/2006/main">
+  <p:cSld>
+    <p:spTree>
+      <p:nvGrpSpPr>
+        <p:cNvPr id="1" name=""/>
+        <p:cNvGrpSpPr/>
+        <p:nvPr/>
+      </p:nvGrpSpPr>
+      <p:grpSpPr>
+        <a:xfrm>
+          <a:off x="0" y="0"/>
+          <a:ext cx="0" cy="0"/>
+          <a:chOff x="0" y="0"/>
+          <a:chExt cx="0" cy="0"/>
+        </a:xfrm>
+      </p:grpSpPr>
+      <p:sp>
+        <p:nvSpPr>
+          <p:cNvPr id="2" name="标题 1">
+            <a:extLst>
+              <a:ext uri="{FF2B5EF4-FFF2-40B4-BE49-F238E27FC236}">
+                <a16:creationId xmlns:a16="http://schemas.microsoft.com/office/drawing/2014/main" id="{A5973538-E0C0-8442-1BB2-53EFB7C893DB}"/>
+              </a:ext>
+            </a:extLst>
+          </p:cNvPr>
+          <p:cNvSpPr>
+            <a:spLocks noGrp="1"/>
+          </p:cNvSpPr>
+          <p:nvPr>
+            <p:ph type="title"/>
+          </p:nvPr>
+        </p:nvSpPr>
+        <p:spPr/>
+        <p:txBody>
+          <a:bodyPr>
+            <a:normAutofit/>
+          </a:bodyPr>
+          <a:lstStyle/>
+          <a:p>
+            <a:pPr algn="ctr"/>
+            <a:r>
+              <a:rPr kumimoji="1" lang="en-US" altLang="zh-CN" sz="3600" b="1" dirty="0"/>
+              <a:t>Deleting Files</a:t>
+            </a:r>
+            <a:endParaRPr kumimoji="1" lang="zh-CN" altLang="en-US" sz="3600" b="1" dirty="0"/>
+          </a:p>
+        </p:txBody>
+      </p:sp>
+      <p:sp>
+        <p:nvSpPr>
+          <p:cNvPr id="3" name="内容占位符 2">
+            <a:extLst>
+              <a:ext uri="{FF2B5EF4-FFF2-40B4-BE49-F238E27FC236}">
+                <a16:creationId xmlns:a16="http://schemas.microsoft.com/office/drawing/2014/main" id="{4C3DB08F-AD31-1B09-1007-E5201C9BC3E6}"/>
+              </a:ext>
+            </a:extLst>
+          </p:cNvPr>
+          <p:cNvSpPr>
+            <a:spLocks noGrp="1"/>
+          </p:cNvSpPr>
+          <p:nvPr>
+            <p:ph sz="half" idx="1"/>
+          </p:nvPr>
+        </p:nvSpPr>
+        <p:spPr>
+          <a:xfrm>
+            <a:off x="457199" y="1244277"/>
+            <a:ext cx="8229600" cy="1142788"/>
+          </a:xfrm>
+        </p:spPr>
+        <p:txBody>
+          <a:bodyPr>
+            <a:normAutofit/>
+          </a:bodyPr>
+          <a:lstStyle/>
+          <a:p>
+            <a:pPr marL="0" indent="0">
+              <a:buNone/>
+            </a:pPr>
+            <a:r>
+              <a:rPr kumimoji="1" lang="en-US" altLang="zh-CN" dirty="0"/>
+              <a:t>When deleting a file, the system can delete the node from the file chain table and reclaim the disk space corresponding to the node disk space corresponding to the node.</a:t>
+            </a:r>
+            <a:endParaRPr kumimoji="1" lang="zh-CN" altLang="en-US" dirty="0"/>
+          </a:p>
+        </p:txBody>
+      </p:sp>
+      <p:pic>
+        <p:nvPicPr>
+          <p:cNvPr id="5" name="图片 4" descr="文本&#10;&#10;描述已自动生成">
+            <a:extLst>
+              <a:ext uri="{FF2B5EF4-FFF2-40B4-BE49-F238E27FC236}">
+                <a16:creationId xmlns:a16="http://schemas.microsoft.com/office/drawing/2014/main" id="{AC10D00D-D88E-94B1-135B-1677416D03E9}"/>
+              </a:ext>
+            </a:extLst>
+          </p:cNvPr>
+          <p:cNvPicPr>
+            <a:picLocks noChangeAspect="1"/>
+          </p:cNvPicPr>
+          <p:nvPr/>
+        </p:nvPicPr>
+        <p:blipFill>
+          <a:blip r:embed="rId2"/>
+          <a:stretch>
+            <a:fillRect/>
+          </a:stretch>
+        </p:blipFill>
+        <p:spPr>
+          <a:xfrm>
+            <a:off x="1662196" y="2489375"/>
+            <a:ext cx="5819606" cy="1743525"/>
+          </a:xfrm>
+          <a:prstGeom prst="rect">
+            <a:avLst/>
+          </a:prstGeom>
+        </p:spPr>
+      </p:pic>
+    </p:spTree>
+    <p:extLst>
+      <p:ext uri="{BB962C8B-B14F-4D97-AF65-F5344CB8AC3E}">
+        <p14:creationId xmlns:p14="http://schemas.microsoft.com/office/powerpoint/2010/main" val="826009003"/>
+      </p:ext>
+    </p:extLst>
+  </p:cSld>
+  <p:clrMapOvr>
+    <a:masterClrMapping/>
+  </p:clrMapOvr>
+</p:sld>
+</file>
+
+<file path=ppt/slides/slide14.xml><?xml version="1.0" encoding="utf-8"?>
+<p:sld xmlns:a="http://schemas.openxmlformats.org/drawingml/2006/main" xmlns:r="http://schemas.openxmlformats.org/officeDocument/2006/relationships" xmlns:p="http://schemas.openxmlformats.org/presentationml/2006/main">
+  <p:cSld>
+    <p:spTree>
+      <p:nvGrpSpPr>
+        <p:cNvPr id="1" name=""/>
+        <p:cNvGrpSpPr/>
+        <p:nvPr/>
+      </p:nvGrpSpPr>
+      <p:grpSpPr>
+        <a:xfrm>
+          <a:off x="0" y="0"/>
+          <a:ext cx="0" cy="0"/>
+          <a:chOff x="0" y="0"/>
+          <a:chExt cx="0" cy="0"/>
+        </a:xfrm>
+      </p:grpSpPr>
+      <p:sp>
+        <p:nvSpPr>
+          <p:cNvPr id="2" name="标题 1">
+            <a:extLst>
+              <a:ext uri="{FF2B5EF4-FFF2-40B4-BE49-F238E27FC236}">
+                <a16:creationId xmlns:a16="http://schemas.microsoft.com/office/drawing/2014/main" id="{A5973538-E0C0-8442-1BB2-53EFB7C893DB}"/>
+              </a:ext>
+            </a:extLst>
+          </p:cNvPr>
+          <p:cNvSpPr>
+            <a:spLocks noGrp="1"/>
+          </p:cNvSpPr>
+          <p:nvPr>
+            <p:ph type="title"/>
+          </p:nvPr>
+        </p:nvSpPr>
+        <p:spPr/>
+        <p:txBody>
+          <a:bodyPr>
+            <a:normAutofit/>
+          </a:bodyPr>
+          <a:lstStyle/>
+          <a:p>
+            <a:pPr algn="ctr"/>
+            <a:r>
+              <a:rPr kumimoji="1" lang="en-US" altLang="zh-CN" sz="3600" b="1" dirty="0"/>
+              <a:t>Write Files</a:t>
+            </a:r>
+            <a:endParaRPr kumimoji="1" lang="zh-CN" altLang="en-US" sz="3600" b="1" dirty="0"/>
+          </a:p>
+        </p:txBody>
+      </p:sp>
+      <p:sp>
+        <p:nvSpPr>
+          <p:cNvPr id="3" name="内容占位符 2">
+            <a:extLst>
+              <a:ext uri="{FF2B5EF4-FFF2-40B4-BE49-F238E27FC236}">
+                <a16:creationId xmlns:a16="http://schemas.microsoft.com/office/drawing/2014/main" id="{4C3DB08F-AD31-1B09-1007-E5201C9BC3E6}"/>
+              </a:ext>
+            </a:extLst>
+          </p:cNvPr>
+          <p:cNvSpPr>
+            <a:spLocks noGrp="1"/>
+          </p:cNvSpPr>
+          <p:nvPr>
+            <p:ph sz="half" idx="1"/>
+          </p:nvPr>
+        </p:nvSpPr>
+        <p:spPr>
+          <a:xfrm>
+            <a:off x="457199" y="1244277"/>
+            <a:ext cx="8229600" cy="1142788"/>
+          </a:xfrm>
+        </p:spPr>
+        <p:txBody>
+          <a:bodyPr>
+            <a:normAutofit/>
+          </a:bodyPr>
+          <a:lstStyle/>
+          <a:p>
+            <a:pPr marL="0" indent="0">
+              <a:buNone/>
+            </a:pPr>
+            <a:r>
+              <a:rPr kumimoji="1" lang="en-US" altLang="zh-CN" dirty="0"/>
+              <a:t>The user can write the data to a user-defined file (on disk); the file to be written must be open The file to be written must be open.</a:t>
+            </a:r>
+          </a:p>
+          <a:p>
+            <a:pPr marL="0" indent="0">
+              <a:buNone/>
+            </a:pPr>
+            <a:endParaRPr kumimoji="1" lang="zh-CN" altLang="en-US" dirty="0"/>
+          </a:p>
+        </p:txBody>
+      </p:sp>
+      <p:pic>
+        <p:nvPicPr>
+          <p:cNvPr id="8" name="图片 7" descr="文本&#10;&#10;描述已自动生成">
+            <a:extLst>
+              <a:ext uri="{FF2B5EF4-FFF2-40B4-BE49-F238E27FC236}">
+                <a16:creationId xmlns:a16="http://schemas.microsoft.com/office/drawing/2014/main" id="{7FC7F89B-B9C4-94EC-57D7-2B784976511A}"/>
+              </a:ext>
+            </a:extLst>
+          </p:cNvPr>
+          <p:cNvPicPr>
+            <a:picLocks noChangeAspect="1"/>
+          </p:cNvPicPr>
+          <p:nvPr/>
+        </p:nvPicPr>
+        <p:blipFill>
+          <a:blip r:embed="rId2"/>
+          <a:stretch>
+            <a:fillRect/>
+          </a:stretch>
+        </p:blipFill>
+        <p:spPr>
+          <a:xfrm>
+            <a:off x="1918668" y="2139288"/>
+            <a:ext cx="5306661" cy="1854340"/>
+          </a:xfrm>
+          <a:prstGeom prst="rect">
+            <a:avLst/>
+          </a:prstGeom>
+        </p:spPr>
+      </p:pic>
+    </p:spTree>
+    <p:extLst>
+      <p:ext uri="{BB962C8B-B14F-4D97-AF65-F5344CB8AC3E}">
+        <p14:creationId xmlns:p14="http://schemas.microsoft.com/office/powerpoint/2010/main" val="2049786940"/>
+      </p:ext>
+    </p:extLst>
+  </p:cSld>
+  <p:clrMapOvr>
+    <a:masterClrMapping/>
+  </p:clrMapOvr>
+</p:sld>
+</file>
+
+<file path=ppt/slides/slide15.xml><?xml version="1.0" encoding="utf-8"?>
+<p:sld xmlns:a="http://schemas.openxmlformats.org/drawingml/2006/main" xmlns:r="http://schemas.openxmlformats.org/officeDocument/2006/relationships" xmlns:p="http://schemas.openxmlformats.org/presentationml/2006/main">
+  <p:cSld>
+    <p:spTree>
+      <p:nvGrpSpPr>
+        <p:cNvPr id="1" name=""/>
+        <p:cNvGrpSpPr/>
+        <p:nvPr/>
+      </p:nvGrpSpPr>
+      <p:grpSpPr>
+        <a:xfrm>
+          <a:off x="0" y="0"/>
+          <a:ext cx="0" cy="0"/>
+          <a:chOff x="0" y="0"/>
+          <a:chExt cx="0" cy="0"/>
+        </a:xfrm>
+      </p:grpSpPr>
+      <p:sp>
+        <p:nvSpPr>
+          <p:cNvPr id="2" name="标题 1">
+            <a:extLst>
+              <a:ext uri="{FF2B5EF4-FFF2-40B4-BE49-F238E27FC236}">
+                <a16:creationId xmlns:a16="http://schemas.microsoft.com/office/drawing/2014/main" id="{A5973538-E0C0-8442-1BB2-53EFB7C893DB}"/>
+              </a:ext>
+            </a:extLst>
+          </p:cNvPr>
+          <p:cNvSpPr>
+            <a:spLocks noGrp="1"/>
+          </p:cNvSpPr>
+          <p:nvPr>
+            <p:ph type="title"/>
+          </p:nvPr>
+        </p:nvSpPr>
+        <p:spPr/>
+        <p:txBody>
+          <a:bodyPr>
+            <a:normAutofit/>
+          </a:bodyPr>
+          <a:lstStyle/>
+          <a:p>
+            <a:pPr algn="ctr"/>
+            <a:r>
+              <a:rPr kumimoji="1" lang="en-US" altLang="zh-CN" sz="3600" b="1" dirty="0"/>
+              <a:t>Read Files</a:t>
+            </a:r>
+            <a:endParaRPr kumimoji="1" lang="zh-CN" altLang="en-US" sz="3600" b="1" dirty="0"/>
+          </a:p>
+        </p:txBody>
+      </p:sp>
+      <p:sp>
+        <p:nvSpPr>
+          <p:cNvPr id="3" name="内容占位符 2">
+            <a:extLst>
+              <a:ext uri="{FF2B5EF4-FFF2-40B4-BE49-F238E27FC236}">
+                <a16:creationId xmlns:a16="http://schemas.microsoft.com/office/drawing/2014/main" id="{4C3DB08F-AD31-1B09-1007-E5201C9BC3E6}"/>
+              </a:ext>
+            </a:extLst>
+          </p:cNvPr>
+          <p:cNvSpPr>
+            <a:spLocks noGrp="1"/>
+          </p:cNvSpPr>
+          <p:nvPr>
+            <p:ph sz="half" idx="1"/>
+          </p:nvPr>
+        </p:nvSpPr>
+        <p:spPr>
+          <a:xfrm>
+            <a:off x="457199" y="1244277"/>
+            <a:ext cx="8229600" cy="1142788"/>
+          </a:xfrm>
+        </p:spPr>
+        <p:txBody>
+          <a:bodyPr>
+            <a:normAutofit/>
+          </a:bodyPr>
+          <a:lstStyle/>
+          <a:p>
+            <a:pPr marL="0" indent="0">
+              <a:buNone/>
+            </a:pPr>
+            <a:r>
+              <a:rPr kumimoji="1" lang="en-US" altLang="zh-CN" dirty="0"/>
+              <a:t>The user can read out the data stored in the file; the file to be read must be open.</a:t>
+            </a:r>
+          </a:p>
+          <a:p>
+            <a:pPr marL="0" indent="0">
+              <a:buNone/>
+            </a:pPr>
+            <a:endParaRPr kumimoji="1" lang="zh-CN" altLang="en-US" dirty="0"/>
+          </a:p>
+        </p:txBody>
+      </p:sp>
+      <p:pic>
+        <p:nvPicPr>
+          <p:cNvPr id="6" name="图片 5" descr="文本&#10;&#10;描述已自动生成">
+            <a:extLst>
+              <a:ext uri="{FF2B5EF4-FFF2-40B4-BE49-F238E27FC236}">
+                <a16:creationId xmlns:a16="http://schemas.microsoft.com/office/drawing/2014/main" id="{959C3040-C566-7E58-B3D3-962DE82FB58B}"/>
+              </a:ext>
+            </a:extLst>
+          </p:cNvPr>
+          <p:cNvPicPr>
+            <a:picLocks noChangeAspect="1"/>
+          </p:cNvPicPr>
+          <p:nvPr/>
+        </p:nvPicPr>
+        <p:blipFill>
+          <a:blip r:embed="rId2"/>
+          <a:stretch>
+            <a:fillRect/>
+          </a:stretch>
+        </p:blipFill>
+        <p:spPr>
+          <a:xfrm>
+            <a:off x="1915426" y="2387064"/>
+            <a:ext cx="5415701" cy="1636295"/>
+          </a:xfrm>
+          <a:prstGeom prst="rect">
+            <a:avLst/>
+          </a:prstGeom>
+        </p:spPr>
+      </p:pic>
+    </p:spTree>
+    <p:extLst>
+      <p:ext uri="{BB962C8B-B14F-4D97-AF65-F5344CB8AC3E}">
+        <p14:creationId xmlns:p14="http://schemas.microsoft.com/office/powerpoint/2010/main" val="62670601"/>
+      </p:ext>
+    </p:extLst>
+  </p:cSld>
+  <p:clrMapOvr>
+    <a:masterClrMapping/>
+  </p:clrMapOvr>
+</p:sld>
+</file>
+
+<file path=ppt/slides/slide16.xml><?xml version="1.0" encoding="utf-8"?>
+<p:sld xmlns:a="http://schemas.openxmlformats.org/drawingml/2006/main" xmlns:r="http://schemas.openxmlformats.org/officeDocument/2006/relationships" xmlns:p="http://schemas.openxmlformats.org/presentationml/2006/main">
+  <p:cSld>
+    <p:spTree>
+      <p:nvGrpSpPr>
+        <p:cNvPr id="1" name=""/>
+        <p:cNvGrpSpPr/>
+        <p:nvPr/>
+      </p:nvGrpSpPr>
+      <p:grpSpPr>
+        <a:xfrm>
+          <a:off x="0" y="0"/>
+          <a:ext cx="0" cy="0"/>
+          <a:chOff x="0" y="0"/>
+          <a:chExt cx="0" cy="0"/>
+        </a:xfrm>
+      </p:grpSpPr>
+      <p:sp>
+        <p:nvSpPr>
+          <p:cNvPr id="2" name="标题 1">
+            <a:extLst>
+              <a:ext uri="{FF2B5EF4-FFF2-40B4-BE49-F238E27FC236}">
+                <a16:creationId xmlns:a16="http://schemas.microsoft.com/office/drawing/2014/main" id="{67ADED48-25EB-1578-32D5-EE1AD9FCB478}"/>
+              </a:ext>
+            </a:extLst>
+          </p:cNvPr>
+          <p:cNvSpPr>
+            <a:spLocks noGrp="1"/>
+          </p:cNvSpPr>
+          <p:nvPr>
+            <p:ph type="title"/>
+          </p:nvPr>
+        </p:nvSpPr>
+        <p:spPr/>
+        <p:txBody>
+          <a:bodyPr>
+            <a:noAutofit/>
+          </a:bodyPr>
+          <a:lstStyle/>
+          <a:p>
+            <a:pPr algn="ctr"/>
+            <a:r>
+              <a:rPr kumimoji="1" lang="en-US" altLang="zh-CN" sz="3200" b="1" dirty="0"/>
+              <a:t>Creating Directories and Listing Contents</a:t>
+            </a:r>
+            <a:endParaRPr kumimoji="1" lang="zh-CN" altLang="en-US" sz="3200" b="1" dirty="0"/>
+          </a:p>
+        </p:txBody>
+      </p:sp>
+      <p:pic>
+        <p:nvPicPr>
+          <p:cNvPr id="6" name="内容占位符 5" descr="文本&#10;&#10;描述已自动生成">
+            <a:extLst>
+              <a:ext uri="{FF2B5EF4-FFF2-40B4-BE49-F238E27FC236}">
+                <a16:creationId xmlns:a16="http://schemas.microsoft.com/office/drawing/2014/main" id="{F42BBD2D-F6CA-32B7-0D42-2553C33F7201}"/>
+              </a:ext>
+            </a:extLst>
+          </p:cNvPr>
+          <p:cNvPicPr>
+            <a:picLocks noGrp="1" noChangeAspect="1"/>
+          </p:cNvPicPr>
+          <p:nvPr>
+            <p:ph sz="half" idx="1"/>
+          </p:nvPr>
+        </p:nvPicPr>
+        <p:blipFill>
+          <a:blip r:embed="rId2"/>
+          <a:stretch>
+            <a:fillRect/>
+          </a:stretch>
+        </p:blipFill>
+        <p:spPr>
+          <a:xfrm>
+            <a:off x="1121342" y="1855627"/>
+            <a:ext cx="6299735" cy="1373706"/>
+          </a:xfrm>
+        </p:spPr>
+      </p:pic>
+      <p:pic>
+        <p:nvPicPr>
+          <p:cNvPr id="10" name="图片 9" descr="图形用户界面, 文本, 应用程序&#10;&#10;描述已自动生成">
+            <a:extLst>
+              <a:ext uri="{FF2B5EF4-FFF2-40B4-BE49-F238E27FC236}">
+                <a16:creationId xmlns:a16="http://schemas.microsoft.com/office/drawing/2014/main" id="{2ECE77AC-9CB3-BBDF-CBD4-51FB120E7DC9}"/>
+              </a:ext>
+            </a:extLst>
+          </p:cNvPr>
+          <p:cNvPicPr>
+            <a:picLocks noChangeAspect="1"/>
+          </p:cNvPicPr>
+          <p:nvPr/>
+        </p:nvPicPr>
+        <p:blipFill>
+          <a:blip r:embed="rId3"/>
+          <a:stretch>
+            <a:fillRect/>
+          </a:stretch>
+        </p:blipFill>
+        <p:spPr>
+          <a:xfrm>
+            <a:off x="1121342" y="3891548"/>
+            <a:ext cx="6299735" cy="878718"/>
+          </a:xfrm>
+          <a:prstGeom prst="rect">
+            <a:avLst/>
+          </a:prstGeom>
+        </p:spPr>
+      </p:pic>
+      <p:sp>
+        <p:nvSpPr>
+          <p:cNvPr id="11" name="文本框 10">
+            <a:extLst>
+              <a:ext uri="{FF2B5EF4-FFF2-40B4-BE49-F238E27FC236}">
+                <a16:creationId xmlns:a16="http://schemas.microsoft.com/office/drawing/2014/main" id="{B136621D-EE8D-2298-88E7-5AFD93F267E7}"/>
+              </a:ext>
+            </a:extLst>
+          </p:cNvPr>
+          <p:cNvSpPr txBox="1"/>
+          <p:nvPr/>
+        </p:nvSpPr>
+        <p:spPr>
+          <a:xfrm>
+            <a:off x="1848051" y="1617044"/>
+            <a:ext cx="184731" cy="369332"/>
+          </a:xfrm>
+          <a:prstGeom prst="rect">
+            <a:avLst/>
+          </a:prstGeom>
+          <a:noFill/>
+        </p:spPr>
+        <p:txBody>
+          <a:bodyPr wrap="none" rtlCol="0">
+            <a:spAutoFit/>
+          </a:bodyPr>
+          <a:lstStyle/>
+          <a:p>
+            <a:endParaRPr kumimoji="1" lang="zh-CN" altLang="en-US" dirty="0"/>
+          </a:p>
+        </p:txBody>
+      </p:sp>
+      <p:sp>
+        <p:nvSpPr>
+          <p:cNvPr id="12" name="文本框 11">
+            <a:extLst>
+              <a:ext uri="{FF2B5EF4-FFF2-40B4-BE49-F238E27FC236}">
+                <a16:creationId xmlns:a16="http://schemas.microsoft.com/office/drawing/2014/main" id="{663C2AE5-B457-8835-F1C6-B501B188BCDA}"/>
+              </a:ext>
+            </a:extLst>
+          </p:cNvPr>
+          <p:cNvSpPr txBox="1"/>
+          <p:nvPr/>
+        </p:nvSpPr>
+        <p:spPr>
+          <a:xfrm>
+            <a:off x="1021511" y="1486295"/>
+            <a:ext cx="2022541" cy="369332"/>
+          </a:xfrm>
+          <a:prstGeom prst="rect">
+            <a:avLst/>
+          </a:prstGeom>
+          <a:noFill/>
+        </p:spPr>
+        <p:txBody>
+          <a:bodyPr wrap="none" rtlCol="0">
+            <a:spAutoFit/>
+          </a:bodyPr>
+          <a:lstStyle/>
+          <a:p>
+            <a:r>
+              <a:rPr kumimoji="1" lang="en-US" altLang="zh-CN" dirty="0"/>
+              <a:t>Creating directories</a:t>
+            </a:r>
+            <a:endParaRPr kumimoji="1" lang="zh-CN" altLang="en-US" dirty="0"/>
+          </a:p>
+        </p:txBody>
+      </p:sp>
+      <p:sp>
+        <p:nvSpPr>
+          <p:cNvPr id="13" name="文本框 12">
+            <a:extLst>
+              <a:ext uri="{FF2B5EF4-FFF2-40B4-BE49-F238E27FC236}">
+                <a16:creationId xmlns:a16="http://schemas.microsoft.com/office/drawing/2014/main" id="{B9510E80-D683-575E-A5BD-5F7E79C8EA51}"/>
+              </a:ext>
+            </a:extLst>
+          </p:cNvPr>
+          <p:cNvSpPr txBox="1"/>
+          <p:nvPr/>
+        </p:nvSpPr>
+        <p:spPr>
+          <a:xfrm>
+            <a:off x="1023145" y="3522216"/>
+            <a:ext cx="1649811" cy="369332"/>
+          </a:xfrm>
+          <a:prstGeom prst="rect">
+            <a:avLst/>
+          </a:prstGeom>
+          <a:noFill/>
+        </p:spPr>
+        <p:txBody>
+          <a:bodyPr wrap="none" rtlCol="0">
+            <a:spAutoFit/>
+          </a:bodyPr>
+          <a:lstStyle/>
+          <a:p>
+            <a:r>
+              <a:rPr kumimoji="1" lang="en-US" altLang="zh-CN" dirty="0"/>
+              <a:t>Listing contents</a:t>
+            </a:r>
+            <a:endParaRPr kumimoji="1" lang="zh-CN" altLang="en-US" dirty="0"/>
+          </a:p>
+        </p:txBody>
+      </p:sp>
+    </p:spTree>
+    <p:extLst>
+      <p:ext uri="{BB962C8B-B14F-4D97-AF65-F5344CB8AC3E}">
+        <p14:creationId xmlns:p14="http://schemas.microsoft.com/office/powerpoint/2010/main" val="821822503"/>
+      </p:ext>
+    </p:extLst>
+  </p:cSld>
+  <p:clrMapOvr>
+    <a:masterClrMapping/>
+  </p:clrMapOvr>
+</p:sld>
+</file>
+
+<file path=ppt/slides/slide17.xml><?xml version="1.0" encoding="utf-8"?>
+<p:sld xmlns:a="http://schemas.openxmlformats.org/drawingml/2006/main" xmlns:r="http://schemas.openxmlformats.org/officeDocument/2006/relationships" xmlns:p="http://schemas.openxmlformats.org/presentationml/2006/main">
+  <p:cSld>
+    <p:spTree>
+      <p:nvGrpSpPr>
+        <p:cNvPr id="1" name=""/>
+        <p:cNvGrpSpPr/>
+        <p:nvPr/>
+      </p:nvGrpSpPr>
+      <p:grpSpPr>
+        <a:xfrm>
+          <a:off x="0" y="0"/>
+          <a:ext cx="0" cy="0"/>
+          <a:chOff x="0" y="0"/>
+          <a:chExt cx="0" cy="0"/>
+        </a:xfrm>
+      </p:grpSpPr>
+      <p:sp>
+        <p:nvSpPr>
+          <p:cNvPr id="2" name="标题 1">
+            <a:extLst>
+              <a:ext uri="{FF2B5EF4-FFF2-40B4-BE49-F238E27FC236}">
+                <a16:creationId xmlns:a16="http://schemas.microsoft.com/office/drawing/2014/main" id="{73D3F13D-1618-19CC-F8AF-A91FF4245989}"/>
+              </a:ext>
+            </a:extLst>
+          </p:cNvPr>
+          <p:cNvSpPr>
+            <a:spLocks noGrp="1"/>
+          </p:cNvSpPr>
+          <p:nvPr>
+            <p:ph type="title"/>
+          </p:nvPr>
+        </p:nvSpPr>
+        <p:spPr>
+          <a:xfrm>
+            <a:off x="457200" y="206375"/>
+            <a:ext cx="8229600" cy="857250"/>
+          </a:xfrm>
+        </p:spPr>
+        <p:txBody>
+          <a:bodyPr anchor="ctr">
+            <a:normAutofit/>
+          </a:bodyPr>
+          <a:lstStyle/>
+          <a:p>
+            <a:pPr algn="ctr"/>
+            <a:r>
+              <a:rPr kumimoji="1" lang="en-US" altLang="zh-CN" sz="4000" b="1" dirty="0"/>
+              <a:t>File Operations Example </a:t>
+            </a:r>
+            <a:endParaRPr kumimoji="1" lang="zh-CN" altLang="en-US" sz="4000" dirty="0"/>
+          </a:p>
+        </p:txBody>
+      </p:sp>
+      <p:sp>
+        <p:nvSpPr>
+          <p:cNvPr id="11" name="Content Placeholder 2">
+            <a:extLst>
+              <a:ext uri="{FF2B5EF4-FFF2-40B4-BE49-F238E27FC236}">
+                <a16:creationId xmlns:a16="http://schemas.microsoft.com/office/drawing/2014/main" id="{51D427E2-9F76-E5CD-4087-DB34B98AA43E}"/>
+              </a:ext>
+            </a:extLst>
+          </p:cNvPr>
+          <p:cNvSpPr>
+            <a:spLocks noGrp="1"/>
+          </p:cNvSpPr>
+          <p:nvPr>
+            <p:ph sz="half" idx="1"/>
+          </p:nvPr>
+        </p:nvSpPr>
+        <p:spPr>
+          <a:xfrm>
+            <a:off x="457200" y="2094467"/>
+            <a:ext cx="4038600" cy="3394075"/>
+          </a:xfrm>
+        </p:spPr>
+        <p:txBody>
+          <a:bodyPr/>
+          <a:lstStyle/>
+          <a:p>
+            <a:endParaRPr lang="en-US" altLang="zh-CN" dirty="0"/>
+          </a:p>
+          <a:p>
+            <a:pPr>
+              <a:defRPr sz="1400"/>
+            </a:pPr>
+            <a:r>
+              <a:rPr lang="en-US" altLang="zh-CN" dirty="0"/>
+              <a:t>An example interaction with the VFS might include registering a user, logging in, creating a file, writing to it, and then reading from it, followed by logging out.</a:t>
+            </a:r>
+          </a:p>
+          <a:p>
+            <a:endParaRPr lang="en-US" altLang="zh-CN" dirty="0"/>
+          </a:p>
+          <a:p>
+            <a:endParaRPr lang="en-US" dirty="0"/>
+          </a:p>
+        </p:txBody>
+      </p:sp>
+      <p:pic>
+        <p:nvPicPr>
+          <p:cNvPr id="10" name="内容占位符 9" descr="文本&#10;&#10;描述已自动生成">
+            <a:extLst>
+              <a:ext uri="{FF2B5EF4-FFF2-40B4-BE49-F238E27FC236}">
+                <a16:creationId xmlns:a16="http://schemas.microsoft.com/office/drawing/2014/main" id="{215569FD-F1BF-E3ED-8160-E02DBF5C5D01}"/>
+              </a:ext>
+            </a:extLst>
+          </p:cNvPr>
+          <p:cNvPicPr>
+            <a:picLocks noGrp="1" noChangeAspect="1"/>
+          </p:cNvPicPr>
+          <p:nvPr>
+            <p:ph sz="half" idx="2"/>
+          </p:nvPr>
+        </p:nvPicPr>
+        <p:blipFill>
+          <a:blip r:embed="rId2"/>
+          <a:stretch>
+            <a:fillRect/>
+          </a:stretch>
+        </p:blipFill>
+        <p:spPr>
+          <a:xfrm>
+            <a:off x="5418729" y="1876109"/>
+            <a:ext cx="1988835" cy="2257185"/>
+          </a:xfrm>
+        </p:spPr>
+      </p:pic>
+      <p:pic>
+        <p:nvPicPr>
+          <p:cNvPr id="13" name="图片 12" descr="图片包含 图形用户界面&#10;&#10;描述已自动生成">
+            <a:extLst>
+              <a:ext uri="{FF2B5EF4-FFF2-40B4-BE49-F238E27FC236}">
+                <a16:creationId xmlns:a16="http://schemas.microsoft.com/office/drawing/2014/main" id="{08BA4BC2-CCD0-5BCB-451A-C528D7253118}"/>
+              </a:ext>
+            </a:extLst>
+          </p:cNvPr>
+          <p:cNvPicPr>
+            <a:picLocks noChangeAspect="1"/>
+          </p:cNvPicPr>
+          <p:nvPr/>
+        </p:nvPicPr>
+        <p:blipFill>
+          <a:blip r:embed="rId3"/>
+          <a:stretch>
+            <a:fillRect/>
+          </a:stretch>
+        </p:blipFill>
+        <p:spPr>
+          <a:xfrm>
+            <a:off x="5418730" y="4133294"/>
+            <a:ext cx="1988835" cy="257812"/>
+          </a:xfrm>
+          <a:prstGeom prst="rect">
+            <a:avLst/>
+          </a:prstGeom>
+        </p:spPr>
+      </p:pic>
+    </p:spTree>
+    <p:extLst>
+      <p:ext uri="{BB962C8B-B14F-4D97-AF65-F5344CB8AC3E}">
+        <p14:creationId xmlns:p14="http://schemas.microsoft.com/office/powerpoint/2010/main" val="3637143317"/>
+      </p:ext>
+    </p:extLst>
+  </p:cSld>
+  <p:clrMapOvr>
+    <a:masterClrMapping/>
+  </p:clrMapOvr>
+</p:sld>
+</file>
+
+<file path=ppt/slides/slide18.xml><?xml version="1.0" encoding="utf-8"?>
+<p:sld xmlns:a="http://schemas.openxmlformats.org/drawingml/2006/main" xmlns:r="http://schemas.openxmlformats.org/officeDocument/2006/relationships" xmlns:p="http://schemas.openxmlformats.org/presentationml/2006/main">
+  <p:cSld>
+    <p:spTree>
+      <p:nvGrpSpPr>
+        <p:cNvPr id="1" name=""/>
+        <p:cNvGrpSpPr/>
+        <p:nvPr/>
+      </p:nvGrpSpPr>
+      <p:grpSpPr>
+        <a:xfrm>
+          <a:off x="0" y="0"/>
+          <a:ext cx="0" cy="0"/>
+          <a:chOff x="0" y="0"/>
+          <a:chExt cx="0" cy="0"/>
+        </a:xfrm>
+      </p:grpSpPr>
+      <p:sp>
+        <p:nvSpPr>
+          <p:cNvPr id="2" name="标题 1">
+            <a:extLst>
+              <a:ext uri="{FF2B5EF4-FFF2-40B4-BE49-F238E27FC236}">
+                <a16:creationId xmlns:a16="http://schemas.microsoft.com/office/drawing/2014/main" id="{408A8E9B-4968-19B9-9534-3373A768137F}"/>
+              </a:ext>
+            </a:extLst>
+          </p:cNvPr>
+          <p:cNvSpPr>
+            <a:spLocks noGrp="1"/>
+          </p:cNvSpPr>
+          <p:nvPr>
+            <p:ph type="title"/>
+          </p:nvPr>
+        </p:nvSpPr>
+        <p:spPr/>
+        <p:txBody>
+          <a:bodyPr>
+            <a:normAutofit/>
+          </a:bodyPr>
+          <a:lstStyle/>
+          <a:p>
+            <a:pPr algn="ctr"/>
+            <a:r>
+              <a:rPr lang="en-US" altLang="zh-CN" sz="3600" b="1" dirty="0"/>
+              <a:t>Disk Management</a:t>
+            </a:r>
+            <a:r>
+              <a:rPr lang="zh-CN" altLang="en-US" sz="3600" b="1" dirty="0"/>
+              <a:t> </a:t>
+            </a:r>
+            <a:r>
+              <a:rPr lang="en-US" altLang="zh-CN" sz="3600" b="1" dirty="0"/>
+              <a:t>and</a:t>
+            </a:r>
+            <a:r>
+              <a:rPr lang="zh-CN" altLang="en-US" sz="3600" b="1" dirty="0"/>
+              <a:t> </a:t>
+            </a:r>
+            <a:r>
+              <a:rPr lang="en-US" altLang="zh-CN" sz="3600" b="1" dirty="0"/>
+              <a:t>FAT</a:t>
+            </a:r>
+            <a:r>
+              <a:rPr lang="zh-CN" altLang="en-US" sz="3600" b="1" dirty="0"/>
+              <a:t> </a:t>
+            </a:r>
+            <a:endParaRPr kumimoji="1" lang="zh-CN" altLang="en-US" sz="3600" b="1" dirty="0"/>
+          </a:p>
+        </p:txBody>
+      </p:sp>
+      <p:sp>
+        <p:nvSpPr>
+          <p:cNvPr id="4" name="内容占位符 3">
+            <a:extLst>
+              <a:ext uri="{FF2B5EF4-FFF2-40B4-BE49-F238E27FC236}">
+                <a16:creationId xmlns:a16="http://schemas.microsoft.com/office/drawing/2014/main" id="{33F0A1ED-6004-C82A-D029-6EECFA159106}"/>
+              </a:ext>
+            </a:extLst>
+          </p:cNvPr>
+          <p:cNvSpPr>
+            <a:spLocks noGrp="1"/>
+          </p:cNvSpPr>
+          <p:nvPr>
+            <p:ph sz="half" idx="2"/>
+          </p:nvPr>
+        </p:nvSpPr>
+        <p:spPr/>
+        <p:txBody>
+          <a:bodyPr/>
+          <a:lstStyle/>
+          <a:p>
+            <a:endParaRPr lang="en-US" altLang="zh-CN" dirty="0"/>
+          </a:p>
+          <a:p>
+            <a:endParaRPr kumimoji="1" lang="zh-CN" altLang="en-US" dirty="0"/>
+          </a:p>
+        </p:txBody>
+      </p:sp>
+      <p:pic>
+        <p:nvPicPr>
+          <p:cNvPr id="8" name="内容占位符 7" descr="文本&#10;&#10;描述已自动生成">
+            <a:extLst>
+              <a:ext uri="{FF2B5EF4-FFF2-40B4-BE49-F238E27FC236}">
+                <a16:creationId xmlns:a16="http://schemas.microsoft.com/office/drawing/2014/main" id="{EBAF02B2-2794-791C-EA70-57FEA786643D}"/>
+              </a:ext>
+            </a:extLst>
+          </p:cNvPr>
+          <p:cNvPicPr>
+            <a:picLocks noGrp="1" noChangeAspect="1"/>
+          </p:cNvPicPr>
+          <p:nvPr>
+            <p:ph sz="quarter" idx="4"/>
+          </p:nvPr>
+        </p:nvPicPr>
+        <p:blipFill>
+          <a:blip r:embed="rId3"/>
+          <a:stretch>
+            <a:fillRect/>
+          </a:stretch>
+        </p:blipFill>
+        <p:spPr>
+          <a:xfrm>
+            <a:off x="1175979" y="1936594"/>
+            <a:ext cx="6642818" cy="2353018"/>
+          </a:xfrm>
+        </p:spPr>
+      </p:pic>
+    </p:spTree>
+    <p:extLst>
+      <p:ext uri="{BB962C8B-B14F-4D97-AF65-F5344CB8AC3E}">
+        <p14:creationId xmlns:p14="http://schemas.microsoft.com/office/powerpoint/2010/main" val="3828964693"/>
+      </p:ext>
+    </p:extLst>
+  </p:cSld>
+  <p:clrMapOvr>
+    <a:masterClrMapping/>
+  </p:clrMapOvr>
+</p:sld>
+</file>
+
+<file path=ppt/slides/slide19.xml><?xml version="1.0" encoding="utf-8"?>
+<p:sld xmlns:a="http://schemas.openxmlformats.org/drawingml/2006/main" xmlns:r="http://schemas.openxmlformats.org/officeDocument/2006/relationships" xmlns:p="http://schemas.openxmlformats.org/presentationml/2006/main">
+  <p:cSld>
+    <p:spTree>
+      <p:nvGrpSpPr>
+        <p:cNvPr id="1" name=""/>
+        <p:cNvGrpSpPr/>
+        <p:nvPr/>
+      </p:nvGrpSpPr>
+      <p:grpSpPr>
+        <a:xfrm>
+          <a:off x="0" y="0"/>
+          <a:ext cx="0" cy="0"/>
+          <a:chOff x="0" y="0"/>
+          <a:chExt cx="0" cy="0"/>
+        </a:xfrm>
+      </p:grpSpPr>
+      <p:sp>
+        <p:nvSpPr>
+          <p:cNvPr id="2" name="标题 1">
+            <a:extLst>
+              <a:ext uri="{FF2B5EF4-FFF2-40B4-BE49-F238E27FC236}">
+                <a16:creationId xmlns:a16="http://schemas.microsoft.com/office/drawing/2014/main" id="{408A8E9B-4968-19B9-9534-3373A768137F}"/>
+              </a:ext>
+            </a:extLst>
+          </p:cNvPr>
+          <p:cNvSpPr>
+            <a:spLocks noGrp="1"/>
+          </p:cNvSpPr>
+          <p:nvPr>
+            <p:ph type="title"/>
+          </p:nvPr>
+        </p:nvSpPr>
+        <p:spPr/>
+        <p:txBody>
+          <a:bodyPr>
+            <a:normAutofit/>
+          </a:bodyPr>
+          <a:lstStyle/>
+          <a:p>
+            <a:pPr algn="ctr"/>
+            <a:r>
+              <a:rPr lang="en-US" altLang="zh-CN" sz="3600" b="1" dirty="0"/>
+              <a:t>Disk Management</a:t>
+            </a:r>
+            <a:r>
+              <a:rPr lang="zh-CN" altLang="en-US" sz="3600" b="1" dirty="0"/>
+              <a:t> </a:t>
+            </a:r>
+            <a:r>
+              <a:rPr lang="en-US" altLang="zh-CN" sz="3600" b="1" dirty="0"/>
+              <a:t>and</a:t>
+            </a:r>
+            <a:r>
+              <a:rPr lang="zh-CN" altLang="en-US" sz="3600" b="1" dirty="0"/>
+              <a:t> </a:t>
+            </a:r>
+            <a:r>
+              <a:rPr lang="en-US" altLang="zh-CN" sz="3600" b="1" dirty="0"/>
+              <a:t>FAT</a:t>
+            </a:r>
+            <a:r>
+              <a:rPr lang="zh-CN" altLang="en-US" sz="3600" b="1" dirty="0"/>
+              <a:t> </a:t>
+            </a:r>
+            <a:endParaRPr kumimoji="1" lang="zh-CN" altLang="en-US" sz="3600" b="1" dirty="0"/>
+          </a:p>
+        </p:txBody>
+      </p:sp>
+      <p:sp>
+        <p:nvSpPr>
+          <p:cNvPr id="4" name="内容占位符 3">
+            <a:extLst>
+              <a:ext uri="{FF2B5EF4-FFF2-40B4-BE49-F238E27FC236}">
+                <a16:creationId xmlns:a16="http://schemas.microsoft.com/office/drawing/2014/main" id="{33F0A1ED-6004-C82A-D029-6EECFA159106}"/>
+              </a:ext>
+            </a:extLst>
+          </p:cNvPr>
+          <p:cNvSpPr>
+            <a:spLocks noGrp="1"/>
+          </p:cNvSpPr>
+          <p:nvPr>
+            <p:ph sz="half" idx="2"/>
+          </p:nvPr>
+        </p:nvSpPr>
+        <p:spPr>
+          <a:xfrm>
+            <a:off x="457200" y="1420194"/>
+            <a:ext cx="4040188" cy="2962275"/>
+          </a:xfrm>
+        </p:spPr>
+        <p:txBody>
+          <a:bodyPr/>
+          <a:lstStyle/>
+          <a:p>
+            <a:endParaRPr lang="en-US" altLang="zh-CN" dirty="0"/>
+          </a:p>
+          <a:p>
+            <a:pPr>
+              <a:defRPr sz="1400"/>
+            </a:pPr>
+            <a:r>
+              <a:rPr lang="en-US" altLang="zh-CN" dirty="0"/>
+              <a:t>VFS manages disk space and file allocation using a FAT table. It displays disk usage and manages the allocation and deallocation of space for file storage.</a:t>
+            </a:r>
+          </a:p>
+          <a:p>
+            <a:endParaRPr kumimoji="1" lang="zh-CN" altLang="en-US" dirty="0"/>
+          </a:p>
+        </p:txBody>
+      </p:sp>
+      <p:pic>
+        <p:nvPicPr>
+          <p:cNvPr id="10" name="图片 9" descr="文本&#10;&#10;中度可信度描述已自动生成">
+            <a:extLst>
+              <a:ext uri="{FF2B5EF4-FFF2-40B4-BE49-F238E27FC236}">
+                <a16:creationId xmlns:a16="http://schemas.microsoft.com/office/drawing/2014/main" id="{DD7CCEB6-89CA-52E3-337F-827FD19C7E96}"/>
+              </a:ext>
+            </a:extLst>
+          </p:cNvPr>
+          <p:cNvPicPr>
+            <a:picLocks noChangeAspect="1"/>
+          </p:cNvPicPr>
+          <p:nvPr/>
+        </p:nvPicPr>
+        <p:blipFill>
+          <a:blip r:embed="rId3"/>
+          <a:stretch>
+            <a:fillRect/>
+          </a:stretch>
+        </p:blipFill>
+        <p:spPr>
+          <a:xfrm>
+            <a:off x="1062319" y="3004520"/>
+            <a:ext cx="2837328" cy="1278480"/>
+          </a:xfrm>
+          <a:prstGeom prst="rect">
+            <a:avLst/>
+          </a:prstGeom>
+        </p:spPr>
+      </p:pic>
+      <p:pic>
+        <p:nvPicPr>
+          <p:cNvPr id="7" name="内容占位符 6" descr="文本&#10;&#10;描述已自动生成">
+            <a:extLst>
+              <a:ext uri="{FF2B5EF4-FFF2-40B4-BE49-F238E27FC236}">
+                <a16:creationId xmlns:a16="http://schemas.microsoft.com/office/drawing/2014/main" id="{E1BE5821-6693-DA47-CD31-36CDDD77D37C}"/>
+              </a:ext>
+            </a:extLst>
+          </p:cNvPr>
+          <p:cNvPicPr>
+            <a:picLocks noGrp="1" noChangeAspect="1"/>
+          </p:cNvPicPr>
+          <p:nvPr>
+            <p:ph sz="quarter" idx="4"/>
+          </p:nvPr>
+        </p:nvPicPr>
+        <p:blipFill>
+          <a:blip r:embed="rId4"/>
+          <a:stretch>
+            <a:fillRect/>
+          </a:stretch>
+        </p:blipFill>
+        <p:spPr>
+          <a:xfrm>
+            <a:off x="5408612" y="2281187"/>
+            <a:ext cx="2138135" cy="2019350"/>
+          </a:xfrm>
+        </p:spPr>
+      </p:pic>
+    </p:spTree>
+    <p:extLst>
+      <p:ext uri="{BB962C8B-B14F-4D97-AF65-F5344CB8AC3E}">
+        <p14:creationId xmlns:p14="http://schemas.microsoft.com/office/powerpoint/2010/main" val="3646368384"/>
       </p:ext>
     </p:extLst>
   </p:cSld>
@@ -7459,9 +9310,17 @@
           <a:p>
             <a:pPr algn="ctr"/>
             <a:r>
-              <a:rPr lang="en-US" sz="3200" b="1" dirty="0"/>
-              <a:t>Introduction to Virtual File System</a:t>
-            </a:r>
+              <a:rPr lang="en-US" altLang="zh-CN" sz="3600" b="1" dirty="0">
+                <a:latin typeface="Arial" panose="020B0604020202020204" pitchFamily="34" charset="0"/>
+                <a:cs typeface="Arial" panose="020B0604020202020204" pitchFamily="34" charset="0"/>
+              </a:rPr>
+              <a:t>Introduction</a:t>
+            </a:r>
+            <a:endParaRPr lang="en-US" altLang="zh-CN" sz="3200" b="1" i="0" dirty="0">
+              <a:effectLst/>
+              <a:latin typeface="Arial" panose="020B0604020202020204" pitchFamily="34" charset="0"/>
+              <a:cs typeface="Arial" panose="020B0604020202020204" pitchFamily="34" charset="0"/>
+            </a:endParaRPr>
           </a:p>
         </p:txBody>
       </p:sp>
@@ -7472,13 +9331,13 @@
             <a:spLocks noGrp="1"/>
           </p:cNvSpPr>
           <p:nvPr>
-            <p:ph sz="half" idx="1"/>
+            <p:ph idx="1"/>
           </p:nvPr>
         </p:nvSpPr>
         <p:spPr>
           <a:xfrm>
-            <a:off x="457200" y="1244277"/>
-            <a:ext cx="8458200" cy="3394075"/>
+            <a:off x="457200" y="1311654"/>
+            <a:ext cx="8229600" cy="3394075"/>
           </a:xfrm>
         </p:spPr>
         <p:txBody>
@@ -7495,39 +9354,13 @@
               <a:buChar char="•"/>
             </a:pPr>
             <a:r>
-              <a:rPr lang="en-US" altLang="zh-CN" sz="2000" b="1" dirty="0">
-                <a:solidFill>
-                  <a:srgbClr val="383838"/>
-                </a:solidFill>
-                <a:latin typeface="Arial" panose="020B0604020202020204" pitchFamily="34" charset="0"/>
-                <a:ea typeface="SimHei" panose="02010609060101010101" pitchFamily="49" charset="-122"/>
-                <a:cs typeface="Arial" panose="020B0604020202020204" pitchFamily="34" charset="0"/>
-              </a:rPr>
-              <a:t>Purpose:</a:t>
-            </a:r>
-            <a:br>
-              <a:rPr lang="en-US" altLang="zh-CN" dirty="0">
-                <a:latin typeface="Arial" panose="020B0604020202020204" pitchFamily="34" charset="0"/>
-                <a:ea typeface="SimHei" panose="02010609060101010101" pitchFamily="49" charset="-122"/>
-                <a:cs typeface="Arial" panose="020B0604020202020204" pitchFamily="34" charset="0"/>
-              </a:rPr>
-            </a:br>
-            <a:r>
-              <a:rPr lang="en-US" altLang="zh-CN" sz="2000" dirty="0">
-                <a:solidFill>
-                  <a:srgbClr val="383838"/>
-                </a:solidFill>
-                <a:latin typeface="Arial" panose="020B0604020202020204" pitchFamily="34" charset="0"/>
-                <a:ea typeface="SimHei" panose="02010609060101010101" pitchFamily="49" charset="-122"/>
-                <a:cs typeface="Arial" panose="020B0604020202020204" pitchFamily="34" charset="0"/>
-              </a:rPr>
-              <a:t>Simulating file system operations in a virtual environment</a:t>
-            </a:r>
-            <a:endParaRPr lang="en-US" altLang="zh-CN" sz="2000" dirty="0">
-              <a:latin typeface="Arial" panose="020B0604020202020204" pitchFamily="34" charset="0"/>
-              <a:ea typeface="SimHei" panose="02010609060101010101" pitchFamily="49" charset="-122"/>
-              <a:cs typeface="Arial" panose="020B0604020202020204" pitchFamily="34" charset="0"/>
-            </a:endParaRPr>
+              <a:rPr lang="en-US" b="1" dirty="0"/>
+              <a:t>Virtual File System (</a:t>
+            </a:r>
+            <a:r>
+              <a:rPr lang="en-US" altLang="zh-CN" b="1" dirty="0"/>
+              <a:t>VFS)</a:t>
+            </a:r>
           </a:p>
           <a:p>
             <a:pPr marL="342900" indent="-342900" algn="l">
@@ -7535,47 +9368,49 @@
                 <a:spcPct val="150000"/>
               </a:lnSpc>
               <a:buSzPct val="100000"/>
-              <a:buChar char="•"/>
+              <a:buFont typeface="+mj-lt"/>
+              <a:buAutoNum type="arabicPeriod"/>
             </a:pPr>
             <a:r>
-              <a:rPr lang="en-US" altLang="zh-CN" sz="2000" b="1" dirty="0">
-                <a:solidFill>
-                  <a:srgbClr val="383838"/>
-                </a:solidFill>
+              <a:rPr lang="en-US" altLang="zh-CN" sz="1600" dirty="0"/>
+              <a:t>The Virtual File System (VFS) is an important component in the operating system, which provides a unified abstraction layer for accessing different types of file systems.</a:t>
+            </a:r>
+          </a:p>
+          <a:p>
+            <a:pPr marL="342900" indent="-342900" algn="l">
+              <a:lnSpc>
+                <a:spcPct val="150000"/>
+              </a:lnSpc>
+              <a:buSzPct val="100000"/>
+              <a:buFont typeface="+mj-lt"/>
+              <a:buAutoNum type="arabicPeriod"/>
+            </a:pPr>
+            <a:r>
+              <a:rPr lang="en-US" altLang="zh-CN" sz="1600" dirty="0">
                 <a:latin typeface="Arial" panose="020B0604020202020204" pitchFamily="34" charset="0"/>
                 <a:ea typeface="SimHei" panose="02010609060101010101" pitchFamily="49" charset="-122"/>
                 <a:cs typeface="Arial" panose="020B0604020202020204" pitchFamily="34" charset="0"/>
               </a:rPr>
-              <a:t>Technology:</a:t>
-            </a:r>
-            <a:br>
-              <a:rPr lang="en-US" altLang="zh-CN" dirty="0">
+              <a:t>VFS can support multiple file systems, such as FAT, NTFS, EXT, etc.</a:t>
+            </a:r>
+            <a:r>
+              <a:rPr lang="zh-CN" altLang="en-US" sz="1600" dirty="0">
                 <a:latin typeface="Arial" panose="020B0604020202020204" pitchFamily="34" charset="0"/>
                 <a:ea typeface="SimHei" panose="02010609060101010101" pitchFamily="49" charset="-122"/>
                 <a:cs typeface="Arial" panose="020B0604020202020204" pitchFamily="34" charset="0"/>
               </a:rPr>
-            </a:br>
-            <a:r>
-              <a:rPr lang="en-US" altLang="zh-CN" sz="2000" dirty="0">
-                <a:solidFill>
-                  <a:srgbClr val="383838"/>
-                </a:solidFill>
+              <a:t> </a:t>
+            </a:r>
+            <a:r>
+              <a:rPr lang="en-US" altLang="zh-CN" sz="1600" dirty="0">
                 <a:latin typeface="Arial" panose="020B0604020202020204" pitchFamily="34" charset="0"/>
                 <a:ea typeface="SimHei" panose="02010609060101010101" pitchFamily="49" charset="-122"/>
                 <a:cs typeface="Arial" panose="020B0604020202020204" pitchFamily="34" charset="0"/>
               </a:rPr>
-              <a:t>Python programming language</a:t>
-            </a:r>
-            <a:endParaRPr lang="en-US" altLang="zh-CN" sz="2000" dirty="0">
-              <a:latin typeface="Arial" panose="020B0604020202020204" pitchFamily="34" charset="0"/>
-              <a:ea typeface="SimHei" panose="02010609060101010101" pitchFamily="49" charset="-122"/>
-              <a:cs typeface="Arial" panose="020B0604020202020204" pitchFamily="34" charset="0"/>
-            </a:endParaRPr>
-          </a:p>
-          <a:p>
-            <a:pPr marL="0" indent="0">
-              <a:buNone/>
-            </a:pPr>
+              <a:t>This means that no matter what file system the file is actually stored on, user programs can access it in the same way.</a:t>
+            </a:r>
+          </a:p>
+          <a:p>
             <a:endParaRPr lang="en-US" dirty="0">
               <a:latin typeface="Arial" panose="020B0604020202020204" pitchFamily="34" charset="0"/>
               <a:cs typeface="Arial" panose="020B0604020202020204" pitchFamily="34" charset="0"/>
@@ -7586,7 +9421,233 @@
     </p:spTree>
     <p:extLst>
       <p:ext uri="{BB962C8B-B14F-4D97-AF65-F5344CB8AC3E}">
-        <p14:creationId xmlns:p14="http://schemas.microsoft.com/office/powerpoint/2010/main" val="1708360967"/>
+        <p14:creationId xmlns:p14="http://schemas.microsoft.com/office/powerpoint/2010/main" val="2070724575"/>
+      </p:ext>
+    </p:extLst>
+  </p:cSld>
+  <p:clrMapOvr>
+    <a:masterClrMapping/>
+  </p:clrMapOvr>
+</p:sld>
+</file>
+
+<file path=ppt/slides/slide20.xml><?xml version="1.0" encoding="utf-8"?>
+<p:sld xmlns:a="http://schemas.openxmlformats.org/drawingml/2006/main" xmlns:r="http://schemas.openxmlformats.org/officeDocument/2006/relationships" xmlns:p="http://schemas.openxmlformats.org/presentationml/2006/main">
+  <p:cSld>
+    <p:spTree>
+      <p:nvGrpSpPr>
+        <p:cNvPr id="1" name=""/>
+        <p:cNvGrpSpPr/>
+        <p:nvPr/>
+      </p:nvGrpSpPr>
+      <p:grpSpPr>
+        <a:xfrm>
+          <a:off x="0" y="0"/>
+          <a:ext cx="0" cy="0"/>
+          <a:chOff x="0" y="0"/>
+          <a:chExt cx="0" cy="0"/>
+        </a:xfrm>
+      </p:grpSpPr>
+      <p:sp>
+        <p:nvSpPr>
+          <p:cNvPr id="2" name="标题 1">
+            <a:extLst>
+              <a:ext uri="{FF2B5EF4-FFF2-40B4-BE49-F238E27FC236}">
+                <a16:creationId xmlns:a16="http://schemas.microsoft.com/office/drawing/2014/main" id="{1DCE679E-7120-4EFF-95A8-644B0D2CC671}"/>
+              </a:ext>
+            </a:extLst>
+          </p:cNvPr>
+          <p:cNvSpPr>
+            <a:spLocks noGrp="1"/>
+          </p:cNvSpPr>
+          <p:nvPr>
+            <p:ph type="title"/>
+          </p:nvPr>
+        </p:nvSpPr>
+        <p:spPr/>
+        <p:txBody>
+          <a:bodyPr>
+            <a:normAutofit/>
+          </a:bodyPr>
+          <a:lstStyle/>
+          <a:p>
+            <a:pPr algn="ctr"/>
+            <a:r>
+              <a:rPr kumimoji="1" lang="en-US" altLang="zh-CN" sz="3600" b="1" dirty="0"/>
+              <a:t>Conclusion</a:t>
+            </a:r>
+            <a:endParaRPr kumimoji="1" lang="zh-CN" altLang="en-US" sz="3600" b="1" dirty="0"/>
+          </a:p>
+        </p:txBody>
+      </p:sp>
+      <p:sp>
+        <p:nvSpPr>
+          <p:cNvPr id="4" name="内容占位符 3">
+            <a:extLst>
+              <a:ext uri="{FF2B5EF4-FFF2-40B4-BE49-F238E27FC236}">
+                <a16:creationId xmlns:a16="http://schemas.microsoft.com/office/drawing/2014/main" id="{C67385F7-FEEB-ADAE-D42F-E98D26BC7D19}"/>
+              </a:ext>
+            </a:extLst>
+          </p:cNvPr>
+          <p:cNvSpPr>
+            <a:spLocks noGrp="1"/>
+          </p:cNvSpPr>
+          <p:nvPr>
+            <p:ph sz="half" idx="2"/>
+          </p:nvPr>
+        </p:nvSpPr>
+        <p:spPr>
+          <a:xfrm>
+            <a:off x="457200" y="1713297"/>
+            <a:ext cx="8229600" cy="2531444"/>
+          </a:xfrm>
+        </p:spPr>
+        <p:txBody>
+          <a:bodyPr>
+            <a:normAutofit lnSpcReduction="10000"/>
+          </a:bodyPr>
+          <a:lstStyle/>
+          <a:p>
+            <a:pPr algn="l">
+              <a:buFont typeface="Arial" panose="020B0604020202020204" pitchFamily="34" charset="0"/>
+              <a:buChar char="•"/>
+            </a:pPr>
+            <a:r>
+              <a:rPr lang="en-US" altLang="zh-CN" sz="2000" b="1" dirty="0">
+                <a:latin typeface="Söhne"/>
+              </a:rPr>
+              <a:t>Summary of Features: </a:t>
+            </a:r>
+          </a:p>
+          <a:p>
+            <a:pPr marL="0" indent="0" algn="l">
+              <a:buNone/>
+            </a:pPr>
+            <a:r>
+              <a:rPr kumimoji="1" lang="en-US" altLang="zh-CN" dirty="0"/>
+              <a:t>       Recap of the VFS capabilities</a:t>
+            </a:r>
+          </a:p>
+          <a:p>
+            <a:pPr algn="l">
+              <a:buFont typeface="Arial" panose="020B0604020202020204" pitchFamily="34" charset="0"/>
+              <a:buChar char="•"/>
+            </a:pPr>
+            <a:endParaRPr lang="en-US" altLang="zh-CN" b="0" i="0" dirty="0">
+              <a:effectLst/>
+              <a:latin typeface="Söhne"/>
+            </a:endParaRPr>
+          </a:p>
+          <a:p>
+            <a:pPr algn="l">
+              <a:buFont typeface="Arial" panose="020B0604020202020204" pitchFamily="34" charset="0"/>
+              <a:buChar char="•"/>
+            </a:pPr>
+            <a:r>
+              <a:rPr lang="en-US" altLang="zh-CN" sz="2000" b="1" i="0" dirty="0">
+                <a:effectLst/>
+                <a:latin typeface="Söhne"/>
+              </a:rPr>
+              <a:t>Potential Improvements:</a:t>
+            </a:r>
+          </a:p>
+          <a:p>
+            <a:pPr marL="0" indent="0" algn="l">
+              <a:buNone/>
+            </a:pPr>
+            <a:r>
+              <a:rPr kumimoji="1" lang="en-US" altLang="zh-CN" dirty="0"/>
+              <a:t>      Add the functionalities of shared files.</a:t>
+            </a:r>
+          </a:p>
+          <a:p>
+            <a:pPr marL="0" indent="0" algn="l">
+              <a:buNone/>
+            </a:pPr>
+            <a:r>
+              <a:rPr kumimoji="1" lang="en-US" altLang="zh-CN" dirty="0"/>
+              <a:t>      List more information not just name of the directory,</a:t>
+            </a:r>
+            <a:r>
+              <a:rPr kumimoji="1" lang="zh-CN" altLang="en-US" dirty="0"/>
+              <a:t> </a:t>
+            </a:r>
+            <a:r>
+              <a:rPr kumimoji="1" lang="en-US" altLang="zh-CN" dirty="0"/>
+              <a:t>such</a:t>
+            </a:r>
+            <a:r>
+              <a:rPr kumimoji="1" lang="zh-CN" altLang="en-US" dirty="0"/>
+              <a:t> </a:t>
+            </a:r>
+            <a:r>
+              <a:rPr kumimoji="1" lang="en-US" altLang="zh-CN" dirty="0"/>
+              <a:t>as</a:t>
+            </a:r>
+            <a:r>
+              <a:rPr kumimoji="1" lang="zh-CN" altLang="en-US" dirty="0"/>
+              <a:t> </a:t>
+            </a:r>
+            <a:r>
+              <a:rPr kumimoji="1" lang="en-US" altLang="zh-CN" dirty="0"/>
+              <a:t>last</a:t>
+            </a:r>
+            <a:r>
+              <a:rPr kumimoji="1" lang="zh-CN" altLang="en-US" dirty="0"/>
+              <a:t> </a:t>
+            </a:r>
+            <a:r>
+              <a:rPr kumimoji="1" lang="en-US" altLang="zh-CN" dirty="0"/>
+              <a:t>modified</a:t>
+            </a:r>
+            <a:r>
+              <a:rPr kumimoji="1" lang="zh-CN" altLang="en-US" dirty="0"/>
+              <a:t> </a:t>
+            </a:r>
+            <a:r>
+              <a:rPr kumimoji="1" lang="en-US" altLang="zh-CN" dirty="0"/>
+              <a:t>time,</a:t>
+            </a:r>
+            <a:r>
+              <a:rPr kumimoji="1" lang="zh-CN" altLang="en-US" dirty="0"/>
+              <a:t> </a:t>
+            </a:r>
+            <a:r>
+              <a:rPr kumimoji="1" lang="en-US" altLang="zh-CN" dirty="0"/>
+              <a:t>data</a:t>
+            </a:r>
+            <a:r>
+              <a:rPr kumimoji="1" lang="zh-CN" altLang="en-US" dirty="0"/>
+              <a:t> </a:t>
+            </a:r>
+            <a:r>
+              <a:rPr kumimoji="1" lang="en-US" altLang="zh-CN" dirty="0"/>
+              <a:t>size,</a:t>
+            </a:r>
+            <a:r>
+              <a:rPr kumimoji="1" lang="zh-CN" altLang="en-US" dirty="0"/>
+              <a:t> </a:t>
+            </a:r>
+            <a:r>
+              <a:rPr kumimoji="1" lang="en-US" altLang="zh-CN" dirty="0"/>
+              <a:t>etc.</a:t>
+            </a:r>
+          </a:p>
+          <a:p>
+            <a:pPr marL="0" indent="0" algn="l">
+              <a:buNone/>
+            </a:pPr>
+            <a:r>
+              <a:rPr kumimoji="1" lang="zh-CN" altLang="en-US" dirty="0"/>
+              <a:t>      </a:t>
+            </a:r>
+          </a:p>
+        </p:txBody>
+      </p:sp>
+    </p:spTree>
+    <p:extLst>
+      <p:ext uri="{BB962C8B-B14F-4D97-AF65-F5344CB8AC3E}">
+        <p14:creationId xmlns:p14="http://schemas.microsoft.com/office/powerpoint/2010/main" val="652655736"/>
       </p:ext>
     </p:extLst>
   </p:cSld>
@@ -7632,29 +9693,17 @@
           <a:p>
             <a:pPr algn="ctr"/>
             <a:r>
-              <a:rPr lang="en-US" altLang="zh-CN" sz="3200" b="1" i="0" dirty="0">
-                <a:effectLst/>
+              <a:rPr lang="en-US" altLang="zh-CN" sz="3600" b="1" dirty="0">
                 <a:latin typeface="Arial" panose="020B0604020202020204" pitchFamily="34" charset="0"/>
                 <a:cs typeface="Arial" panose="020B0604020202020204" pitchFamily="34" charset="0"/>
               </a:rPr>
-              <a:t>Introduction to Virtual File</a:t>
-            </a:r>
-            <a:r>
-              <a:rPr lang="zh-CN" altLang="en-US" sz="3200" b="1" i="0" dirty="0">
-                <a:effectLst/>
-                <a:latin typeface="Arial" panose="020B0604020202020204" pitchFamily="34" charset="0"/>
-                <a:cs typeface="Arial" panose="020B0604020202020204" pitchFamily="34" charset="0"/>
-              </a:rPr>
-              <a:t> </a:t>
-            </a:r>
-            <a:r>
-              <a:rPr lang="en-US" altLang="zh-CN" sz="3200" b="1" i="0" dirty="0">
-                <a:effectLst/>
-                <a:latin typeface="Arial" panose="020B0604020202020204" pitchFamily="34" charset="0"/>
-                <a:cs typeface="Arial" panose="020B0604020202020204" pitchFamily="34" charset="0"/>
-              </a:rPr>
-              <a:t>System</a:t>
-            </a:r>
+              <a:t>Introduction</a:t>
+            </a:r>
+            <a:endParaRPr lang="en-US" altLang="zh-CN" sz="3200" b="1" i="0" dirty="0">
+              <a:effectLst/>
+              <a:latin typeface="Arial" panose="020B0604020202020204" pitchFamily="34" charset="0"/>
+              <a:cs typeface="Arial" panose="020B0604020202020204" pitchFamily="34" charset="0"/>
+            </a:endParaRPr>
           </a:p>
         </p:txBody>
       </p:sp>
@@ -7668,10 +9717,15 @@
             <p:ph idx="1"/>
           </p:nvPr>
         </p:nvSpPr>
-        <p:spPr/>
+        <p:spPr>
+          <a:xfrm>
+            <a:off x="457200" y="1311654"/>
+            <a:ext cx="4701941" cy="3394075"/>
+          </a:xfrm>
+        </p:spPr>
         <p:txBody>
           <a:bodyPr>
-            <a:normAutofit fontScale="92500" lnSpcReduction="10000"/>
+            <a:normAutofit/>
           </a:bodyPr>
           <a:lstStyle/>
           <a:p>
@@ -7683,12 +9737,32 @@
               <a:buChar char="•"/>
             </a:pPr>
             <a:r>
-              <a:rPr lang="en-US" altLang="zh-CN" sz="1800" dirty="0">
+              <a:rPr lang="en-US" b="1" i="0" dirty="0">
+                <a:solidFill>
+                  <a:srgbClr val="202122"/>
+                </a:solidFill>
+                <a:effectLst/>
                 <a:latin typeface="Arial" panose="020B0604020202020204" pitchFamily="34" charset="0"/>
-                <a:ea typeface="SimHei" panose="02010609060101010101" pitchFamily="49" charset="-122"/>
-                <a:cs typeface="Arial" panose="020B0604020202020204" pitchFamily="34" charset="0"/>
-              </a:rPr>
-              <a:t>A comprehensive simulation of file system operations</a:t>
+              </a:rPr>
+              <a:t>File Allocation Table</a:t>
+            </a:r>
+            <a:r>
+              <a:rPr lang="zh-CN" altLang="en-US" b="1" i="0" dirty="0">
+                <a:solidFill>
+                  <a:srgbClr val="202122"/>
+                </a:solidFill>
+                <a:effectLst/>
+                <a:latin typeface="Arial" panose="020B0604020202020204" pitchFamily="34" charset="0"/>
+              </a:rPr>
+              <a:t> </a:t>
+            </a:r>
+            <a:r>
+              <a:rPr lang="en-US" b="1" dirty="0"/>
+              <a:t>(</a:t>
+            </a:r>
+            <a:r>
+              <a:rPr lang="en-US" altLang="zh-CN" b="1" dirty="0"/>
+              <a:t>FAT)</a:t>
             </a:r>
           </a:p>
           <a:p>
@@ -7697,15 +9771,20 @@
                 <a:spcPct val="150000"/>
               </a:lnSpc>
               <a:buSzPct val="100000"/>
-              <a:buChar char="•"/>
+              <a:buFont typeface="+mj-lt"/>
+              <a:buAutoNum type="arabicPeriod"/>
             </a:pPr>
             <a:r>
-              <a:rPr lang="en-US" altLang="zh-CN" sz="1800" dirty="0">
-                <a:latin typeface="Arial" panose="020B0604020202020204" pitchFamily="34" charset="0"/>
-                <a:ea typeface="SimHei" panose="02010609060101010101" pitchFamily="49" charset="-122"/>
-                <a:cs typeface="Arial" panose="020B0604020202020204" pitchFamily="34" charset="0"/>
-              </a:rPr>
-              <a:t>Introduction to Virtual File System</a:t>
+              <a:rPr lang="en-US" altLang="zh-CN" sz="1600" dirty="0"/>
+              <a:t>FAT is a</a:t>
+            </a:r>
+            <a:r>
+              <a:rPr lang="zh-CN" altLang="en-US" sz="1600" dirty="0"/>
+              <a:t> </a:t>
+            </a:r>
+            <a:r>
+              <a:rPr lang="en-US" altLang="zh-CN" sz="1600" dirty="0"/>
+              <a:t>file system widely used in early PCs and portable storage devices (such as USB flash drives).</a:t>
             </a:r>
           </a:p>
           <a:p>
@@ -7714,103 +9793,13 @@
                 <a:spcPct val="150000"/>
               </a:lnSpc>
               <a:buSzPct val="100000"/>
-              <a:buChar char="•"/>
+              <a:buFont typeface="+mj-lt"/>
+              <a:buAutoNum type="arabicPeriod"/>
             </a:pPr>
             <a:r>
-              <a:rPr lang="en-US" altLang="zh-CN" sz="1800" dirty="0">
-                <a:latin typeface="Arial" panose="020B0604020202020204" pitchFamily="34" charset="0"/>
-                <a:ea typeface="SimHei" panose="02010609060101010101" pitchFamily="49" charset="-122"/>
-                <a:cs typeface="Arial" panose="020B0604020202020204" pitchFamily="34" charset="0"/>
-              </a:rPr>
-              <a:t>Overview of the Virtual File System Structure</a:t>
-            </a:r>
-          </a:p>
-          <a:p>
-            <a:pPr marL="342900" indent="-342900" algn="l">
-              <a:lnSpc>
-                <a:spcPct val="150000"/>
-              </a:lnSpc>
-              <a:buSzPct val="100000"/>
-              <a:buChar char="•"/>
-            </a:pPr>
-            <a:r>
-              <a:rPr lang="en-US" altLang="zh-CN" sz="1800" dirty="0">
-                <a:latin typeface="Arial" panose="020B0604020202020204" pitchFamily="34" charset="0"/>
-                <a:ea typeface="SimHei" panose="02010609060101010101" pitchFamily="49" charset="-122"/>
-                <a:cs typeface="Arial" panose="020B0604020202020204" pitchFamily="34" charset="0"/>
-              </a:rPr>
-              <a:t>User Management</a:t>
-            </a:r>
-          </a:p>
-          <a:p>
-            <a:pPr marL="342900" indent="-342900" algn="l">
-              <a:lnSpc>
-                <a:spcPct val="150000"/>
-              </a:lnSpc>
-              <a:buSzPct val="100000"/>
-              <a:buChar char="•"/>
-            </a:pPr>
-            <a:r>
-              <a:rPr lang="en-US" altLang="zh-CN" sz="1800" dirty="0">
-                <a:latin typeface="Arial" panose="020B0604020202020204" pitchFamily="34" charset="0"/>
-                <a:ea typeface="SimHei" panose="02010609060101010101" pitchFamily="49" charset="-122"/>
-                <a:cs typeface="Arial" panose="020B0604020202020204" pitchFamily="34" charset="0"/>
-              </a:rPr>
-              <a:t>File Operations</a:t>
-            </a:r>
-          </a:p>
-          <a:p>
-            <a:pPr marL="342900" indent="-342900" algn="l">
-              <a:lnSpc>
-                <a:spcPct val="150000"/>
-              </a:lnSpc>
-              <a:buSzPct val="100000"/>
-              <a:buChar char="•"/>
-            </a:pPr>
-            <a:r>
-              <a:rPr lang="en-US" altLang="zh-CN" sz="1800" dirty="0">
-                <a:latin typeface="Arial" panose="020B0604020202020204" pitchFamily="34" charset="0"/>
-                <a:ea typeface="SimHei" panose="02010609060101010101" pitchFamily="49" charset="-122"/>
-                <a:cs typeface="Arial" panose="020B0604020202020204" pitchFamily="34" charset="0"/>
-              </a:rPr>
-              <a:t>Security and Access Control</a:t>
-            </a:r>
-          </a:p>
-          <a:p>
-            <a:pPr marL="342900" indent="-342900" algn="l">
-              <a:lnSpc>
-                <a:spcPct val="150000"/>
-              </a:lnSpc>
-              <a:buSzPct val="100000"/>
-              <a:buChar char="•"/>
-            </a:pPr>
-            <a:r>
-              <a:rPr lang="en-US" altLang="zh-CN" sz="1800" dirty="0">
-                <a:latin typeface="Arial" panose="020B0604020202020204" pitchFamily="34" charset="0"/>
-                <a:ea typeface="SimHei" panose="02010609060101010101" pitchFamily="49" charset="-122"/>
-                <a:cs typeface="Arial" panose="020B0604020202020204" pitchFamily="34" charset="0"/>
-              </a:rPr>
-              <a:t>Conclusion</a:t>
-            </a:r>
-          </a:p>
-          <a:p>
-            <a:pPr marL="342900" indent="-342900" algn="l">
-              <a:lnSpc>
-                <a:spcPct val="150000"/>
-              </a:lnSpc>
-              <a:buSzPct val="100000"/>
-              <a:buChar char="•"/>
-            </a:pPr>
-            <a:r>
-              <a:rPr lang="en-US" altLang="zh-CN" sz="1800" dirty="0">
-                <a:latin typeface="Arial" panose="020B0604020202020204" pitchFamily="34" charset="0"/>
-                <a:ea typeface="SimHei" panose="02010609060101010101" pitchFamily="49" charset="-122"/>
-                <a:cs typeface="Arial" panose="020B0604020202020204" pitchFamily="34" charset="0"/>
-              </a:rPr>
-              <a:t>Questions and Discussion</a:t>
-            </a:r>
-          </a:p>
-          <a:p>
+              <a:rPr lang="en-US" altLang="zh-CN" sz="1600" dirty="0"/>
+              <a:t>It uses a table to track where files are stored on disk. Each file consists of a series of scattered disk blocks, and the FAT table records the sequence of these blocks.</a:t>
+            </a:r>
             <a:endParaRPr lang="en-US" dirty="0">
               <a:latin typeface="Arial" panose="020B0604020202020204" pitchFamily="34" charset="0"/>
               <a:cs typeface="Arial" panose="020B0604020202020204" pitchFamily="34" charset="0"/>
@@ -7818,10 +9807,57 @@
           </a:p>
         </p:txBody>
       </p:sp>
+      <p:pic>
+        <p:nvPicPr>
+          <p:cNvPr id="1026" name="Picture 2">
+            <a:extLst>
+              <a:ext uri="{FF2B5EF4-FFF2-40B4-BE49-F238E27FC236}">
+                <a16:creationId xmlns:a16="http://schemas.microsoft.com/office/drawing/2014/main" id="{AE8DD317-C798-E23D-40E2-4257372F8E05}"/>
+              </a:ext>
+            </a:extLst>
+          </p:cNvPr>
+          <p:cNvPicPr>
+            <a:picLocks noChangeAspect="1" noChangeArrowheads="1"/>
+          </p:cNvPicPr>
+          <p:nvPr/>
+        </p:nvPicPr>
+        <p:blipFill>
+          <a:blip r:embed="rId2">
+            <a:extLst>
+              <a:ext uri="{28A0092B-C50C-407E-A947-70E740481C1C}">
+                <a14:useLocalDpi xmlns:a14="http://schemas.microsoft.com/office/drawing/2010/main" val="0"/>
+              </a:ext>
+            </a:extLst>
+          </a:blip>
+          <a:srcRect/>
+          <a:stretch>
+            <a:fillRect/>
+          </a:stretch>
+        </p:blipFill>
+        <p:spPr bwMode="auto">
+          <a:xfrm>
+            <a:off x="5255226" y="1710459"/>
+            <a:ext cx="3173456" cy="2596464"/>
+          </a:xfrm>
+          <a:prstGeom prst="rect">
+            <a:avLst/>
+          </a:prstGeom>
+          <a:noFill/>
+          <a:extLst>
+            <a:ext uri="{909E8E84-426E-40DD-AFC4-6F175D3DCCD1}">
+              <a14:hiddenFill xmlns:a14="http://schemas.microsoft.com/office/drawing/2010/main">
+                <a:solidFill>
+                  <a:srgbClr val="FFFFFF"/>
+                </a:solidFill>
+              </a14:hiddenFill>
+            </a:ext>
+          </a:extLst>
+        </p:spPr>
+      </p:pic>
     </p:spTree>
     <p:extLst>
       <p:ext uri="{BB962C8B-B14F-4D97-AF65-F5344CB8AC3E}">
-        <p14:creationId xmlns:p14="http://schemas.microsoft.com/office/powerpoint/2010/main" val="2070724575"/>
+        <p14:creationId xmlns:p14="http://schemas.microsoft.com/office/powerpoint/2010/main" val="1099785178"/>
       </p:ext>
     </p:extLst>
   </p:cSld>
@@ -7850,13 +9886,7 @@
       </p:grpSpPr>
       <p:sp>
         <p:nvSpPr>
-          <p:cNvPr id="2" name="标题 1">
-            <a:extLst>
-              <a:ext uri="{FF2B5EF4-FFF2-40B4-BE49-F238E27FC236}">
-                <a16:creationId xmlns:a16="http://schemas.microsoft.com/office/drawing/2014/main" id="{C6CC8333-983A-49E9-47A7-2F58D21241F6}"/>
-              </a:ext>
-            </a:extLst>
-          </p:cNvPr>
+          <p:cNvPr id="2" name="Title 1"/>
           <p:cNvSpPr>
             <a:spLocks noGrp="1"/>
           </p:cNvSpPr>
@@ -7864,7 +9894,12 @@
             <p:ph type="title"/>
           </p:nvPr>
         </p:nvSpPr>
-        <p:spPr/>
+        <p:spPr>
+          <a:xfrm>
+            <a:off x="457200" y="156207"/>
+            <a:ext cx="8229600" cy="857250"/>
+          </a:xfrm>
+        </p:spPr>
         <p:txBody>
           <a:bodyPr>
             <a:noAutofit/>
@@ -7873,22 +9908,24 @@
           <a:p>
             <a:pPr algn="ctr"/>
             <a:r>
-              <a:rPr kumimoji="1" lang="en-US" altLang="zh-CN" sz="2800" b="1" dirty="0"/>
-              <a:t>Overview of the Virtual File System Structure</a:t>
-            </a:r>
-            <a:endParaRPr kumimoji="1" lang="zh-CN" altLang="en-US" sz="2800" b="1" dirty="0"/>
-          </a:p>
-        </p:txBody>
-      </p:sp>
-      <p:sp>
-        <p:nvSpPr>
-          <p:cNvPr id="3" name="内容占位符 2">
-            <a:extLst>
-              <a:ext uri="{FF2B5EF4-FFF2-40B4-BE49-F238E27FC236}">
-                <a16:creationId xmlns:a16="http://schemas.microsoft.com/office/drawing/2014/main" id="{1889F83A-04F1-F867-D86A-8DFD664F1D61}"/>
-              </a:ext>
-            </a:extLst>
-          </p:cNvPr>
+              <a:rPr lang="en-US" altLang="zh-CN" sz="3600" b="1" dirty="0"/>
+              <a:t>Project</a:t>
+            </a:r>
+            <a:r>
+              <a:rPr lang="zh-CN" altLang="en-US" sz="3600" b="1" dirty="0"/>
+              <a:t> </a:t>
+            </a:r>
+            <a:r>
+              <a:rPr lang="en-US" altLang="zh-CN" sz="3600" b="1" dirty="0"/>
+              <a:t>Goals</a:t>
+            </a:r>
+            <a:endParaRPr lang="en-US" sz="3600" b="1" dirty="0"/>
+          </a:p>
+        </p:txBody>
+      </p:sp>
+      <p:sp>
+        <p:nvSpPr>
+          <p:cNvPr id="3" name="Content Placeholder 2"/>
           <p:cNvSpPr>
             <a:spLocks noGrp="1"/>
           </p:cNvSpPr>
@@ -7898,158 +9935,633 @@
         </p:nvSpPr>
         <p:spPr>
           <a:xfrm>
-            <a:off x="457200" y="1244277"/>
-            <a:ext cx="8229600" cy="3394075"/>
+            <a:off x="457200" y="1355391"/>
+            <a:ext cx="8458200" cy="3394075"/>
           </a:xfrm>
         </p:spPr>
         <p:txBody>
           <a:bodyPr>
-            <a:normAutofit/>
+            <a:normAutofit fontScale="92500" lnSpcReduction="20000"/>
           </a:bodyPr>
           <a:lstStyle/>
           <a:p>
-            <a:pPr algn="l">
-              <a:buFont typeface="Arial" panose="020B0604020202020204" pitchFamily="34" charset="0"/>
+            <a:pPr marL="342900" indent="-342900" algn="l">
+              <a:lnSpc>
+                <a:spcPct val="150000"/>
+              </a:lnSpc>
+              <a:buSzPct val="100000"/>
               <a:buChar char="•"/>
             </a:pPr>
             <a:r>
-              <a:rPr lang="en-US" altLang="zh-CN" b="1" i="0" dirty="0">
-                <a:effectLst/>
-                <a:latin typeface="Söhne"/>
-              </a:rPr>
-              <a:t>Two-Level Directory Structure</a:t>
-            </a:r>
-            <a:endParaRPr lang="en-US" altLang="zh-CN" b="0" i="0" dirty="0">
-              <a:effectLst/>
-              <a:latin typeface="Söhne"/>
+              <a:rPr lang="en-US" altLang="zh-CN" sz="2000" b="1" dirty="0">
+                <a:solidFill>
+                  <a:srgbClr val="383838"/>
+                </a:solidFill>
+                <a:latin typeface="Arial" panose="020B0604020202020204" pitchFamily="34" charset="0"/>
+                <a:ea typeface="SimHei" panose="02010609060101010101" pitchFamily="49" charset="-122"/>
+                <a:cs typeface="Arial" panose="020B0604020202020204" pitchFamily="34" charset="0"/>
+              </a:rPr>
+              <a:t>User</a:t>
+            </a:r>
+            <a:r>
+              <a:rPr lang="zh-CN" altLang="en-US" sz="2000" b="1" dirty="0">
+                <a:solidFill>
+                  <a:srgbClr val="383838"/>
+                </a:solidFill>
+                <a:latin typeface="Arial" panose="020B0604020202020204" pitchFamily="34" charset="0"/>
+                <a:ea typeface="SimHei" panose="02010609060101010101" pitchFamily="49" charset="-122"/>
+                <a:cs typeface="Arial" panose="020B0604020202020204" pitchFamily="34" charset="0"/>
+              </a:rPr>
+              <a:t> </a:t>
+            </a:r>
+            <a:r>
+              <a:rPr lang="en-US" altLang="zh-CN" sz="2000" b="1" dirty="0">
+                <a:solidFill>
+                  <a:srgbClr val="383838"/>
+                </a:solidFill>
+                <a:latin typeface="Arial" panose="020B0604020202020204" pitchFamily="34" charset="0"/>
+                <a:ea typeface="SimHei" panose="02010609060101010101" pitchFamily="49" charset="-122"/>
+                <a:cs typeface="Arial" panose="020B0604020202020204" pitchFamily="34" charset="0"/>
+              </a:rPr>
+              <a:t>Management:</a:t>
+            </a:r>
+            <a:br>
+              <a:rPr lang="en-US" altLang="zh-CN" dirty="0">
+                <a:latin typeface="Arial" panose="020B0604020202020204" pitchFamily="34" charset="0"/>
+                <a:ea typeface="SimHei" panose="02010609060101010101" pitchFamily="49" charset="-122"/>
+                <a:cs typeface="Arial" panose="020B0604020202020204" pitchFamily="34" charset="0"/>
+              </a:rPr>
+            </a:br>
+            <a:r>
+              <a:rPr lang="en-US" altLang="zh-CN" sz="1900" dirty="0">
+                <a:solidFill>
+                  <a:srgbClr val="383838"/>
+                </a:solidFill>
+                <a:latin typeface="Arial" panose="020B0604020202020204" pitchFamily="34" charset="0"/>
+                <a:ea typeface="SimHei" panose="02010609060101010101" pitchFamily="49" charset="-122"/>
+                <a:cs typeface="Arial" panose="020B0604020202020204" pitchFamily="34" charset="0"/>
+              </a:rPr>
+              <a:t>Use</a:t>
+            </a:r>
+            <a:r>
+              <a:rPr lang="zh-CN" altLang="en-US" sz="1900" dirty="0">
+                <a:solidFill>
+                  <a:srgbClr val="383838"/>
+                </a:solidFill>
+                <a:latin typeface="Arial" panose="020B0604020202020204" pitchFamily="34" charset="0"/>
+                <a:ea typeface="SimHei" panose="02010609060101010101" pitchFamily="49" charset="-122"/>
+                <a:cs typeface="Arial" panose="020B0604020202020204" pitchFamily="34" charset="0"/>
+              </a:rPr>
+              <a:t> </a:t>
+            </a:r>
+            <a:r>
+              <a:rPr lang="en-US" altLang="zh-CN" sz="1900" dirty="0">
+                <a:solidFill>
+                  <a:srgbClr val="383838"/>
+                </a:solidFill>
+                <a:latin typeface="Arial" panose="020B0604020202020204" pitchFamily="34" charset="0"/>
+                <a:ea typeface="SimHei" panose="02010609060101010101" pitchFamily="49" charset="-122"/>
+                <a:cs typeface="Arial" panose="020B0604020202020204" pitchFamily="34" charset="0"/>
+              </a:rPr>
+              <a:t>authentication</a:t>
+            </a:r>
+            <a:r>
+              <a:rPr lang="zh-CN" altLang="en-US" sz="1900" dirty="0">
+                <a:solidFill>
+                  <a:srgbClr val="383838"/>
+                </a:solidFill>
+                <a:latin typeface="Arial" panose="020B0604020202020204" pitchFamily="34" charset="0"/>
+                <a:ea typeface="SimHei" panose="02010609060101010101" pitchFamily="49" charset="-122"/>
+                <a:cs typeface="Arial" panose="020B0604020202020204" pitchFamily="34" charset="0"/>
+              </a:rPr>
+              <a:t> </a:t>
+            </a:r>
+            <a:r>
+              <a:rPr lang="en-US" altLang="zh-CN" sz="1900" dirty="0">
+                <a:solidFill>
+                  <a:srgbClr val="383838"/>
+                </a:solidFill>
+                <a:latin typeface="Arial" panose="020B0604020202020204" pitchFamily="34" charset="0"/>
+                <a:ea typeface="SimHei" panose="02010609060101010101" pitchFamily="49" charset="-122"/>
+                <a:cs typeface="Arial" panose="020B0604020202020204" pitchFamily="34" charset="0"/>
+              </a:rPr>
+              <a:t>mechanism</a:t>
+            </a:r>
+            <a:endParaRPr lang="en-US" altLang="zh-CN" sz="1900" dirty="0">
+              <a:latin typeface="Arial" panose="020B0604020202020204" pitchFamily="34" charset="0"/>
+              <a:ea typeface="SimHei" panose="02010609060101010101" pitchFamily="49" charset="-122"/>
+              <a:cs typeface="Arial" panose="020B0604020202020204" pitchFamily="34" charset="0"/>
             </a:endParaRPr>
           </a:p>
           <a:p>
-            <a:pPr marL="742950" lvl="1" indent="-285750" algn="l">
-              <a:buFont typeface="Arial" panose="020B0604020202020204" pitchFamily="34" charset="0"/>
+            <a:pPr marL="342900" indent="-342900" algn="l">
+              <a:lnSpc>
+                <a:spcPct val="150000"/>
+              </a:lnSpc>
+              <a:buSzPct val="100000"/>
               <a:buChar char="•"/>
             </a:pPr>
             <a:r>
-              <a:rPr lang="en-US" altLang="zh-CN" b="1" i="0" dirty="0">
-                <a:effectLst/>
-                <a:latin typeface="Söhne"/>
-              </a:rPr>
-              <a:t>User Accounts</a:t>
-            </a:r>
-            <a:r>
-              <a:rPr lang="en-US" altLang="zh-CN" b="0" i="0" dirty="0">
-                <a:effectLst/>
-                <a:latin typeface="Söhne"/>
-              </a:rPr>
-              <a:t>: Each user has a top-level directory.</a:t>
-            </a:r>
-          </a:p>
-          <a:p>
-            <a:pPr marL="742950" lvl="1" indent="-285750" algn="l">
-              <a:buFont typeface="Arial" panose="020B0604020202020204" pitchFamily="34" charset="0"/>
+              <a:rPr lang="en-US" altLang="zh-CN" b="1" dirty="0">
+                <a:solidFill>
+                  <a:srgbClr val="383838"/>
+                </a:solidFill>
+                <a:latin typeface="Arial" panose="020B0604020202020204" pitchFamily="34" charset="0"/>
+                <a:ea typeface="SimHei" panose="02010609060101010101" pitchFamily="49" charset="-122"/>
+                <a:cs typeface="Arial" panose="020B0604020202020204" pitchFamily="34" charset="0"/>
+              </a:rPr>
+              <a:t>File</a:t>
+            </a:r>
+            <a:r>
+              <a:rPr lang="zh-CN" altLang="en-US" b="1" dirty="0">
+                <a:solidFill>
+                  <a:srgbClr val="383838"/>
+                </a:solidFill>
+                <a:latin typeface="Arial" panose="020B0604020202020204" pitchFamily="34" charset="0"/>
+                <a:ea typeface="SimHei" panose="02010609060101010101" pitchFamily="49" charset="-122"/>
+                <a:cs typeface="Arial" panose="020B0604020202020204" pitchFamily="34" charset="0"/>
+              </a:rPr>
+              <a:t> </a:t>
+            </a:r>
+            <a:r>
+              <a:rPr lang="en-US" altLang="zh-CN" b="1" dirty="0">
+                <a:solidFill>
+                  <a:srgbClr val="383838"/>
+                </a:solidFill>
+                <a:latin typeface="Arial" panose="020B0604020202020204" pitchFamily="34" charset="0"/>
+                <a:ea typeface="SimHei" panose="02010609060101010101" pitchFamily="49" charset="-122"/>
+                <a:cs typeface="Arial" panose="020B0604020202020204" pitchFamily="34" charset="0"/>
+              </a:rPr>
+              <a:t>Operations</a:t>
+            </a:r>
+            <a:r>
+              <a:rPr lang="en-US" altLang="zh-CN" sz="2000" b="1" dirty="0">
+                <a:solidFill>
+                  <a:srgbClr val="383838"/>
+                </a:solidFill>
+                <a:latin typeface="Arial" panose="020B0604020202020204" pitchFamily="34" charset="0"/>
+                <a:ea typeface="SimHei" panose="02010609060101010101" pitchFamily="49" charset="-122"/>
+                <a:cs typeface="Arial" panose="020B0604020202020204" pitchFamily="34" charset="0"/>
+              </a:rPr>
+              <a:t>:</a:t>
+            </a:r>
+            <a:br>
+              <a:rPr lang="en-US" altLang="zh-CN" dirty="0">
+                <a:latin typeface="Arial" panose="020B0604020202020204" pitchFamily="34" charset="0"/>
+                <a:ea typeface="SimHei" panose="02010609060101010101" pitchFamily="49" charset="-122"/>
+                <a:cs typeface="Arial" panose="020B0604020202020204" pitchFamily="34" charset="0"/>
+              </a:rPr>
+            </a:br>
+            <a:r>
+              <a:rPr lang="en-US" altLang="zh-CN" sz="1900" dirty="0">
+                <a:solidFill>
+                  <a:srgbClr val="383838"/>
+                </a:solidFill>
+                <a:latin typeface="Arial" panose="020B0604020202020204" pitchFamily="34" charset="0"/>
+                <a:ea typeface="SimHei" panose="02010609060101010101" pitchFamily="49" charset="-122"/>
+                <a:cs typeface="Arial" panose="020B0604020202020204" pitchFamily="34" charset="0"/>
+              </a:rPr>
+              <a:t>Basic</a:t>
+            </a:r>
+            <a:r>
+              <a:rPr lang="zh-CN" altLang="en-US" sz="1900" dirty="0">
+                <a:solidFill>
+                  <a:srgbClr val="383838"/>
+                </a:solidFill>
+                <a:latin typeface="Arial" panose="020B0604020202020204" pitchFamily="34" charset="0"/>
+                <a:ea typeface="SimHei" panose="02010609060101010101" pitchFamily="49" charset="-122"/>
+                <a:cs typeface="Arial" panose="020B0604020202020204" pitchFamily="34" charset="0"/>
+              </a:rPr>
+              <a:t> </a:t>
+            </a:r>
+            <a:r>
+              <a:rPr lang="en-US" altLang="zh-CN" sz="1900" dirty="0">
+                <a:solidFill>
+                  <a:srgbClr val="383838"/>
+                </a:solidFill>
+                <a:latin typeface="Arial" panose="020B0604020202020204" pitchFamily="34" charset="0"/>
+                <a:ea typeface="SimHei" panose="02010609060101010101" pitchFamily="49" charset="-122"/>
+                <a:cs typeface="Arial" panose="020B0604020202020204" pitchFamily="34" charset="0"/>
+              </a:rPr>
+              <a:t>file</a:t>
+            </a:r>
+            <a:r>
+              <a:rPr lang="zh-CN" altLang="en-US" sz="1900" dirty="0">
+                <a:solidFill>
+                  <a:srgbClr val="383838"/>
+                </a:solidFill>
+                <a:latin typeface="Arial" panose="020B0604020202020204" pitchFamily="34" charset="0"/>
+                <a:ea typeface="SimHei" panose="02010609060101010101" pitchFamily="49" charset="-122"/>
+                <a:cs typeface="Arial" panose="020B0604020202020204" pitchFamily="34" charset="0"/>
+              </a:rPr>
+              <a:t> </a:t>
+            </a:r>
+            <a:r>
+              <a:rPr lang="en-US" altLang="zh-CN" sz="1900" dirty="0">
+                <a:solidFill>
+                  <a:srgbClr val="383838"/>
+                </a:solidFill>
+                <a:latin typeface="Arial" panose="020B0604020202020204" pitchFamily="34" charset="0"/>
+                <a:ea typeface="SimHei" panose="02010609060101010101" pitchFamily="49" charset="-122"/>
+                <a:cs typeface="Arial" panose="020B0604020202020204" pitchFamily="34" charset="0"/>
+              </a:rPr>
+              <a:t>operations</a:t>
+            </a:r>
+            <a:r>
+              <a:rPr lang="zh-CN" altLang="en-US" sz="1900" dirty="0">
+                <a:solidFill>
+                  <a:srgbClr val="383838"/>
+                </a:solidFill>
+                <a:latin typeface="Arial" panose="020B0604020202020204" pitchFamily="34" charset="0"/>
+                <a:ea typeface="SimHei" panose="02010609060101010101" pitchFamily="49" charset="-122"/>
+                <a:cs typeface="Arial" panose="020B0604020202020204" pitchFamily="34" charset="0"/>
+              </a:rPr>
+              <a:t> </a:t>
+            </a:r>
+            <a:r>
+              <a:rPr lang="en-US" altLang="zh-CN" sz="1900" dirty="0">
+                <a:solidFill>
+                  <a:srgbClr val="383838"/>
+                </a:solidFill>
+                <a:latin typeface="Arial" panose="020B0604020202020204" pitchFamily="34" charset="0"/>
+                <a:ea typeface="SimHei" panose="02010609060101010101" pitchFamily="49" charset="-122"/>
+                <a:cs typeface="Arial" panose="020B0604020202020204" pitchFamily="34" charset="0"/>
+              </a:rPr>
+              <a:t>such</a:t>
+            </a:r>
+            <a:r>
+              <a:rPr lang="zh-CN" altLang="en-US" sz="1900" dirty="0">
+                <a:solidFill>
+                  <a:srgbClr val="383838"/>
+                </a:solidFill>
+                <a:latin typeface="Arial" panose="020B0604020202020204" pitchFamily="34" charset="0"/>
+                <a:ea typeface="SimHei" panose="02010609060101010101" pitchFamily="49" charset="-122"/>
+                <a:cs typeface="Arial" panose="020B0604020202020204" pitchFamily="34" charset="0"/>
+              </a:rPr>
+              <a:t> </a:t>
+            </a:r>
+            <a:r>
+              <a:rPr lang="en-US" altLang="zh-CN" sz="1900" dirty="0">
+                <a:solidFill>
+                  <a:srgbClr val="383838"/>
+                </a:solidFill>
+                <a:latin typeface="Arial" panose="020B0604020202020204" pitchFamily="34" charset="0"/>
+                <a:ea typeface="SimHei" panose="02010609060101010101" pitchFamily="49" charset="-122"/>
+                <a:cs typeface="Arial" panose="020B0604020202020204" pitchFamily="34" charset="0"/>
+              </a:rPr>
+              <a:t>as</a:t>
+            </a:r>
+            <a:r>
+              <a:rPr lang="zh-CN" altLang="en-US" sz="1900" dirty="0">
+                <a:solidFill>
+                  <a:srgbClr val="383838"/>
+                </a:solidFill>
+                <a:latin typeface="Arial" panose="020B0604020202020204" pitchFamily="34" charset="0"/>
+                <a:ea typeface="SimHei" panose="02010609060101010101" pitchFamily="49" charset="-122"/>
+                <a:cs typeface="Arial" panose="020B0604020202020204" pitchFamily="34" charset="0"/>
+              </a:rPr>
+              <a:t> </a:t>
+            </a:r>
+            <a:r>
+              <a:rPr lang="en-US" altLang="zh-CN" sz="1900" dirty="0">
+                <a:solidFill>
+                  <a:srgbClr val="383838"/>
+                </a:solidFill>
+                <a:latin typeface="Arial" panose="020B0604020202020204" pitchFamily="34" charset="0"/>
+                <a:ea typeface="SimHei" panose="02010609060101010101" pitchFamily="49" charset="-122"/>
+                <a:cs typeface="Arial" panose="020B0604020202020204" pitchFamily="34" charset="0"/>
+              </a:rPr>
+              <a:t>create,</a:t>
+            </a:r>
+            <a:r>
+              <a:rPr lang="zh-CN" altLang="en-US" sz="1900" dirty="0">
+                <a:solidFill>
+                  <a:srgbClr val="383838"/>
+                </a:solidFill>
+                <a:latin typeface="Arial" panose="020B0604020202020204" pitchFamily="34" charset="0"/>
+                <a:ea typeface="SimHei" panose="02010609060101010101" pitchFamily="49" charset="-122"/>
+                <a:cs typeface="Arial" panose="020B0604020202020204" pitchFamily="34" charset="0"/>
+              </a:rPr>
+              <a:t> </a:t>
+            </a:r>
+            <a:r>
+              <a:rPr lang="en-US" altLang="zh-CN" sz="1900" dirty="0">
+                <a:solidFill>
+                  <a:srgbClr val="383838"/>
+                </a:solidFill>
+                <a:latin typeface="Arial" panose="020B0604020202020204" pitchFamily="34" charset="0"/>
+                <a:ea typeface="SimHei" panose="02010609060101010101" pitchFamily="49" charset="-122"/>
+                <a:cs typeface="Arial" panose="020B0604020202020204" pitchFamily="34" charset="0"/>
+              </a:rPr>
+              <a:t>read,</a:t>
+            </a:r>
+            <a:r>
+              <a:rPr lang="zh-CN" altLang="en-US" sz="1900" dirty="0">
+                <a:solidFill>
+                  <a:srgbClr val="383838"/>
+                </a:solidFill>
+                <a:latin typeface="Arial" panose="020B0604020202020204" pitchFamily="34" charset="0"/>
+                <a:ea typeface="SimHei" panose="02010609060101010101" pitchFamily="49" charset="-122"/>
+                <a:cs typeface="Arial" panose="020B0604020202020204" pitchFamily="34" charset="0"/>
+              </a:rPr>
+              <a:t> </a:t>
+            </a:r>
+            <a:r>
+              <a:rPr lang="en-US" altLang="zh-CN" sz="1900" dirty="0">
+                <a:solidFill>
+                  <a:srgbClr val="383838"/>
+                </a:solidFill>
+                <a:latin typeface="Arial" panose="020B0604020202020204" pitchFamily="34" charset="0"/>
+                <a:ea typeface="SimHei" panose="02010609060101010101" pitchFamily="49" charset="-122"/>
+                <a:cs typeface="Arial" panose="020B0604020202020204" pitchFamily="34" charset="0"/>
+              </a:rPr>
+              <a:t>delete</a:t>
+            </a:r>
+            <a:endParaRPr lang="en-US" altLang="zh-CN" sz="2000" dirty="0">
+              <a:solidFill>
+                <a:srgbClr val="383838"/>
+              </a:solidFill>
+              <a:latin typeface="Arial" panose="020B0604020202020204" pitchFamily="34" charset="0"/>
+              <a:ea typeface="SimHei" panose="02010609060101010101" pitchFamily="49" charset="-122"/>
+              <a:cs typeface="Arial" panose="020B0604020202020204" pitchFamily="34" charset="0"/>
+            </a:endParaRPr>
+          </a:p>
+          <a:p>
+            <a:pPr marL="342900" indent="-342900" algn="l">
+              <a:lnSpc>
+                <a:spcPct val="150000"/>
+              </a:lnSpc>
+              <a:buSzPct val="100000"/>
               <a:buChar char="•"/>
             </a:pPr>
             <a:r>
-              <a:rPr lang="en-US" altLang="zh-CN" b="1" i="0" dirty="0">
-                <a:effectLst/>
-                <a:latin typeface="Söhne"/>
-              </a:rPr>
-              <a:t>Files</a:t>
-            </a:r>
-            <a:r>
-              <a:rPr lang="en-US" altLang="zh-CN" b="0" i="0" dirty="0">
-                <a:effectLst/>
-                <a:latin typeface="Söhne"/>
-              </a:rPr>
-              <a:t>: Under each user account, there are subdirectories for files.</a:t>
-            </a:r>
-          </a:p>
-          <a:p>
-            <a:pPr algn="l">
-              <a:buFont typeface="Arial" panose="020B0604020202020204" pitchFamily="34" charset="0"/>
+              <a:rPr lang="en-US" altLang="zh-CN" b="1" dirty="0">
+                <a:solidFill>
+                  <a:srgbClr val="383838"/>
+                </a:solidFill>
+                <a:latin typeface="Arial" panose="020B0604020202020204" pitchFamily="34" charset="0"/>
+                <a:ea typeface="SimHei" panose="02010609060101010101" pitchFamily="49" charset="-122"/>
+                <a:cs typeface="Arial" panose="020B0604020202020204" pitchFamily="34" charset="0"/>
+              </a:rPr>
+              <a:t>Multi-level</a:t>
+            </a:r>
+            <a:r>
+              <a:rPr lang="zh-CN" altLang="en-US" b="1" dirty="0">
+                <a:solidFill>
+                  <a:srgbClr val="383838"/>
+                </a:solidFill>
+                <a:latin typeface="Arial" panose="020B0604020202020204" pitchFamily="34" charset="0"/>
+                <a:ea typeface="SimHei" panose="02010609060101010101" pitchFamily="49" charset="-122"/>
+                <a:cs typeface="Arial" panose="020B0604020202020204" pitchFamily="34" charset="0"/>
+              </a:rPr>
+              <a:t> </a:t>
+            </a:r>
+            <a:r>
+              <a:rPr lang="en-US" altLang="zh-CN" b="1" dirty="0">
+                <a:solidFill>
+                  <a:srgbClr val="383838"/>
+                </a:solidFill>
+                <a:latin typeface="Arial" panose="020B0604020202020204" pitchFamily="34" charset="0"/>
+                <a:ea typeface="SimHei" panose="02010609060101010101" pitchFamily="49" charset="-122"/>
+                <a:cs typeface="Arial" panose="020B0604020202020204" pitchFamily="34" charset="0"/>
+              </a:rPr>
+              <a:t>Directory</a:t>
+            </a:r>
+            <a:r>
+              <a:rPr lang="zh-CN" altLang="en-US" b="1" dirty="0">
+                <a:solidFill>
+                  <a:srgbClr val="383838"/>
+                </a:solidFill>
+                <a:latin typeface="Arial" panose="020B0604020202020204" pitchFamily="34" charset="0"/>
+                <a:ea typeface="SimHei" panose="02010609060101010101" pitchFamily="49" charset="-122"/>
+                <a:cs typeface="Arial" panose="020B0604020202020204" pitchFamily="34" charset="0"/>
+              </a:rPr>
+              <a:t> </a:t>
+            </a:r>
+            <a:r>
+              <a:rPr lang="en-US" altLang="zh-CN" b="1" dirty="0">
+                <a:solidFill>
+                  <a:srgbClr val="383838"/>
+                </a:solidFill>
+                <a:latin typeface="Arial" panose="020B0604020202020204" pitchFamily="34" charset="0"/>
+                <a:ea typeface="SimHei" panose="02010609060101010101" pitchFamily="49" charset="-122"/>
+                <a:cs typeface="Arial" panose="020B0604020202020204" pitchFamily="34" charset="0"/>
+              </a:rPr>
+              <a:t>Management:</a:t>
+            </a:r>
+          </a:p>
+          <a:p>
+            <a:pPr marL="0" indent="0">
+              <a:lnSpc>
+                <a:spcPct val="150000"/>
+              </a:lnSpc>
+              <a:buSzPct val="100000"/>
+              <a:buNone/>
+            </a:pPr>
+            <a:r>
+              <a:rPr lang="zh-CN" altLang="en-US" sz="2000" dirty="0">
+                <a:solidFill>
+                  <a:srgbClr val="383838"/>
+                </a:solidFill>
+                <a:latin typeface="Arial" panose="020B0604020202020204" pitchFamily="34" charset="0"/>
+                <a:ea typeface="SimHei" panose="02010609060101010101" pitchFamily="49" charset="-122"/>
+                <a:cs typeface="Arial" panose="020B0604020202020204" pitchFamily="34" charset="0"/>
+              </a:rPr>
+              <a:t>     </a:t>
+            </a:r>
+            <a:r>
+              <a:rPr lang="en-US" altLang="zh-CN" sz="1900" dirty="0">
+                <a:solidFill>
+                  <a:srgbClr val="383838"/>
+                </a:solidFill>
+                <a:latin typeface="Arial" panose="020B0604020202020204" pitchFamily="34" charset="0"/>
+                <a:ea typeface="SimHei" panose="02010609060101010101" pitchFamily="49" charset="-122"/>
+                <a:cs typeface="Arial" panose="020B0604020202020204" pitchFamily="34" charset="0"/>
+              </a:rPr>
+              <a:t>Complex</a:t>
+            </a:r>
+            <a:r>
+              <a:rPr lang="zh-CN" altLang="en-US" sz="1900" dirty="0">
+                <a:solidFill>
+                  <a:srgbClr val="383838"/>
+                </a:solidFill>
+                <a:latin typeface="Arial" panose="020B0604020202020204" pitchFamily="34" charset="0"/>
+                <a:ea typeface="SimHei" panose="02010609060101010101" pitchFamily="49" charset="-122"/>
+                <a:cs typeface="Arial" panose="020B0604020202020204" pitchFamily="34" charset="0"/>
+              </a:rPr>
+              <a:t> </a:t>
+            </a:r>
+            <a:r>
+              <a:rPr lang="en-US" altLang="zh-CN" sz="1900" dirty="0">
+                <a:solidFill>
+                  <a:srgbClr val="383838"/>
+                </a:solidFill>
+                <a:latin typeface="Arial" panose="020B0604020202020204" pitchFamily="34" charset="0"/>
+                <a:ea typeface="SimHei" panose="02010609060101010101" pitchFamily="49" charset="-122"/>
+                <a:cs typeface="Arial" panose="020B0604020202020204" pitchFamily="34" charset="0"/>
+              </a:rPr>
+              <a:t>file</a:t>
+            </a:r>
+            <a:r>
+              <a:rPr lang="zh-CN" altLang="en-US" sz="1900" dirty="0">
+                <a:solidFill>
+                  <a:srgbClr val="383838"/>
+                </a:solidFill>
+                <a:latin typeface="Arial" panose="020B0604020202020204" pitchFamily="34" charset="0"/>
+                <a:ea typeface="SimHei" panose="02010609060101010101" pitchFamily="49" charset="-122"/>
+                <a:cs typeface="Arial" panose="020B0604020202020204" pitchFamily="34" charset="0"/>
+              </a:rPr>
+              <a:t> </a:t>
+            </a:r>
+            <a:r>
+              <a:rPr lang="en-US" altLang="zh-CN" sz="1900" dirty="0">
+                <a:solidFill>
+                  <a:srgbClr val="383838"/>
+                </a:solidFill>
+                <a:latin typeface="Arial" panose="020B0604020202020204" pitchFamily="34" charset="0"/>
+                <a:ea typeface="SimHei" panose="02010609060101010101" pitchFamily="49" charset="-122"/>
+                <a:cs typeface="Arial" panose="020B0604020202020204" pitchFamily="34" charset="0"/>
+              </a:rPr>
+              <a:t>paths</a:t>
+            </a:r>
+          </a:p>
+          <a:p>
+            <a:pPr marL="342900" indent="-342900" algn="l">
+              <a:lnSpc>
+                <a:spcPct val="150000"/>
+              </a:lnSpc>
+              <a:buSzPct val="100000"/>
               <a:buChar char="•"/>
             </a:pPr>
             <a:r>
-              <a:rPr lang="en-US" altLang="zh-CN" b="1" i="0" dirty="0">
-                <a:effectLst/>
-                <a:latin typeface="Söhne"/>
-              </a:rPr>
-              <a:t>Data Structure Components</a:t>
-            </a:r>
-            <a:endParaRPr lang="en-US" altLang="zh-CN" b="0" i="0" dirty="0">
-              <a:effectLst/>
-              <a:latin typeface="Söhne"/>
+              <a:rPr lang="en-US" altLang="zh-CN" sz="2000" b="1" dirty="0">
+                <a:latin typeface="Arial" panose="020B0604020202020204" pitchFamily="34" charset="0"/>
+                <a:ea typeface="SimHei" panose="02010609060101010101" pitchFamily="49" charset="-122"/>
+                <a:cs typeface="Arial" panose="020B0604020202020204" pitchFamily="34" charset="0"/>
+              </a:rPr>
+              <a:t>Interactive</a:t>
+            </a:r>
+            <a:r>
+              <a:rPr lang="zh-CN" altLang="en-US" sz="2000" b="1" dirty="0">
+                <a:latin typeface="Arial" panose="020B0604020202020204" pitchFamily="34" charset="0"/>
+                <a:ea typeface="SimHei" panose="02010609060101010101" pitchFamily="49" charset="-122"/>
+                <a:cs typeface="Arial" panose="020B0604020202020204" pitchFamily="34" charset="0"/>
+              </a:rPr>
+              <a:t> </a:t>
+            </a:r>
+            <a:r>
+              <a:rPr lang="en-US" altLang="zh-CN" sz="2000" b="1" dirty="0">
+                <a:latin typeface="Arial" panose="020B0604020202020204" pitchFamily="34" charset="0"/>
+                <a:ea typeface="SimHei" panose="02010609060101010101" pitchFamily="49" charset="-122"/>
+                <a:cs typeface="Arial" panose="020B0604020202020204" pitchFamily="34" charset="0"/>
+              </a:rPr>
+              <a:t>interface:</a:t>
+            </a:r>
+          </a:p>
+          <a:p>
+            <a:pPr marL="0" indent="0" algn="l">
+              <a:lnSpc>
+                <a:spcPct val="150000"/>
+              </a:lnSpc>
+              <a:buSzPct val="100000"/>
+              <a:buNone/>
+            </a:pPr>
+            <a:r>
+              <a:rPr lang="zh-CN" altLang="en-US" dirty="0">
+                <a:latin typeface="Arial" panose="020B0604020202020204" pitchFamily="34" charset="0"/>
+                <a:ea typeface="SimHei" panose="02010609060101010101" pitchFamily="49" charset="-122"/>
+                <a:cs typeface="Arial" panose="020B0604020202020204" pitchFamily="34" charset="0"/>
+              </a:rPr>
+              <a:t>     </a:t>
+            </a:r>
+            <a:r>
+              <a:rPr lang="en-US" altLang="zh-CN" sz="1900" dirty="0">
+                <a:latin typeface="Arial" panose="020B0604020202020204" pitchFamily="34" charset="0"/>
+                <a:ea typeface="SimHei" panose="02010609060101010101" pitchFamily="49" charset="-122"/>
+                <a:cs typeface="Arial" panose="020B0604020202020204" pitchFamily="34" charset="0"/>
+              </a:rPr>
+              <a:t>Enhance</a:t>
+            </a:r>
+            <a:r>
+              <a:rPr lang="zh-CN" altLang="en-US" sz="1900" dirty="0">
+                <a:latin typeface="Arial" panose="020B0604020202020204" pitchFamily="34" charset="0"/>
+                <a:ea typeface="SimHei" panose="02010609060101010101" pitchFamily="49" charset="-122"/>
+                <a:cs typeface="Arial" panose="020B0604020202020204" pitchFamily="34" charset="0"/>
+              </a:rPr>
+              <a:t> </a:t>
+            </a:r>
+            <a:r>
+              <a:rPr lang="en-US" altLang="zh-CN" sz="1900" dirty="0">
+                <a:latin typeface="Arial" panose="020B0604020202020204" pitchFamily="34" charset="0"/>
+                <a:ea typeface="SimHei" panose="02010609060101010101" pitchFamily="49" charset="-122"/>
+                <a:cs typeface="Arial" panose="020B0604020202020204" pitchFamily="34" charset="0"/>
+              </a:rPr>
+              <a:t>the</a:t>
+            </a:r>
+            <a:r>
+              <a:rPr lang="zh-CN" altLang="en-US" sz="1900" dirty="0">
+                <a:latin typeface="Arial" panose="020B0604020202020204" pitchFamily="34" charset="0"/>
+                <a:ea typeface="SimHei" panose="02010609060101010101" pitchFamily="49" charset="-122"/>
+                <a:cs typeface="Arial" panose="020B0604020202020204" pitchFamily="34" charset="0"/>
+              </a:rPr>
+              <a:t> </a:t>
+            </a:r>
+            <a:r>
+              <a:rPr lang="en-US" altLang="zh-CN" sz="1900" dirty="0">
+                <a:latin typeface="Arial" panose="020B0604020202020204" pitchFamily="34" charset="0"/>
+                <a:ea typeface="SimHei" panose="02010609060101010101" pitchFamily="49" charset="-122"/>
+                <a:cs typeface="Arial" panose="020B0604020202020204" pitchFamily="34" charset="0"/>
+              </a:rPr>
+              <a:t>real</a:t>
+            </a:r>
+            <a:r>
+              <a:rPr lang="zh-CN" altLang="en-US" sz="1900" dirty="0">
+                <a:latin typeface="Arial" panose="020B0604020202020204" pitchFamily="34" charset="0"/>
+                <a:ea typeface="SimHei" panose="02010609060101010101" pitchFamily="49" charset="-122"/>
+                <a:cs typeface="Arial" panose="020B0604020202020204" pitchFamily="34" charset="0"/>
+              </a:rPr>
+              <a:t> </a:t>
+            </a:r>
+            <a:r>
+              <a:rPr lang="en-US" altLang="zh-CN" sz="1900" dirty="0">
+                <a:latin typeface="Arial" panose="020B0604020202020204" pitchFamily="34" charset="0"/>
+                <a:ea typeface="SimHei" panose="02010609060101010101" pitchFamily="49" charset="-122"/>
+                <a:cs typeface="Arial" panose="020B0604020202020204" pitchFamily="34" charset="0"/>
+              </a:rPr>
+              <a:t>operation</a:t>
+            </a:r>
+            <a:r>
+              <a:rPr lang="zh-CN" altLang="en-US" sz="1900" dirty="0">
+                <a:latin typeface="Arial" panose="020B0604020202020204" pitchFamily="34" charset="0"/>
+                <a:ea typeface="SimHei" panose="02010609060101010101" pitchFamily="49" charset="-122"/>
+                <a:cs typeface="Arial" panose="020B0604020202020204" pitchFamily="34" charset="0"/>
+              </a:rPr>
+              <a:t> </a:t>
+            </a:r>
+            <a:r>
+              <a:rPr lang="en-US" altLang="zh-CN" sz="1900" dirty="0">
+                <a:latin typeface="Arial" panose="020B0604020202020204" pitchFamily="34" charset="0"/>
+                <a:ea typeface="SimHei" panose="02010609060101010101" pitchFamily="49" charset="-122"/>
+                <a:cs typeface="Arial" panose="020B0604020202020204" pitchFamily="34" charset="0"/>
+              </a:rPr>
+              <a:t>experience</a:t>
+            </a:r>
+          </a:p>
+          <a:p>
+            <a:pPr marL="0" indent="0">
+              <a:buNone/>
+            </a:pPr>
+            <a:endParaRPr lang="en-US" dirty="0">
+              <a:latin typeface="Arial" panose="020B0604020202020204" pitchFamily="34" charset="0"/>
+              <a:cs typeface="Arial" panose="020B0604020202020204" pitchFamily="34" charset="0"/>
             </a:endParaRPr>
-          </a:p>
-          <a:p>
-            <a:pPr marL="742950" lvl="1" indent="-285750" algn="l">
-              <a:buFont typeface="Arial" panose="020B0604020202020204" pitchFamily="34" charset="0"/>
-              <a:buChar char="•"/>
-            </a:pPr>
-            <a:r>
-              <a:rPr lang="en-US" altLang="zh-CN" b="1" i="0" dirty="0">
-                <a:effectLst/>
-                <a:latin typeface="Söhne"/>
-              </a:rPr>
-              <a:t>Home Directory</a:t>
-            </a:r>
-            <a:r>
-              <a:rPr lang="en-US" altLang="zh-CN" b="0" i="0" dirty="0">
-                <a:effectLst/>
-                <a:latin typeface="Söhne"/>
-              </a:rPr>
-              <a:t>: The root for each user.</a:t>
-            </a:r>
-          </a:p>
-          <a:p>
-            <a:pPr marL="742950" lvl="1" indent="-285750" algn="l">
-              <a:buFont typeface="Arial" panose="020B0604020202020204" pitchFamily="34" charset="0"/>
-              <a:buChar char="•"/>
-            </a:pPr>
-            <a:r>
-              <a:rPr lang="en-US" altLang="zh-CN" b="1" i="0" dirty="0">
-                <a:effectLst/>
-                <a:latin typeface="Söhne"/>
-              </a:rPr>
-              <a:t>Subdirectories</a:t>
-            </a:r>
-            <a:r>
-              <a:rPr lang="en-US" altLang="zh-CN" b="0" i="0" dirty="0">
-                <a:effectLst/>
-                <a:latin typeface="Söhne"/>
-              </a:rPr>
-              <a:t>: Organize files under each user account.</a:t>
-            </a:r>
-          </a:p>
-          <a:p>
-            <a:pPr marL="742950" lvl="1" indent="-285750" algn="l">
-              <a:buFont typeface="Arial" panose="020B0604020202020204" pitchFamily="34" charset="0"/>
-              <a:buChar char="•"/>
-            </a:pPr>
-            <a:r>
-              <a:rPr lang="en-US" altLang="zh-CN" b="1" i="0" dirty="0">
-                <a:effectLst/>
-                <a:latin typeface="Söhne"/>
-              </a:rPr>
-              <a:t>Active Files</a:t>
-            </a:r>
-            <a:r>
-              <a:rPr lang="en-US" altLang="zh-CN" b="0" i="0" dirty="0">
-                <a:effectLst/>
-                <a:latin typeface="Söhne"/>
-              </a:rPr>
-              <a:t>: Stored as numbered entities (e.g., file0, file1) for easy access and modification.</a:t>
-            </a:r>
-          </a:p>
-          <a:p>
-            <a:endParaRPr kumimoji="1" lang="zh-CN" altLang="en-US" dirty="0"/>
           </a:p>
         </p:txBody>
       </p:sp>
     </p:spTree>
     <p:extLst>
       <p:ext uri="{BB962C8B-B14F-4D97-AF65-F5344CB8AC3E}">
-        <p14:creationId xmlns:p14="http://schemas.microsoft.com/office/powerpoint/2010/main" val="1392105132"/>
+        <p14:creationId xmlns:p14="http://schemas.microsoft.com/office/powerpoint/2010/main" val="1708360967"/>
       </p:ext>
     </p:extLst>
   </p:cSld>
@@ -8081,7 +10593,7 @@
           <p:cNvPr id="2" name="标题 1">
             <a:extLst>
               <a:ext uri="{FF2B5EF4-FFF2-40B4-BE49-F238E27FC236}">
-                <a16:creationId xmlns:a16="http://schemas.microsoft.com/office/drawing/2014/main" id="{AEB5B04A-CD62-490D-BA83-B1D74AD5F21E}"/>
+                <a16:creationId xmlns:a16="http://schemas.microsoft.com/office/drawing/2014/main" id="{C6CC8333-983A-49E9-47A7-2F58D21241F6}"/>
               </a:ext>
             </a:extLst>
           </p:cNvPr>
@@ -8101,46 +10613,371 @@
           <a:p>
             <a:pPr algn="ctr"/>
             <a:r>
-              <a:rPr kumimoji="1" lang="en-US" altLang="zh-CN" sz="2800" b="1" dirty="0"/>
-              <a:t>Overview of the Virtual File System Structure</a:t>
-            </a:r>
-            <a:endParaRPr kumimoji="1" lang="zh-CN" altLang="en-US" sz="2800" dirty="0"/>
-          </a:p>
-        </p:txBody>
-      </p:sp>
-      <p:pic>
-        <p:nvPicPr>
-          <p:cNvPr id="10" name="内容占位符 9" descr="图示&#10;&#10;描述已自动生成">
+              <a:rPr kumimoji="1" lang="en-US" altLang="zh-CN" sz="3600" b="1" dirty="0"/>
+              <a:t>File System Structure</a:t>
+            </a:r>
+            <a:endParaRPr kumimoji="1" lang="zh-CN" altLang="en-US" sz="3600" b="1" dirty="0"/>
+          </a:p>
+        </p:txBody>
+      </p:sp>
+      <p:sp>
+        <p:nvSpPr>
+          <p:cNvPr id="3" name="内容占位符 2">
             <a:extLst>
               <a:ext uri="{FF2B5EF4-FFF2-40B4-BE49-F238E27FC236}">
-                <a16:creationId xmlns:a16="http://schemas.microsoft.com/office/drawing/2014/main" id="{2598CEA5-EAEC-BFBE-91CC-ABFF19526F11}"/>
+                <a16:creationId xmlns:a16="http://schemas.microsoft.com/office/drawing/2014/main" id="{1889F83A-04F1-F867-D86A-8DFD664F1D61}"/>
               </a:ext>
             </a:extLst>
           </p:cNvPr>
-          <p:cNvPicPr>
-            <a:picLocks noGrp="1" noChangeAspect="1"/>
-          </p:cNvPicPr>
+          <p:cNvSpPr>
+            <a:spLocks noGrp="1"/>
+          </p:cNvSpPr>
           <p:nvPr>
             <p:ph sz="half" idx="1"/>
           </p:nvPr>
-        </p:nvPicPr>
-        <p:blipFill>
-          <a:blip r:embed="rId2"/>
-          <a:stretch>
-            <a:fillRect/>
-          </a:stretch>
-        </p:blipFill>
+        </p:nvSpPr>
         <p:spPr>
           <a:xfrm>
-            <a:off x="1810064" y="1299411"/>
-            <a:ext cx="5523872" cy="3806713"/>
+            <a:off x="457200" y="1388656"/>
+            <a:ext cx="8229600" cy="3394075"/>
           </a:xfrm>
         </p:spPr>
-      </p:pic>
+        <p:txBody>
+          <a:bodyPr>
+            <a:normAutofit/>
+          </a:bodyPr>
+          <a:lstStyle/>
+          <a:p>
+            <a:pPr algn="l">
+              <a:buFont typeface="Arial" panose="020B0604020202020204" pitchFamily="34" charset="0"/>
+              <a:buChar char="•"/>
+            </a:pPr>
+            <a:r>
+              <a:rPr lang="en-US" altLang="zh-CN" b="1" i="0" dirty="0">
+                <a:effectLst/>
+                <a:latin typeface="Söhne"/>
+              </a:rPr>
+              <a:t>Multi-User Structure</a:t>
+            </a:r>
+            <a:endParaRPr lang="en-US" altLang="zh-CN" b="0" i="0" dirty="0">
+              <a:effectLst/>
+              <a:latin typeface="Söhne"/>
+            </a:endParaRPr>
+          </a:p>
+          <a:p>
+            <a:pPr marL="742950" lvl="1" indent="-285750" algn="l">
+              <a:buFont typeface="Arial" panose="020B0604020202020204" pitchFamily="34" charset="0"/>
+              <a:buChar char="•"/>
+            </a:pPr>
+            <a:r>
+              <a:rPr lang="en-US" altLang="zh-CN" b="1" i="0" dirty="0">
+                <a:effectLst/>
+                <a:latin typeface="Söhne"/>
+              </a:rPr>
+              <a:t>Register</a:t>
+            </a:r>
+            <a:r>
+              <a:rPr lang="zh-CN" altLang="en-US" b="1" i="0" dirty="0">
+                <a:effectLst/>
+                <a:latin typeface="Söhne"/>
+              </a:rPr>
+              <a:t> </a:t>
+            </a:r>
+            <a:r>
+              <a:rPr lang="en-US" altLang="zh-CN" b="1" i="0" dirty="0">
+                <a:effectLst/>
+                <a:latin typeface="Söhne"/>
+              </a:rPr>
+              <a:t>and</a:t>
+            </a:r>
+            <a:r>
+              <a:rPr lang="zh-CN" altLang="en-US" b="1" i="0" dirty="0">
+                <a:effectLst/>
+                <a:latin typeface="Söhne"/>
+              </a:rPr>
+              <a:t> </a:t>
+            </a:r>
+            <a:r>
+              <a:rPr lang="en-US" altLang="zh-CN" b="1" i="0" dirty="0">
+                <a:effectLst/>
+                <a:latin typeface="Söhne"/>
+              </a:rPr>
+              <a:t>Log</a:t>
+            </a:r>
+            <a:r>
+              <a:rPr lang="zh-CN" altLang="en-US" b="1" i="0" dirty="0">
+                <a:effectLst/>
+                <a:latin typeface="Söhne"/>
+              </a:rPr>
+              <a:t> </a:t>
+            </a:r>
+            <a:r>
+              <a:rPr lang="en-US" altLang="zh-CN" b="1" i="0" dirty="0">
+                <a:effectLst/>
+                <a:latin typeface="Söhne"/>
+              </a:rPr>
+              <a:t>in:</a:t>
+            </a:r>
+            <a:r>
+              <a:rPr lang="zh-CN" altLang="en-US" b="1" i="0" dirty="0">
+                <a:effectLst/>
+                <a:latin typeface="Söhne"/>
+              </a:rPr>
+              <a:t> </a:t>
+            </a:r>
+            <a:r>
+              <a:rPr lang="en-US" altLang="zh-CN" i="0" dirty="0">
+                <a:effectLst/>
+                <a:latin typeface="Söhne"/>
+              </a:rPr>
+              <a:t>Users</a:t>
+            </a:r>
+            <a:r>
+              <a:rPr lang="zh-CN" altLang="en-US" i="0" dirty="0">
+                <a:effectLst/>
+                <a:latin typeface="Söhne"/>
+              </a:rPr>
+              <a:t> </a:t>
+            </a:r>
+            <a:r>
+              <a:rPr lang="en-US" altLang="zh-CN" i="0" dirty="0">
+                <a:effectLst/>
+                <a:latin typeface="Söhne"/>
+              </a:rPr>
+              <a:t>can</a:t>
+            </a:r>
+            <a:r>
+              <a:rPr lang="zh-CN" altLang="en-US" i="0" dirty="0">
+                <a:effectLst/>
+                <a:latin typeface="Söhne"/>
+              </a:rPr>
+              <a:t> </a:t>
+            </a:r>
+            <a:r>
+              <a:rPr lang="en-US" altLang="zh-CN" i="0" dirty="0">
+                <a:effectLst/>
+                <a:latin typeface="Söhne"/>
+              </a:rPr>
+              <a:t>register</a:t>
+            </a:r>
+            <a:r>
+              <a:rPr lang="zh-CN" altLang="en-US" i="0" dirty="0">
+                <a:effectLst/>
+                <a:latin typeface="Söhne"/>
+              </a:rPr>
+              <a:t> </a:t>
+            </a:r>
+            <a:r>
+              <a:rPr lang="en-US" altLang="zh-CN" i="0" dirty="0">
+                <a:effectLst/>
+                <a:latin typeface="Söhne"/>
+              </a:rPr>
+              <a:t>and</a:t>
+            </a:r>
+            <a:r>
+              <a:rPr lang="zh-CN" altLang="en-US" i="0" dirty="0">
+                <a:effectLst/>
+                <a:latin typeface="Söhne"/>
+              </a:rPr>
+              <a:t> </a:t>
+            </a:r>
+            <a:r>
+              <a:rPr lang="en-US" altLang="zh-CN" dirty="0">
+                <a:latin typeface="Söhne"/>
+              </a:rPr>
+              <a:t>use</a:t>
+            </a:r>
+            <a:r>
+              <a:rPr lang="zh-CN" altLang="en-US" dirty="0">
+                <a:latin typeface="Söhne"/>
+              </a:rPr>
+              <a:t> </a:t>
+            </a:r>
+            <a:r>
+              <a:rPr lang="en-US" altLang="zh-CN" dirty="0">
+                <a:latin typeface="Söhne"/>
+              </a:rPr>
+              <a:t>the</a:t>
+            </a:r>
+            <a:r>
+              <a:rPr lang="zh-CN" altLang="en-US" dirty="0">
+                <a:latin typeface="Söhne"/>
+              </a:rPr>
+              <a:t> </a:t>
+            </a:r>
+            <a:r>
+              <a:rPr lang="en-US" altLang="zh-CN" dirty="0">
+                <a:latin typeface="Söhne"/>
+              </a:rPr>
+              <a:t>system.</a:t>
+            </a:r>
+            <a:endParaRPr lang="en-US" altLang="zh-CN" i="0" dirty="0">
+              <a:effectLst/>
+              <a:latin typeface="Söhne"/>
+            </a:endParaRPr>
+          </a:p>
+          <a:p>
+            <a:pPr marL="742950" lvl="1" indent="-285750" algn="l">
+              <a:buFont typeface="Arial" panose="020B0604020202020204" pitchFamily="34" charset="0"/>
+              <a:buChar char="•"/>
+            </a:pPr>
+            <a:r>
+              <a:rPr lang="en-US" altLang="zh-CN" b="1" i="0" dirty="0">
+                <a:effectLst/>
+                <a:latin typeface="Söhne"/>
+              </a:rPr>
+              <a:t>User Accounts</a:t>
+            </a:r>
+            <a:r>
+              <a:rPr lang="en-US" altLang="zh-CN" b="0" i="0" dirty="0">
+                <a:effectLst/>
+                <a:latin typeface="Söhne"/>
+              </a:rPr>
+              <a:t>: Each user has a top-level directory,</a:t>
+            </a:r>
+            <a:r>
+              <a:rPr lang="zh-CN" altLang="en-US" b="0" i="0" dirty="0">
+                <a:effectLst/>
+                <a:latin typeface="Söhne"/>
+              </a:rPr>
+              <a:t> </a:t>
+            </a:r>
+            <a:r>
+              <a:rPr lang="en-US" altLang="zh-CN" b="0" i="0" dirty="0">
+                <a:effectLst/>
+                <a:latin typeface="Söhne"/>
+              </a:rPr>
+              <a:t>which</a:t>
+            </a:r>
+            <a:r>
+              <a:rPr lang="zh-CN" altLang="en-US" b="0" i="0" dirty="0">
+                <a:effectLst/>
+                <a:latin typeface="Söhne"/>
+              </a:rPr>
+              <a:t> </a:t>
+            </a:r>
+            <a:r>
+              <a:rPr lang="en-US" altLang="zh-CN" b="0" i="0" dirty="0">
+                <a:effectLst/>
+                <a:latin typeface="Söhne"/>
+              </a:rPr>
+              <a:t>is</a:t>
+            </a:r>
+            <a:r>
+              <a:rPr lang="zh-CN" altLang="en-US" b="0" i="0" dirty="0">
+                <a:effectLst/>
+                <a:latin typeface="Söhne"/>
+              </a:rPr>
+              <a:t> </a:t>
+            </a:r>
+            <a:r>
+              <a:rPr lang="en-US" altLang="zh-CN" b="0" i="0" dirty="0">
+                <a:effectLst/>
+                <a:latin typeface="Söhne"/>
+              </a:rPr>
+              <a:t>private.</a:t>
+            </a:r>
+          </a:p>
+          <a:p>
+            <a:pPr algn="l">
+              <a:buFont typeface="Arial" panose="020B0604020202020204" pitchFamily="34" charset="0"/>
+              <a:buChar char="•"/>
+            </a:pPr>
+            <a:r>
+              <a:rPr lang="en-US" altLang="zh-CN" b="1" i="0" dirty="0">
+                <a:effectLst/>
+                <a:latin typeface="Söhne"/>
+              </a:rPr>
+              <a:t>Multi-Directory</a:t>
+            </a:r>
+            <a:r>
+              <a:rPr lang="zh-CN" altLang="en-US" b="1" i="0" dirty="0">
+                <a:effectLst/>
+                <a:latin typeface="Söhne"/>
+              </a:rPr>
+              <a:t> </a:t>
+            </a:r>
+            <a:r>
+              <a:rPr lang="en-US" altLang="zh-CN" b="1" i="0" dirty="0">
+                <a:effectLst/>
+                <a:latin typeface="Söhne"/>
+              </a:rPr>
+              <a:t>Structure</a:t>
+            </a:r>
+            <a:endParaRPr lang="en-US" altLang="zh-CN" b="0" i="0" dirty="0">
+              <a:effectLst/>
+              <a:latin typeface="Söhne"/>
+            </a:endParaRPr>
+          </a:p>
+          <a:p>
+            <a:pPr marL="742950" lvl="1" indent="-285750" algn="l">
+              <a:buFont typeface="Arial" panose="020B0604020202020204" pitchFamily="34" charset="0"/>
+              <a:buChar char="•"/>
+            </a:pPr>
+            <a:r>
+              <a:rPr lang="en-US" altLang="zh-CN" b="1" i="0" dirty="0">
+                <a:effectLst/>
+                <a:latin typeface="Söhne"/>
+              </a:rPr>
+              <a:t>Home Directory</a:t>
+            </a:r>
+            <a:r>
+              <a:rPr lang="en-US" altLang="zh-CN" b="0" i="0" dirty="0">
+                <a:effectLst/>
+                <a:latin typeface="Söhne"/>
+              </a:rPr>
+              <a:t>: The root for each user.</a:t>
+            </a:r>
+          </a:p>
+          <a:p>
+            <a:pPr marL="742950" lvl="1" indent="-285750" algn="l">
+              <a:buFont typeface="Arial" panose="020B0604020202020204" pitchFamily="34" charset="0"/>
+              <a:buChar char="•"/>
+            </a:pPr>
+            <a:r>
+              <a:rPr lang="en-US" altLang="zh-CN" b="1" i="0" dirty="0">
+                <a:effectLst/>
+                <a:latin typeface="Söhne"/>
+              </a:rPr>
+              <a:t>Subdirectories</a:t>
+            </a:r>
+            <a:r>
+              <a:rPr lang="en-US" altLang="zh-CN" b="0" i="0" dirty="0">
+                <a:effectLst/>
+                <a:latin typeface="Söhne"/>
+              </a:rPr>
+              <a:t>: Organize files under each user account.</a:t>
+            </a:r>
+          </a:p>
+          <a:p>
+            <a:pPr marL="742950" lvl="1" indent="-285750" algn="l">
+              <a:buFont typeface="Arial" panose="020B0604020202020204" pitchFamily="34" charset="0"/>
+              <a:buChar char="•"/>
+            </a:pPr>
+            <a:r>
+              <a:rPr lang="en-US" altLang="zh-CN" b="1" i="0" dirty="0">
+                <a:effectLst/>
+                <a:latin typeface="Söhne"/>
+              </a:rPr>
+              <a:t>Active Files</a:t>
+            </a:r>
+            <a:r>
+              <a:rPr lang="en-US" altLang="zh-CN" b="0" i="0" dirty="0">
+                <a:effectLst/>
+                <a:latin typeface="Söhne"/>
+              </a:rPr>
+              <a:t>: Stored as numbered entities (e.g., file0, file1) for easy access and modification.</a:t>
+            </a:r>
+          </a:p>
+          <a:p>
+            <a:endParaRPr kumimoji="1" lang="zh-CN" altLang="en-US" dirty="0"/>
+          </a:p>
+        </p:txBody>
+      </p:sp>
     </p:spTree>
     <p:extLst>
       <p:ext uri="{BB962C8B-B14F-4D97-AF65-F5344CB8AC3E}">
-        <p14:creationId xmlns:p14="http://schemas.microsoft.com/office/powerpoint/2010/main" val="3026114226"/>
+        <p14:creationId xmlns:p14="http://schemas.microsoft.com/office/powerpoint/2010/main" val="1392105132"/>
       </p:ext>
     </p:extLst>
   </p:cSld>
@@ -8169,7 +11006,13 @@
       </p:grpSpPr>
       <p:sp>
         <p:nvSpPr>
-          <p:cNvPr id="2" name="Title 1"/>
+          <p:cNvPr id="2" name="标题 1">
+            <a:extLst>
+              <a:ext uri="{FF2B5EF4-FFF2-40B4-BE49-F238E27FC236}">
+                <a16:creationId xmlns:a16="http://schemas.microsoft.com/office/drawing/2014/main" id="{AEB5B04A-CD62-490D-BA83-B1D74AD5F21E}"/>
+              </a:ext>
+            </a:extLst>
+          </p:cNvPr>
           <p:cNvSpPr>
             <a:spLocks noGrp="1"/>
           </p:cNvSpPr>
@@ -8180,257 +11023,52 @@
         <p:spPr/>
         <p:txBody>
           <a:bodyPr>
-            <a:normAutofit/>
+            <a:noAutofit/>
           </a:bodyPr>
           <a:lstStyle/>
           <a:p>
             <a:pPr algn="ctr"/>
             <a:r>
-              <a:rPr lang="en-US" sz="3600" b="1" dirty="0"/>
-              <a:t>User Management</a:t>
-            </a:r>
-          </a:p>
-        </p:txBody>
-      </p:sp>
-      <p:sp>
-        <p:nvSpPr>
-          <p:cNvPr id="4" name="Content Placeholder 3"/>
-          <p:cNvSpPr>
-            <a:spLocks noGrp="1"/>
-          </p:cNvSpPr>
-          <p:nvPr>
-            <p:ph sz="half" idx="2"/>
-          </p:nvPr>
-        </p:nvSpPr>
+              <a:rPr kumimoji="1" lang="en-US" altLang="zh-CN" sz="3600" b="1" dirty="0"/>
+              <a:t>File System Structure</a:t>
+            </a:r>
+            <a:endParaRPr kumimoji="1" lang="zh-CN" altLang="en-US" sz="3600" dirty="0"/>
+          </a:p>
+        </p:txBody>
+      </p:sp>
+      <p:pic>
+        <p:nvPicPr>
+          <p:cNvPr id="10" name="内容占位符 9" descr="图示&#10;&#10;描述已自动生成">
+            <a:extLst>
+              <a:ext uri="{FF2B5EF4-FFF2-40B4-BE49-F238E27FC236}">
+                <a16:creationId xmlns:a16="http://schemas.microsoft.com/office/drawing/2014/main" id="{2598CEA5-EAEC-BFBE-91CC-ABFF19526F11}"/>
+              </a:ext>
+            </a:extLst>
+          </p:cNvPr>
+          <p:cNvPicPr>
+            <a:picLocks noGrp="1" noChangeAspect="1"/>
+          </p:cNvPicPr>
+          <p:nvPr>
+            <p:ph sz="half" idx="1"/>
+          </p:nvPr>
+        </p:nvPicPr>
+        <p:blipFill>
+          <a:blip r:embed="rId2"/>
+          <a:stretch>
+            <a:fillRect/>
+          </a:stretch>
+        </p:blipFill>
         <p:spPr>
           <a:xfrm>
-            <a:off x="457199" y="1347108"/>
-            <a:ext cx="7919357" cy="3247118"/>
+            <a:off x="1347537" y="1241660"/>
+            <a:ext cx="6535554" cy="3832924"/>
           </a:xfrm>
         </p:spPr>
-        <p:txBody>
-          <a:bodyPr>
-            <a:normAutofit/>
-          </a:bodyPr>
-          <a:lstStyle/>
-          <a:p>
-            <a:pPr marL="342900" indent="-342900" algn="l">
-              <a:lnSpc>
-                <a:spcPct val="150000"/>
-              </a:lnSpc>
-              <a:buSzPct val="100000"/>
-              <a:buChar char="•"/>
-            </a:pPr>
-            <a:r>
-              <a:rPr lang="en-US" altLang="zh-CN" sz="1800" b="1" dirty="0">
-                <a:solidFill>
-                  <a:srgbClr val="383838"/>
-                </a:solidFill>
-                <a:latin typeface="Arial" panose="020B0604020202020204" pitchFamily="34" charset="0"/>
-                <a:ea typeface="SimHei" panose="02010609060101010101" pitchFamily="49" charset="-122"/>
-                <a:cs typeface="Arial" panose="020B0604020202020204" pitchFamily="34" charset="0"/>
-              </a:rPr>
-              <a:t>Registration:</a:t>
-            </a:r>
-            <a:br>
-              <a:rPr lang="en-US" altLang="zh-CN" dirty="0">
-                <a:latin typeface="Arial" panose="020B0604020202020204" pitchFamily="34" charset="0"/>
-                <a:ea typeface="SimHei" panose="02010609060101010101" pitchFamily="49" charset="-122"/>
-                <a:cs typeface="Arial" panose="020B0604020202020204" pitchFamily="34" charset="0"/>
-              </a:rPr>
-            </a:br>
-            <a:r>
-              <a:rPr lang="en-US" altLang="zh-CN" sz="1800" dirty="0">
-                <a:solidFill>
-                  <a:srgbClr val="383838"/>
-                </a:solidFill>
-                <a:latin typeface="Arial" panose="020B0604020202020204" pitchFamily="34" charset="0"/>
-                <a:ea typeface="SimHei" panose="02010609060101010101" pitchFamily="49" charset="-122"/>
-                <a:cs typeface="Arial" panose="020B0604020202020204" pitchFamily="34" charset="0"/>
-              </a:rPr>
-              <a:t>How users can register (</a:t>
-            </a:r>
-            <a:r>
-              <a:rPr lang="en-US" altLang="zh-CN" sz="1800" b="1" dirty="0">
-                <a:solidFill>
-                  <a:srgbClr val="383838"/>
-                </a:solidFill>
-                <a:latin typeface="Arial" panose="020B0604020202020204" pitchFamily="34" charset="0"/>
-                <a:ea typeface="SimHei" panose="02010609060101010101" pitchFamily="49" charset="-122"/>
-                <a:cs typeface="Arial" panose="020B0604020202020204" pitchFamily="34" charset="0"/>
-              </a:rPr>
-              <a:t>‘register’</a:t>
-            </a:r>
-            <a:r>
-              <a:rPr lang="en-US" altLang="zh-CN" sz="1800" dirty="0">
-                <a:solidFill>
-                  <a:srgbClr val="383838"/>
-                </a:solidFill>
-                <a:latin typeface="Arial" panose="020B0604020202020204" pitchFamily="34" charset="0"/>
-                <a:ea typeface="SimHei" panose="02010609060101010101" pitchFamily="49" charset="-122"/>
-                <a:cs typeface="Arial" panose="020B0604020202020204" pitchFamily="34" charset="0"/>
-              </a:rPr>
-              <a:t>)</a:t>
-            </a:r>
-          </a:p>
-          <a:p>
-            <a:pPr marL="342900" indent="-342900" algn="l">
-              <a:lnSpc>
-                <a:spcPct val="150000"/>
-              </a:lnSpc>
-              <a:buSzPct val="100000"/>
-              <a:buChar char="•"/>
-            </a:pPr>
-            <a:r>
-              <a:rPr lang="en-US" altLang="zh-CN" sz="1800" b="1" dirty="0">
-                <a:solidFill>
-                  <a:srgbClr val="383838"/>
-                </a:solidFill>
-                <a:latin typeface="Arial" panose="020B0604020202020204" pitchFamily="34" charset="0"/>
-                <a:ea typeface="SimHei" panose="02010609060101010101" pitchFamily="49" charset="-122"/>
-                <a:cs typeface="Arial" panose="020B0604020202020204" pitchFamily="34" charset="0"/>
-              </a:rPr>
-              <a:t>Login/Logout:</a:t>
-            </a:r>
-            <a:br>
-              <a:rPr lang="en-US" altLang="zh-CN" dirty="0">
-                <a:latin typeface="Arial" panose="020B0604020202020204" pitchFamily="34" charset="0"/>
-                <a:ea typeface="SimHei" panose="02010609060101010101" pitchFamily="49" charset="-122"/>
-                <a:cs typeface="Arial" panose="020B0604020202020204" pitchFamily="34" charset="0"/>
-              </a:rPr>
-            </a:br>
-            <a:r>
-              <a:rPr lang="en-US" altLang="zh-CN" sz="1800" dirty="0">
-                <a:solidFill>
-                  <a:srgbClr val="383838"/>
-                </a:solidFill>
-                <a:latin typeface="Arial" panose="020B0604020202020204" pitchFamily="34" charset="0"/>
-                <a:ea typeface="SimHei" panose="02010609060101010101" pitchFamily="49" charset="-122"/>
-                <a:cs typeface="Arial" panose="020B0604020202020204" pitchFamily="34" charset="0"/>
-              </a:rPr>
-              <a:t>User login (</a:t>
-            </a:r>
-            <a:r>
-              <a:rPr lang="en-US" altLang="zh-CN" sz="1800" b="1" dirty="0">
-                <a:solidFill>
-                  <a:srgbClr val="383838"/>
-                </a:solidFill>
-                <a:latin typeface="Arial" panose="020B0604020202020204" pitchFamily="34" charset="0"/>
-                <a:ea typeface="SimHei" panose="02010609060101010101" pitchFamily="49" charset="-122"/>
-                <a:cs typeface="Arial" panose="020B0604020202020204" pitchFamily="34" charset="0"/>
-              </a:rPr>
-              <a:t>‘login [username] [password]’</a:t>
-            </a:r>
-            <a:r>
-              <a:rPr lang="en-US" altLang="zh-CN" sz="1800" dirty="0">
-                <a:solidFill>
-                  <a:srgbClr val="383838"/>
-                </a:solidFill>
-                <a:latin typeface="Arial" panose="020B0604020202020204" pitchFamily="34" charset="0"/>
-                <a:ea typeface="SimHei" panose="02010609060101010101" pitchFamily="49" charset="-122"/>
-                <a:cs typeface="Arial" panose="020B0604020202020204" pitchFamily="34" charset="0"/>
-              </a:rPr>
-              <a:t>)</a:t>
-            </a:r>
-            <a:r>
-              <a:rPr lang="en-US" altLang="zh-CN" sz="1800" b="1" dirty="0">
-                <a:solidFill>
-                  <a:srgbClr val="383838"/>
-                </a:solidFill>
-                <a:latin typeface="Arial" panose="020B0604020202020204" pitchFamily="34" charset="0"/>
-                <a:ea typeface="SimHei" panose="02010609060101010101" pitchFamily="49" charset="-122"/>
-                <a:cs typeface="Arial" panose="020B0604020202020204" pitchFamily="34" charset="0"/>
-              </a:rPr>
-              <a:t> </a:t>
-            </a:r>
-            <a:r>
-              <a:rPr lang="en-US" altLang="zh-CN" sz="1800" dirty="0">
-                <a:solidFill>
-                  <a:srgbClr val="383838"/>
-                </a:solidFill>
-                <a:latin typeface="Arial" panose="020B0604020202020204" pitchFamily="34" charset="0"/>
-                <a:ea typeface="SimHei" panose="02010609060101010101" pitchFamily="49" charset="-122"/>
-                <a:cs typeface="Arial" panose="020B0604020202020204" pitchFamily="34" charset="0"/>
-              </a:rPr>
-              <a:t>and logout (</a:t>
-            </a:r>
-            <a:r>
-              <a:rPr lang="en-US" altLang="zh-CN" sz="1800" b="1" dirty="0">
-                <a:solidFill>
-                  <a:srgbClr val="383838"/>
-                </a:solidFill>
-                <a:latin typeface="Arial" panose="020B0604020202020204" pitchFamily="34" charset="0"/>
-                <a:ea typeface="SimHei" panose="02010609060101010101" pitchFamily="49" charset="-122"/>
-                <a:cs typeface="Arial" panose="020B0604020202020204" pitchFamily="34" charset="0"/>
-              </a:rPr>
-              <a:t>‘logout’</a:t>
-            </a:r>
-            <a:r>
-              <a:rPr lang="en-US" altLang="zh-CN" sz="1800" dirty="0">
-                <a:solidFill>
-                  <a:srgbClr val="383838"/>
-                </a:solidFill>
-                <a:latin typeface="Arial" panose="020B0604020202020204" pitchFamily="34" charset="0"/>
-                <a:ea typeface="SimHei" panose="02010609060101010101" pitchFamily="49" charset="-122"/>
-                <a:cs typeface="Arial" panose="020B0604020202020204" pitchFamily="34" charset="0"/>
-              </a:rPr>
-              <a:t>) mechanisms</a:t>
-            </a:r>
-            <a:endParaRPr lang="en-US" altLang="zh-CN" sz="1800" dirty="0">
-              <a:latin typeface="Arial" panose="020B0604020202020204" pitchFamily="34" charset="0"/>
-              <a:ea typeface="SimHei" panose="02010609060101010101" pitchFamily="49" charset="-122"/>
-              <a:cs typeface="Arial" panose="020B0604020202020204" pitchFamily="34" charset="0"/>
-            </a:endParaRPr>
-          </a:p>
-          <a:p>
-            <a:pPr marL="342900" indent="-342900" algn="l">
-              <a:lnSpc>
-                <a:spcPct val="150000"/>
-              </a:lnSpc>
-              <a:buSzPct val="100000"/>
-              <a:buChar char="•"/>
-            </a:pPr>
-            <a:r>
-              <a:rPr lang="en-US" altLang="zh-CN" sz="1800" b="1" dirty="0">
-                <a:solidFill>
-                  <a:srgbClr val="383838"/>
-                </a:solidFill>
-                <a:latin typeface="Arial" panose="020B0604020202020204" pitchFamily="34" charset="0"/>
-                <a:ea typeface="SimHei" panose="02010609060101010101" pitchFamily="49" charset="-122"/>
-                <a:cs typeface="Arial" panose="020B0604020202020204" pitchFamily="34" charset="0"/>
-              </a:rPr>
-              <a:t>User Data:</a:t>
-            </a:r>
-            <a:br>
-              <a:rPr lang="en-US" altLang="zh-CN" dirty="0">
-                <a:latin typeface="Arial" panose="020B0604020202020204" pitchFamily="34" charset="0"/>
-                <a:ea typeface="SimHei" panose="02010609060101010101" pitchFamily="49" charset="-122"/>
-                <a:cs typeface="Arial" panose="020B0604020202020204" pitchFamily="34" charset="0"/>
-              </a:rPr>
-            </a:br>
-            <a:r>
-              <a:rPr lang="en-US" altLang="zh-CN" sz="1800" dirty="0">
-                <a:solidFill>
-                  <a:srgbClr val="383838"/>
-                </a:solidFill>
-                <a:latin typeface="Arial" panose="020B0604020202020204" pitchFamily="34" charset="0"/>
-                <a:ea typeface="SimHei" panose="02010609060101010101" pitchFamily="49" charset="-122"/>
-                <a:cs typeface="Arial" panose="020B0604020202020204" pitchFamily="34" charset="0"/>
-              </a:rPr>
-              <a:t>Overview of users’ dictionary with passwords and directories</a:t>
-            </a:r>
-            <a:endParaRPr lang="en-US" altLang="zh-CN" sz="1800" dirty="0">
-              <a:latin typeface="Arial" panose="020B0604020202020204" pitchFamily="34" charset="0"/>
-              <a:ea typeface="SimHei" panose="02010609060101010101" pitchFamily="49" charset="-122"/>
-              <a:cs typeface="Arial" panose="020B0604020202020204" pitchFamily="34" charset="0"/>
-            </a:endParaRPr>
-          </a:p>
-        </p:txBody>
-      </p:sp>
+      </p:pic>
     </p:spTree>
     <p:extLst>
       <p:ext uri="{BB962C8B-B14F-4D97-AF65-F5344CB8AC3E}">
-        <p14:creationId xmlns:p14="http://schemas.microsoft.com/office/powerpoint/2010/main" val="3668023258"/>
+        <p14:creationId xmlns:p14="http://schemas.microsoft.com/office/powerpoint/2010/main" val="3026114226"/>
       </p:ext>
     </p:extLst>
   </p:cSld>
@@ -8459,13 +11097,7 @@
       </p:grpSpPr>
       <p:sp>
         <p:nvSpPr>
-          <p:cNvPr id="2" name="标题 1">
-            <a:extLst>
-              <a:ext uri="{FF2B5EF4-FFF2-40B4-BE49-F238E27FC236}">
-                <a16:creationId xmlns:a16="http://schemas.microsoft.com/office/drawing/2014/main" id="{1DCE679E-7120-4EFF-95A8-644B0D2CC671}"/>
-              </a:ext>
-            </a:extLst>
-          </p:cNvPr>
+          <p:cNvPr id="2" name="Title 1"/>
           <p:cNvSpPr>
             <a:spLocks noGrp="1"/>
           </p:cNvSpPr>
@@ -8482,22 +11114,15 @@
           <a:p>
             <a:pPr algn="ctr"/>
             <a:r>
-              <a:rPr kumimoji="1" lang="en-US" altLang="zh-CN" sz="3600" b="1" dirty="0"/>
-              <a:t>File Operations</a:t>
-            </a:r>
-            <a:endParaRPr kumimoji="1" lang="zh-CN" altLang="en-US" sz="3600" b="1" dirty="0"/>
-          </a:p>
-        </p:txBody>
-      </p:sp>
-      <p:sp>
-        <p:nvSpPr>
-          <p:cNvPr id="4" name="内容占位符 3">
-            <a:extLst>
-              <a:ext uri="{FF2B5EF4-FFF2-40B4-BE49-F238E27FC236}">
-                <a16:creationId xmlns:a16="http://schemas.microsoft.com/office/drawing/2014/main" id="{C67385F7-FEEB-ADAE-D42F-E98D26BC7D19}"/>
-              </a:ext>
-            </a:extLst>
-          </p:cNvPr>
+              <a:rPr lang="en-US" sz="3600" b="1" dirty="0"/>
+              <a:t>User Management</a:t>
+            </a:r>
+          </a:p>
+        </p:txBody>
+      </p:sp>
+      <p:sp>
+        <p:nvSpPr>
+          <p:cNvPr id="4" name="Content Placeholder 3"/>
           <p:cNvSpPr>
             <a:spLocks noGrp="1"/>
           </p:cNvSpPr>
@@ -8507,188 +11132,233 @@
         </p:nvSpPr>
         <p:spPr>
           <a:xfrm>
-            <a:off x="457200" y="1631950"/>
-            <a:ext cx="8229600" cy="2962275"/>
+            <a:off x="457199" y="1347108"/>
+            <a:ext cx="7919357" cy="3247118"/>
           </a:xfrm>
         </p:spPr>
         <p:txBody>
-          <a:bodyPr/>
-          <a:lstStyle/>
-          <a:p>
-            <a:pPr algn="l">
-              <a:buFont typeface="Arial" panose="020B0604020202020204" pitchFamily="34" charset="0"/>
+          <a:bodyPr>
+            <a:normAutofit/>
+          </a:bodyPr>
+          <a:lstStyle/>
+          <a:p>
+            <a:pPr marL="342900" indent="-342900" algn="l">
+              <a:lnSpc>
+                <a:spcPct val="150000"/>
+              </a:lnSpc>
+              <a:buSzPct val="100000"/>
               <a:buChar char="•"/>
             </a:pPr>
             <a:r>
-              <a:rPr lang="en-US" altLang="zh-CN" b="1" i="0" dirty="0">
-                <a:effectLst/>
-                <a:latin typeface="Söhne"/>
-              </a:rPr>
-              <a:t>Creating Files: ‘create’</a:t>
-            </a:r>
-          </a:p>
-          <a:p>
-            <a:pPr algn="l">
-              <a:buFont typeface="Arial" panose="020B0604020202020204" pitchFamily="34" charset="0"/>
+              <a:rPr lang="en-US" altLang="zh-CN" sz="1800" b="1" dirty="0">
+                <a:solidFill>
+                  <a:srgbClr val="383838"/>
+                </a:solidFill>
+                <a:latin typeface="Arial" panose="020B0604020202020204" pitchFamily="34" charset="0"/>
+                <a:ea typeface="SimHei" panose="02010609060101010101" pitchFamily="49" charset="-122"/>
+                <a:cs typeface="Arial" panose="020B0604020202020204" pitchFamily="34" charset="0"/>
+              </a:rPr>
+              <a:t>Registration:</a:t>
+            </a:r>
+            <a:br>
+              <a:rPr lang="en-US" altLang="zh-CN" dirty="0">
+                <a:latin typeface="Arial" panose="020B0604020202020204" pitchFamily="34" charset="0"/>
+                <a:ea typeface="SimHei" panose="02010609060101010101" pitchFamily="49" charset="-122"/>
+                <a:cs typeface="Arial" panose="020B0604020202020204" pitchFamily="34" charset="0"/>
+              </a:rPr>
+            </a:br>
+            <a:r>
+              <a:rPr lang="en-US" altLang="zh-CN" sz="1800" dirty="0">
+                <a:solidFill>
+                  <a:srgbClr val="383838"/>
+                </a:solidFill>
+                <a:latin typeface="Arial" panose="020B0604020202020204" pitchFamily="34" charset="0"/>
+                <a:ea typeface="SimHei" panose="02010609060101010101" pitchFamily="49" charset="-122"/>
+                <a:cs typeface="Arial" panose="020B0604020202020204" pitchFamily="34" charset="0"/>
+              </a:rPr>
+              <a:t>How users can register (</a:t>
+            </a:r>
+            <a:r>
+              <a:rPr lang="en-US" altLang="zh-CN" sz="1800" b="1" dirty="0">
+                <a:solidFill>
+                  <a:srgbClr val="383838"/>
+                </a:solidFill>
+                <a:latin typeface="Arial" panose="020B0604020202020204" pitchFamily="34" charset="0"/>
+                <a:ea typeface="SimHei" panose="02010609060101010101" pitchFamily="49" charset="-122"/>
+                <a:cs typeface="Arial" panose="020B0604020202020204" pitchFamily="34" charset="0"/>
+              </a:rPr>
+              <a:t>‘register’</a:t>
+            </a:r>
+            <a:r>
+              <a:rPr lang="en-US" altLang="zh-CN" sz="1800" dirty="0">
+                <a:solidFill>
+                  <a:srgbClr val="383838"/>
+                </a:solidFill>
+                <a:latin typeface="Arial" panose="020B0604020202020204" pitchFamily="34" charset="0"/>
+                <a:ea typeface="SimHei" panose="02010609060101010101" pitchFamily="49" charset="-122"/>
+                <a:cs typeface="Arial" panose="020B0604020202020204" pitchFamily="34" charset="0"/>
+              </a:rPr>
+              <a:t>)</a:t>
+            </a:r>
+          </a:p>
+          <a:p>
+            <a:pPr marL="342900" indent="-342900" algn="l">
+              <a:lnSpc>
+                <a:spcPct val="150000"/>
+              </a:lnSpc>
+              <a:buSzPct val="100000"/>
               <a:buChar char="•"/>
             </a:pPr>
             <a:r>
-              <a:rPr lang="en-US" altLang="zh-CN" b="1" i="0" dirty="0">
-                <a:effectLst/>
-                <a:latin typeface="Söhne"/>
-              </a:rPr>
-              <a:t>Deleting Files: ‘del’</a:t>
-            </a:r>
-          </a:p>
-          <a:p>
-            <a:pPr algn="l">
-              <a:buFont typeface="Arial" panose="020B0604020202020204" pitchFamily="34" charset="0"/>
+              <a:rPr lang="en-US" altLang="zh-CN" sz="1800" b="1" dirty="0">
+                <a:solidFill>
+                  <a:srgbClr val="383838"/>
+                </a:solidFill>
+                <a:latin typeface="Arial" panose="020B0604020202020204" pitchFamily="34" charset="0"/>
+                <a:ea typeface="SimHei" panose="02010609060101010101" pitchFamily="49" charset="-122"/>
+                <a:cs typeface="Arial" panose="020B0604020202020204" pitchFamily="34" charset="0"/>
+              </a:rPr>
+              <a:t>Login/Logout:</a:t>
+            </a:r>
+            <a:br>
+              <a:rPr lang="en-US" altLang="zh-CN" dirty="0">
+                <a:latin typeface="Arial" panose="020B0604020202020204" pitchFamily="34" charset="0"/>
+                <a:ea typeface="SimHei" panose="02010609060101010101" pitchFamily="49" charset="-122"/>
+                <a:cs typeface="Arial" panose="020B0604020202020204" pitchFamily="34" charset="0"/>
+              </a:rPr>
+            </a:br>
+            <a:r>
+              <a:rPr lang="en-US" altLang="zh-CN" sz="1800" dirty="0">
+                <a:solidFill>
+                  <a:srgbClr val="383838"/>
+                </a:solidFill>
+                <a:latin typeface="Arial" panose="020B0604020202020204" pitchFamily="34" charset="0"/>
+                <a:ea typeface="SimHei" panose="02010609060101010101" pitchFamily="49" charset="-122"/>
+                <a:cs typeface="Arial" panose="020B0604020202020204" pitchFamily="34" charset="0"/>
+              </a:rPr>
+              <a:t>User login (</a:t>
+            </a:r>
+            <a:r>
+              <a:rPr lang="en-US" altLang="zh-CN" sz="1800" b="1" dirty="0">
+                <a:solidFill>
+                  <a:srgbClr val="383838"/>
+                </a:solidFill>
+                <a:latin typeface="Arial" panose="020B0604020202020204" pitchFamily="34" charset="0"/>
+                <a:ea typeface="SimHei" panose="02010609060101010101" pitchFamily="49" charset="-122"/>
+                <a:cs typeface="Arial" panose="020B0604020202020204" pitchFamily="34" charset="0"/>
+              </a:rPr>
+              <a:t>‘login [username] [password]’</a:t>
+            </a:r>
+            <a:r>
+              <a:rPr lang="en-US" altLang="zh-CN" sz="1800" dirty="0">
+                <a:solidFill>
+                  <a:srgbClr val="383838"/>
+                </a:solidFill>
+                <a:latin typeface="Arial" panose="020B0604020202020204" pitchFamily="34" charset="0"/>
+                <a:ea typeface="SimHei" panose="02010609060101010101" pitchFamily="49" charset="-122"/>
+                <a:cs typeface="Arial" panose="020B0604020202020204" pitchFamily="34" charset="0"/>
+              </a:rPr>
+              <a:t>)</a:t>
+            </a:r>
+            <a:r>
+              <a:rPr lang="en-US" altLang="zh-CN" sz="1800" b="1" dirty="0">
+                <a:solidFill>
+                  <a:srgbClr val="383838"/>
+                </a:solidFill>
+                <a:latin typeface="Arial" panose="020B0604020202020204" pitchFamily="34" charset="0"/>
+                <a:ea typeface="SimHei" panose="02010609060101010101" pitchFamily="49" charset="-122"/>
+                <a:cs typeface="Arial" panose="020B0604020202020204" pitchFamily="34" charset="0"/>
+              </a:rPr>
+              <a:t> </a:t>
+            </a:r>
+            <a:r>
+              <a:rPr lang="en-US" altLang="zh-CN" sz="1800" dirty="0">
+                <a:solidFill>
+                  <a:srgbClr val="383838"/>
+                </a:solidFill>
+                <a:latin typeface="Arial" panose="020B0604020202020204" pitchFamily="34" charset="0"/>
+                <a:ea typeface="SimHei" panose="02010609060101010101" pitchFamily="49" charset="-122"/>
+                <a:cs typeface="Arial" panose="020B0604020202020204" pitchFamily="34" charset="0"/>
+              </a:rPr>
+              <a:t>and logout (</a:t>
+            </a:r>
+            <a:r>
+              <a:rPr lang="en-US" altLang="zh-CN" sz="1800" b="1" dirty="0">
+                <a:solidFill>
+                  <a:srgbClr val="383838"/>
+                </a:solidFill>
+                <a:latin typeface="Arial" panose="020B0604020202020204" pitchFamily="34" charset="0"/>
+                <a:ea typeface="SimHei" panose="02010609060101010101" pitchFamily="49" charset="-122"/>
+                <a:cs typeface="Arial" panose="020B0604020202020204" pitchFamily="34" charset="0"/>
+              </a:rPr>
+              <a:t>‘logout’</a:t>
+            </a:r>
+            <a:r>
+              <a:rPr lang="en-US" altLang="zh-CN" sz="1800" dirty="0">
+                <a:solidFill>
+                  <a:srgbClr val="383838"/>
+                </a:solidFill>
+                <a:latin typeface="Arial" panose="020B0604020202020204" pitchFamily="34" charset="0"/>
+                <a:ea typeface="SimHei" panose="02010609060101010101" pitchFamily="49" charset="-122"/>
+                <a:cs typeface="Arial" panose="020B0604020202020204" pitchFamily="34" charset="0"/>
+              </a:rPr>
+              <a:t>) mechanisms</a:t>
+            </a:r>
+            <a:endParaRPr lang="en-US" altLang="zh-CN" sz="1800" dirty="0">
+              <a:latin typeface="Arial" panose="020B0604020202020204" pitchFamily="34" charset="0"/>
+              <a:ea typeface="SimHei" panose="02010609060101010101" pitchFamily="49" charset="-122"/>
+              <a:cs typeface="Arial" panose="020B0604020202020204" pitchFamily="34" charset="0"/>
+            </a:endParaRPr>
+          </a:p>
+          <a:p>
+            <a:pPr marL="342900" indent="-342900" algn="l">
+              <a:lnSpc>
+                <a:spcPct val="150000"/>
+              </a:lnSpc>
+              <a:buSzPct val="100000"/>
               <a:buChar char="•"/>
             </a:pPr>
             <a:r>
-              <a:rPr lang="en-US" altLang="zh-CN" b="1" i="0" dirty="0">
-                <a:effectLst/>
-                <a:latin typeface="Söhne"/>
-              </a:rPr>
-              <a:t>Opening and Closing Files:  ‘open’ </a:t>
-            </a:r>
-            <a:r>
-              <a:rPr lang="en-US" altLang="zh-CN" i="0" dirty="0">
-                <a:effectLst/>
-                <a:latin typeface="Söhne"/>
-              </a:rPr>
-              <a:t>and</a:t>
-            </a:r>
-            <a:r>
-              <a:rPr lang="en-US" altLang="zh-CN" b="1" i="0" dirty="0">
-                <a:effectLst/>
-                <a:latin typeface="Söhne"/>
-              </a:rPr>
-              <a:t> ‘close’</a:t>
-            </a:r>
-          </a:p>
-          <a:p>
-            <a:pPr algn="l">
-              <a:buFont typeface="Arial" panose="020B0604020202020204" pitchFamily="34" charset="0"/>
-              <a:buChar char="•"/>
-            </a:pPr>
-            <a:r>
-              <a:rPr lang="en-US" altLang="zh-CN" b="1" i="0" dirty="0">
-                <a:effectLst/>
-                <a:latin typeface="Söhne"/>
-              </a:rPr>
-              <a:t>Reading and Writing Files: ‘read’ </a:t>
-            </a:r>
-            <a:r>
-              <a:rPr lang="en-US" altLang="zh-CN" i="0" dirty="0">
-                <a:effectLst/>
-                <a:latin typeface="Söhne"/>
-              </a:rPr>
-              <a:t>and</a:t>
-            </a:r>
-            <a:r>
-              <a:rPr lang="en-US" altLang="zh-CN" b="1" i="0" dirty="0">
-                <a:effectLst/>
-                <a:latin typeface="Söhne"/>
-              </a:rPr>
-              <a:t> ‘write’</a:t>
-            </a:r>
-          </a:p>
-          <a:p>
-            <a:pPr algn="l">
-              <a:buFont typeface="Arial" panose="020B0604020202020204" pitchFamily="34" charset="0"/>
-              <a:buChar char="•"/>
-            </a:pPr>
-            <a:r>
-              <a:rPr lang="en-US" altLang="zh-CN" b="1" i="0" dirty="0">
-                <a:effectLst/>
-                <a:latin typeface="Söhne"/>
-              </a:rPr>
-              <a:t>Listing Contents: ‘</a:t>
-            </a:r>
-            <a:r>
-              <a:rPr lang="en-US" altLang="zh-CN" b="1" i="0" dirty="0" err="1">
-                <a:effectLst/>
-                <a:latin typeface="Söhne"/>
-              </a:rPr>
-              <a:t>dir</a:t>
-            </a:r>
-            <a:r>
-              <a:rPr lang="en-US" altLang="zh-CN" b="1" i="0" dirty="0">
-                <a:effectLst/>
-                <a:latin typeface="Söhne"/>
-              </a:rPr>
-              <a:t>’</a:t>
-            </a:r>
-          </a:p>
-          <a:p>
-            <a:pPr algn="l">
-              <a:buFont typeface="Arial" panose="020B0604020202020204" pitchFamily="34" charset="0"/>
-              <a:buChar char="•"/>
-            </a:pPr>
-            <a:r>
-              <a:rPr lang="en-US" altLang="zh-CN" b="1" i="0" dirty="0">
-                <a:effectLst/>
-                <a:latin typeface="Söhne"/>
-              </a:rPr>
-              <a:t>Changing Directories: ‘cd’</a:t>
-            </a:r>
-          </a:p>
-          <a:p>
-            <a:pPr algn="l">
-              <a:buFont typeface="Arial" panose="020B0604020202020204" pitchFamily="34" charset="0"/>
-              <a:buChar char="•"/>
-            </a:pPr>
-            <a:r>
-              <a:rPr lang="en-US" altLang="zh-CN" b="1" i="0" dirty="0">
-                <a:effectLst/>
-                <a:latin typeface="Söhne"/>
-              </a:rPr>
-              <a:t>Creating and Deleting Directories:  ‘md’ </a:t>
-            </a:r>
-            <a:r>
-              <a:rPr lang="en-US" altLang="zh-CN" i="0" dirty="0">
-                <a:effectLst/>
-                <a:latin typeface="Söhne"/>
-              </a:rPr>
-              <a:t>and</a:t>
-            </a:r>
-            <a:r>
-              <a:rPr lang="en-US" altLang="zh-CN" b="1" i="0" dirty="0">
-                <a:effectLst/>
-                <a:latin typeface="Söhne"/>
-              </a:rPr>
-              <a:t> ‘</a:t>
-            </a:r>
-            <a:r>
-              <a:rPr lang="en-US" altLang="zh-CN" b="1" i="0" dirty="0" err="1">
-                <a:effectLst/>
-                <a:latin typeface="Söhne"/>
-              </a:rPr>
-              <a:t>rd</a:t>
-            </a:r>
-            <a:r>
-              <a:rPr lang="en-US" altLang="zh-CN" b="1" i="0" dirty="0">
-                <a:effectLst/>
-                <a:latin typeface="Söhne"/>
-              </a:rPr>
-              <a:t>’</a:t>
-            </a:r>
-            <a:endParaRPr kumimoji="1" lang="zh-CN" altLang="en-US" dirty="0"/>
-          </a:p>
-          <a:p>
-            <a:pPr algn="l">
-              <a:buFont typeface="Arial" panose="020B0604020202020204" pitchFamily="34" charset="0"/>
-              <a:buChar char="•"/>
-            </a:pPr>
-            <a:endParaRPr kumimoji="1" lang="zh-CN" altLang="en-US" dirty="0"/>
+              <a:rPr lang="en-US" altLang="zh-CN" sz="1800" b="1" dirty="0">
+                <a:solidFill>
+                  <a:srgbClr val="383838"/>
+                </a:solidFill>
+                <a:latin typeface="Arial" panose="020B0604020202020204" pitchFamily="34" charset="0"/>
+                <a:ea typeface="SimHei" panose="02010609060101010101" pitchFamily="49" charset="-122"/>
+                <a:cs typeface="Arial" panose="020B0604020202020204" pitchFamily="34" charset="0"/>
+              </a:rPr>
+              <a:t>User Data:</a:t>
+            </a:r>
+            <a:br>
+              <a:rPr lang="en-US" altLang="zh-CN" dirty="0">
+                <a:latin typeface="Arial" panose="020B0604020202020204" pitchFamily="34" charset="0"/>
+                <a:ea typeface="SimHei" panose="02010609060101010101" pitchFamily="49" charset="-122"/>
+                <a:cs typeface="Arial" panose="020B0604020202020204" pitchFamily="34" charset="0"/>
+              </a:rPr>
+            </a:br>
+            <a:r>
+              <a:rPr lang="en-US" altLang="zh-CN" sz="1800" dirty="0">
+                <a:solidFill>
+                  <a:srgbClr val="383838"/>
+                </a:solidFill>
+                <a:latin typeface="Arial" panose="020B0604020202020204" pitchFamily="34" charset="0"/>
+                <a:ea typeface="SimHei" panose="02010609060101010101" pitchFamily="49" charset="-122"/>
+                <a:cs typeface="Arial" panose="020B0604020202020204" pitchFamily="34" charset="0"/>
+              </a:rPr>
+              <a:t>Overview of users’ dictionary with passwords and directories</a:t>
+            </a:r>
+            <a:endParaRPr lang="en-US" altLang="zh-CN" sz="1800" dirty="0">
+              <a:latin typeface="Arial" panose="020B0604020202020204" pitchFamily="34" charset="0"/>
+              <a:ea typeface="SimHei" panose="02010609060101010101" pitchFamily="49" charset="-122"/>
+              <a:cs typeface="Arial" panose="020B0604020202020204" pitchFamily="34" charset="0"/>
+            </a:endParaRPr>
           </a:p>
         </p:txBody>
       </p:sp>
     </p:spTree>
     <p:extLst>
       <p:ext uri="{BB962C8B-B14F-4D97-AF65-F5344CB8AC3E}">
-        <p14:creationId xmlns:p14="http://schemas.microsoft.com/office/powerpoint/2010/main" val="2726854522"/>
+        <p14:creationId xmlns:p14="http://schemas.microsoft.com/office/powerpoint/2010/main" val="3668023258"/>
       </p:ext>
     </p:extLst>
   </p:cSld>
@@ -8717,117 +11387,121 @@
       </p:grpSpPr>
       <p:sp>
         <p:nvSpPr>
-          <p:cNvPr id="2" name="标题 1">
+          <p:cNvPr id="2" name="Title 1"/>
+          <p:cNvSpPr>
+            <a:spLocks noGrp="1"/>
+          </p:cNvSpPr>
+          <p:nvPr>
+            <p:ph type="title"/>
+          </p:nvPr>
+        </p:nvSpPr>
+        <p:spPr/>
+        <p:txBody>
+          <a:bodyPr>
+            <a:normAutofit/>
+          </a:bodyPr>
+          <a:lstStyle/>
+          <a:p>
+            <a:pPr algn="ctr"/>
+            <a:r>
+              <a:rPr lang="en-US" sz="3600" b="1" dirty="0"/>
+              <a:t>User Management</a:t>
+            </a:r>
+          </a:p>
+        </p:txBody>
+      </p:sp>
+      <p:sp>
+        <p:nvSpPr>
+          <p:cNvPr id="4" name="Content Placeholder 3"/>
+          <p:cNvSpPr>
+            <a:spLocks noGrp="1"/>
+          </p:cNvSpPr>
+          <p:nvPr>
+            <p:ph sz="half" idx="2"/>
+          </p:nvPr>
+        </p:nvSpPr>
+        <p:spPr>
+          <a:xfrm>
+            <a:off x="457199" y="1347108"/>
+            <a:ext cx="7919357" cy="3247118"/>
+          </a:xfrm>
+        </p:spPr>
+        <p:txBody>
+          <a:bodyPr>
+            <a:normAutofit/>
+          </a:bodyPr>
+          <a:lstStyle/>
+          <a:p>
+            <a:pPr marL="342900" indent="-342900" algn="l">
+              <a:lnSpc>
+                <a:spcPct val="150000"/>
+              </a:lnSpc>
+              <a:buSzPct val="100000"/>
+              <a:buChar char="•"/>
+            </a:pPr>
+            <a:r>
+              <a:rPr lang="en-US" altLang="zh-CN" sz="1800" b="1" dirty="0">
+                <a:solidFill>
+                  <a:srgbClr val="383838"/>
+                </a:solidFill>
+                <a:latin typeface="Arial" panose="020B0604020202020204" pitchFamily="34" charset="0"/>
+                <a:ea typeface="SimHei" panose="02010609060101010101" pitchFamily="49" charset="-122"/>
+                <a:cs typeface="Arial" panose="020B0604020202020204" pitchFamily="34" charset="0"/>
+              </a:rPr>
+              <a:t>Registration:</a:t>
+            </a:r>
+            <a:br>
+              <a:rPr lang="en-US" altLang="zh-CN" dirty="0">
+                <a:latin typeface="Arial" panose="020B0604020202020204" pitchFamily="34" charset="0"/>
+                <a:ea typeface="SimHei" panose="02010609060101010101" pitchFamily="49" charset="-122"/>
+                <a:cs typeface="Arial" panose="020B0604020202020204" pitchFamily="34" charset="0"/>
+              </a:rPr>
+            </a:br>
+            <a:endParaRPr lang="en-US" altLang="zh-CN" sz="1800" dirty="0">
+              <a:solidFill>
+                <a:srgbClr val="383838"/>
+              </a:solidFill>
+              <a:latin typeface="Arial" panose="020B0604020202020204" pitchFamily="34" charset="0"/>
+              <a:ea typeface="SimHei" panose="02010609060101010101" pitchFamily="49" charset="-122"/>
+              <a:cs typeface="Arial" panose="020B0604020202020204" pitchFamily="34" charset="0"/>
+            </a:endParaRPr>
+          </a:p>
+        </p:txBody>
+      </p:sp>
+      <p:pic>
+        <p:nvPicPr>
+          <p:cNvPr id="5" name="图片 4" descr="文本&#10;&#10;描述已自动生成">
             <a:extLst>
               <a:ext uri="{FF2B5EF4-FFF2-40B4-BE49-F238E27FC236}">
-                <a16:creationId xmlns:a16="http://schemas.microsoft.com/office/drawing/2014/main" id="{1DCE679E-7120-4EFF-95A8-644B0D2CC671}"/>
+                <a16:creationId xmlns:a16="http://schemas.microsoft.com/office/drawing/2014/main" id="{F31A992E-2395-4792-49E0-30F6097E54A7}"/>
               </a:ext>
             </a:extLst>
           </p:cNvPr>
-          <p:cNvSpPr>
-            <a:spLocks noGrp="1"/>
-          </p:cNvSpPr>
-          <p:nvPr>
-            <p:ph type="title"/>
-          </p:nvPr>
-        </p:nvSpPr>
-        <p:spPr/>
-        <p:txBody>
-          <a:bodyPr>
-            <a:normAutofit/>
-          </a:bodyPr>
-          <a:lstStyle/>
-          <a:p>
-            <a:pPr algn="ctr"/>
-            <a:r>
-              <a:rPr kumimoji="1" lang="en-US" altLang="zh-CN" sz="3600" b="1" dirty="0"/>
-              <a:t>Security and Access Control</a:t>
-            </a:r>
-            <a:endParaRPr kumimoji="1" lang="zh-CN" altLang="en-US" sz="3600" b="1" dirty="0"/>
-          </a:p>
-        </p:txBody>
-      </p:sp>
-      <p:sp>
-        <p:nvSpPr>
-          <p:cNvPr id="4" name="内容占位符 3">
-            <a:extLst>
-              <a:ext uri="{FF2B5EF4-FFF2-40B4-BE49-F238E27FC236}">
-                <a16:creationId xmlns:a16="http://schemas.microsoft.com/office/drawing/2014/main" id="{C67385F7-FEEB-ADAE-D42F-E98D26BC7D19}"/>
-              </a:ext>
-            </a:extLst>
-          </p:cNvPr>
-          <p:cNvSpPr>
-            <a:spLocks noGrp="1"/>
-          </p:cNvSpPr>
-          <p:nvPr>
-            <p:ph sz="half" idx="2"/>
-          </p:nvPr>
-        </p:nvSpPr>
+          <p:cNvPicPr>
+            <a:picLocks noChangeAspect="1"/>
+          </p:cNvPicPr>
+          <p:nvPr/>
+        </p:nvPicPr>
+        <p:blipFill>
+          <a:blip r:embed="rId2"/>
+          <a:stretch>
+            <a:fillRect/>
+          </a:stretch>
+        </p:blipFill>
         <p:spPr>
           <a:xfrm>
-            <a:off x="457200" y="2329295"/>
-            <a:ext cx="8229600" cy="1554595"/>
+            <a:off x="874059" y="1983708"/>
+            <a:ext cx="6683188" cy="2121646"/>
           </a:xfrm>
+          <a:prstGeom prst="rect">
+            <a:avLst/>
+          </a:prstGeom>
         </p:spPr>
-        <p:txBody>
-          <a:bodyPr/>
-          <a:lstStyle/>
-          <a:p>
-            <a:pPr>
-              <a:buFont typeface="Arial" panose="020B0604020202020204" pitchFamily="34" charset="0"/>
-              <a:buChar char="•"/>
-            </a:pPr>
-            <a:r>
-              <a:rPr lang="en-US" altLang="zh-CN" b="1" i="0" dirty="0">
-                <a:effectLst/>
-                <a:latin typeface="Söhne"/>
-              </a:rPr>
-              <a:t>Basic User Authentication:</a:t>
-            </a:r>
-            <a:r>
-              <a:rPr lang="en-US" altLang="zh-CN" b="0" i="0" dirty="0">
-                <a:effectLst/>
-                <a:latin typeface="Söhne"/>
-              </a:rPr>
-              <a:t> Password protection for user accounts</a:t>
-            </a:r>
-          </a:p>
-          <a:p>
-            <a:pPr>
-              <a:buFont typeface="Arial" panose="020B0604020202020204" pitchFamily="34" charset="0"/>
-              <a:buChar char="•"/>
-            </a:pPr>
-            <a:endParaRPr lang="en-US" altLang="zh-CN" b="0" i="0" dirty="0">
-              <a:effectLst/>
-              <a:latin typeface="Söhne"/>
-            </a:endParaRPr>
-          </a:p>
-          <a:p>
-            <a:pPr>
-              <a:buFont typeface="Arial" panose="020B0604020202020204" pitchFamily="34" charset="0"/>
-              <a:buChar char="•"/>
-            </a:pPr>
-            <a:r>
-              <a:rPr lang="en-US" altLang="zh-CN" b="1" i="0" dirty="0">
-                <a:effectLst/>
-                <a:latin typeface="Söhne"/>
-              </a:rPr>
-              <a:t>Access Control:</a:t>
-            </a:r>
-            <a:r>
-              <a:rPr lang="en-US" altLang="zh-CN" b="0" i="0" dirty="0">
-                <a:effectLst/>
-                <a:latin typeface="Söhne"/>
-              </a:rPr>
-              <a:t> User-specific directories</a:t>
-            </a:r>
-          </a:p>
-        </p:txBody>
-      </p:sp>
+      </p:pic>
     </p:spTree>
     <p:extLst>
       <p:ext uri="{BB962C8B-B14F-4D97-AF65-F5344CB8AC3E}">
-        <p14:creationId xmlns:p14="http://schemas.microsoft.com/office/powerpoint/2010/main" val="1741449533"/>
+        <p14:creationId xmlns:p14="http://schemas.microsoft.com/office/powerpoint/2010/main" val="1958125991"/>
       </p:ext>
     </p:extLst>
   </p:cSld>
@@ -8856,124 +11530,121 @@
       </p:grpSpPr>
       <p:sp>
         <p:nvSpPr>
-          <p:cNvPr id="2" name="标题 1">
+          <p:cNvPr id="2" name="Title 1"/>
+          <p:cNvSpPr>
+            <a:spLocks noGrp="1"/>
+          </p:cNvSpPr>
+          <p:nvPr>
+            <p:ph type="title"/>
+          </p:nvPr>
+        </p:nvSpPr>
+        <p:spPr/>
+        <p:txBody>
+          <a:bodyPr>
+            <a:normAutofit/>
+          </a:bodyPr>
+          <a:lstStyle/>
+          <a:p>
+            <a:pPr algn="ctr"/>
+            <a:r>
+              <a:rPr lang="en-US" sz="3600" b="1" dirty="0"/>
+              <a:t>User Management</a:t>
+            </a:r>
+          </a:p>
+        </p:txBody>
+      </p:sp>
+      <p:sp>
+        <p:nvSpPr>
+          <p:cNvPr id="4" name="Content Placeholder 3"/>
+          <p:cNvSpPr>
+            <a:spLocks noGrp="1"/>
+          </p:cNvSpPr>
+          <p:nvPr>
+            <p:ph sz="half" idx="2"/>
+          </p:nvPr>
+        </p:nvSpPr>
+        <p:spPr>
+          <a:xfrm>
+            <a:off x="457199" y="1347108"/>
+            <a:ext cx="7919357" cy="3247118"/>
+          </a:xfrm>
+        </p:spPr>
+        <p:txBody>
+          <a:bodyPr>
+            <a:normAutofit/>
+          </a:bodyPr>
+          <a:lstStyle/>
+          <a:p>
+            <a:pPr marL="342900" indent="-342900" algn="l">
+              <a:lnSpc>
+                <a:spcPct val="150000"/>
+              </a:lnSpc>
+              <a:buSzPct val="100000"/>
+              <a:buChar char="•"/>
+            </a:pPr>
+            <a:r>
+              <a:rPr lang="en-US" altLang="zh-CN" sz="1800" b="1" dirty="0">
+                <a:solidFill>
+                  <a:srgbClr val="383838"/>
+                </a:solidFill>
+                <a:latin typeface="Arial" panose="020B0604020202020204" pitchFamily="34" charset="0"/>
+                <a:ea typeface="SimHei" panose="02010609060101010101" pitchFamily="49" charset="-122"/>
+                <a:cs typeface="Arial" panose="020B0604020202020204" pitchFamily="34" charset="0"/>
+              </a:rPr>
+              <a:t>Login/Logout:</a:t>
+            </a:r>
+            <a:br>
+              <a:rPr lang="en-US" altLang="zh-CN" dirty="0">
+                <a:latin typeface="Arial" panose="020B0604020202020204" pitchFamily="34" charset="0"/>
+                <a:ea typeface="SimHei" panose="02010609060101010101" pitchFamily="49" charset="-122"/>
+                <a:cs typeface="Arial" panose="020B0604020202020204" pitchFamily="34" charset="0"/>
+              </a:rPr>
+            </a:br>
+            <a:endParaRPr lang="en-US" altLang="zh-CN" sz="1800" dirty="0">
+              <a:solidFill>
+                <a:srgbClr val="383838"/>
+              </a:solidFill>
+              <a:latin typeface="Arial" panose="020B0604020202020204" pitchFamily="34" charset="0"/>
+              <a:ea typeface="SimHei" panose="02010609060101010101" pitchFamily="49" charset="-122"/>
+              <a:cs typeface="Arial" panose="020B0604020202020204" pitchFamily="34" charset="0"/>
+            </a:endParaRPr>
+          </a:p>
+        </p:txBody>
+      </p:sp>
+      <p:pic>
+        <p:nvPicPr>
+          <p:cNvPr id="6" name="图片 5" descr="文本&#10;&#10;描述已自动生成">
             <a:extLst>
               <a:ext uri="{FF2B5EF4-FFF2-40B4-BE49-F238E27FC236}">
-                <a16:creationId xmlns:a16="http://schemas.microsoft.com/office/drawing/2014/main" id="{1DCE679E-7120-4EFF-95A8-644B0D2CC671}"/>
+                <a16:creationId xmlns:a16="http://schemas.microsoft.com/office/drawing/2014/main" id="{07BA914C-CAE7-A00D-45C2-E4D9954F2559}"/>
               </a:ext>
             </a:extLst>
           </p:cNvPr>
-          <p:cNvSpPr>
-            <a:spLocks noGrp="1"/>
-          </p:cNvSpPr>
-          <p:nvPr>
-            <p:ph type="title"/>
-          </p:nvPr>
-        </p:nvSpPr>
-        <p:spPr/>
-        <p:txBody>
-          <a:bodyPr>
-            <a:normAutofit/>
-          </a:bodyPr>
-          <a:lstStyle/>
-          <a:p>
-            <a:pPr algn="ctr"/>
-            <a:r>
-              <a:rPr kumimoji="1" lang="en-US" altLang="zh-CN" sz="3600" b="1" dirty="0"/>
-              <a:t>Conclusion</a:t>
-            </a:r>
-            <a:endParaRPr kumimoji="1" lang="zh-CN" altLang="en-US" sz="3600" b="1" dirty="0"/>
-          </a:p>
-        </p:txBody>
-      </p:sp>
-      <p:sp>
-        <p:nvSpPr>
-          <p:cNvPr id="4" name="内容占位符 3">
-            <a:extLst>
-              <a:ext uri="{FF2B5EF4-FFF2-40B4-BE49-F238E27FC236}">
-                <a16:creationId xmlns:a16="http://schemas.microsoft.com/office/drawing/2014/main" id="{C67385F7-FEEB-ADAE-D42F-E98D26BC7D19}"/>
-              </a:ext>
-            </a:extLst>
-          </p:cNvPr>
-          <p:cNvSpPr>
-            <a:spLocks noGrp="1"/>
-          </p:cNvSpPr>
-          <p:nvPr>
-            <p:ph sz="half" idx="2"/>
-          </p:nvPr>
-        </p:nvSpPr>
+          <p:cNvPicPr>
+            <a:picLocks noChangeAspect="1"/>
+          </p:cNvPicPr>
+          <p:nvPr/>
+        </p:nvPicPr>
+        <p:blipFill>
+          <a:blip r:embed="rId2"/>
+          <a:stretch>
+            <a:fillRect/>
+          </a:stretch>
+        </p:blipFill>
         <p:spPr>
           <a:xfrm>
-            <a:off x="457200" y="2489200"/>
-            <a:ext cx="8229600" cy="1180523"/>
+            <a:off x="2117330" y="1981809"/>
+            <a:ext cx="4148717" cy="2612417"/>
           </a:xfrm>
+          <a:prstGeom prst="rect">
+            <a:avLst/>
+          </a:prstGeom>
         </p:spPr>
-        <p:txBody>
-          <a:bodyPr/>
-          <a:lstStyle/>
-          <a:p>
-            <a:pPr algn="l">
-              <a:buFont typeface="Arial" panose="020B0604020202020204" pitchFamily="34" charset="0"/>
-              <a:buChar char="•"/>
-            </a:pPr>
-            <a:r>
-              <a:rPr lang="en-US" altLang="zh-CN" b="1" i="0" dirty="0">
-                <a:effectLst/>
-                <a:latin typeface="Söhne"/>
-              </a:rPr>
-              <a:t>Summary of Features:</a:t>
-            </a:r>
-            <a:r>
-              <a:rPr lang="en-US" altLang="zh-CN" b="0" i="0" dirty="0">
-                <a:effectLst/>
-                <a:latin typeface="Söhne"/>
-              </a:rPr>
-              <a:t> Recap of the VFS capabilities</a:t>
-            </a:r>
-          </a:p>
-          <a:p>
-            <a:pPr algn="l">
-              <a:buFont typeface="Arial" panose="020B0604020202020204" pitchFamily="34" charset="0"/>
-              <a:buChar char="•"/>
-            </a:pPr>
-            <a:endParaRPr lang="en-US" altLang="zh-CN" b="0" i="0" dirty="0">
-              <a:effectLst/>
-              <a:latin typeface="Söhne"/>
-            </a:endParaRPr>
-          </a:p>
-          <a:p>
-            <a:pPr algn="l">
-              <a:buFont typeface="Arial" panose="020B0604020202020204" pitchFamily="34" charset="0"/>
-              <a:buChar char="•"/>
-            </a:pPr>
-            <a:r>
-              <a:rPr lang="en-US" altLang="zh-CN" b="1" i="0" dirty="0">
-                <a:effectLst/>
-                <a:latin typeface="Söhne"/>
-              </a:rPr>
-              <a:t>Potential Improvements:</a:t>
-            </a:r>
-            <a:r>
-              <a:rPr lang="en-US" altLang="zh-CN" b="0" i="0" dirty="0">
-                <a:effectLst/>
-                <a:latin typeface="Söhne"/>
-              </a:rPr>
-              <a:t> Areas for further development </a:t>
-            </a:r>
-          </a:p>
-          <a:p>
-            <a:pPr algn="l">
-              <a:buFont typeface="Arial" panose="020B0604020202020204" pitchFamily="34" charset="0"/>
-              <a:buChar char="•"/>
-            </a:pPr>
-            <a:endParaRPr kumimoji="1" lang="zh-CN" altLang="en-US" dirty="0"/>
-          </a:p>
-        </p:txBody>
-      </p:sp>
+      </p:pic>
     </p:spTree>
     <p:extLst>
       <p:ext uri="{BB962C8B-B14F-4D97-AF65-F5344CB8AC3E}">
-        <p14:creationId xmlns:p14="http://schemas.microsoft.com/office/powerpoint/2010/main" val="652655736"/>
+        <p14:creationId xmlns:p14="http://schemas.microsoft.com/office/powerpoint/2010/main" val="2162119562"/>
       </p:ext>
     </p:extLst>
   </p:cSld>
@@ -10239,6 +12910,15 @@
 </file>
 
 <file path=customXml/item1.xml><?xml version="1.0" encoding="utf-8"?>
+<p:properties xmlns:p="http://schemas.microsoft.com/office/2006/metadata/properties" xmlns:xsi="http://www.w3.org/2001/XMLSchema-instance" xmlns:pc="http://schemas.microsoft.com/office/infopath/2007/PartnerControls">
+  <documentManagement>
+    <_Version xmlns="http://schemas.microsoft.com/sharepoint/v3/fields" xsi:nil="true"/>
+    <_Status xmlns="http://schemas.microsoft.com/sharepoint/v3/fields">Not Started</_Status>
+  </documentManagement>
+</p:properties>
+</file>
+
+<file path=customXml/item2.xml><?xml version="1.0" encoding="utf-8"?>
 <ct:contentTypeSchema xmlns:ct="http://schemas.microsoft.com/office/2006/metadata/contentType" xmlns:ma="http://schemas.microsoft.com/office/2006/metadata/properties/metaAttributes" ct:_="" ma:_="" ma:contentTypeName="Document" ma:contentTypeID="0x0101000DE64AEEDD9B7A4D93545ACBE97D4615" ma:contentTypeVersion="2" ma:contentTypeDescription="Create a new document." ma:contentTypeScope="" ma:versionID="f49002b78e3a4a71b814eef46a983816">
   <xsd:schema xmlns:xsd="http://www.w3.org/2001/XMLSchema" xmlns:xs="http://www.w3.org/2001/XMLSchema" xmlns:p="http://schemas.microsoft.com/office/2006/metadata/properties" xmlns:ns2="http://schemas.microsoft.com/sharepoint/v3/fields" targetNamespace="http://schemas.microsoft.com/office/2006/metadata/properties" ma:root="true" ma:fieldsID="38f6db2dd0d9a0cf6a8dc37be32b365b" ns2:_="">
     <xsd:import namespace="http://schemas.microsoft.com/sharepoint/v3/fields"/>
@@ -10382,15 +13062,6 @@
 </ct:contentTypeSchema>
 </file>
 
-<file path=customXml/item2.xml><?xml version="1.0" encoding="utf-8"?>
-<p:properties xmlns:p="http://schemas.microsoft.com/office/2006/metadata/properties" xmlns:xsi="http://www.w3.org/2001/XMLSchema-instance" xmlns:pc="http://schemas.microsoft.com/office/infopath/2007/PartnerControls">
-  <documentManagement>
-    <_Version xmlns="http://schemas.microsoft.com/sharepoint/v3/fields" xsi:nil="true"/>
-    <_Status xmlns="http://schemas.microsoft.com/sharepoint/v3/fields">Not Started</_Status>
-  </documentManagement>
-</p:properties>
-</file>
-
 <file path=customXml/item3.xml><?xml version="1.0" encoding="utf-8"?>
 <?mso-contentType ?>
 <FormTemplates xmlns="http://schemas.microsoft.com/sharepoint/v3/contenttype/forms">
@@ -10401,6 +13072,16 @@
 </file>
 
 <file path=customXml/itemProps1.xml><?xml version="1.0" encoding="utf-8"?>
+<ds:datastoreItem xmlns:ds="http://schemas.openxmlformats.org/officeDocument/2006/customXml" ds:itemID="{7B6F2769-7194-4217-93D3-3AF3A4742282}">
+  <ds:schemaRefs>
+    <ds:schemaRef ds:uri="http://schemas.microsoft.com/office/2006/metadata/properties"/>
+    <ds:schemaRef ds:uri="http://schemas.microsoft.com/office/infopath/2007/PartnerControls"/>
+    <ds:schemaRef ds:uri="http://schemas.microsoft.com/sharepoint/v3/fields"/>
+  </ds:schemaRefs>
+</ds:datastoreItem>
+</file>
+
+<file path=customXml/itemProps2.xml><?xml version="1.0" encoding="utf-8"?>
 <ds:datastoreItem xmlns:ds="http://schemas.openxmlformats.org/officeDocument/2006/customXml" ds:itemID="{E4214858-785C-42F7-BE66-6D0E79395FC8}">
   <ds:schemaRefs>
     <ds:schemaRef ds:uri="http://schemas.microsoft.com/office/2006/metadata/contentType"/>
@@ -10418,16 +13099,6 @@
 </ds:datastoreItem>
 </file>
 
-<file path=customXml/itemProps2.xml><?xml version="1.0" encoding="utf-8"?>
-<ds:datastoreItem xmlns:ds="http://schemas.openxmlformats.org/officeDocument/2006/customXml" ds:itemID="{7B6F2769-7194-4217-93D3-3AF3A4742282}">
-  <ds:schemaRefs>
-    <ds:schemaRef ds:uri="http://schemas.microsoft.com/office/2006/metadata/properties"/>
-    <ds:schemaRef ds:uri="http://schemas.microsoft.com/office/infopath/2007/PartnerControls"/>
-    <ds:schemaRef ds:uri="http://schemas.microsoft.com/sharepoint/v3/fields"/>
-  </ds:schemaRefs>
-</ds:datastoreItem>
-</file>
-
 <file path=customXml/itemProps3.xml><?xml version="1.0" encoding="utf-8"?>
 <ds:datastoreItem xmlns:ds="http://schemas.openxmlformats.org/officeDocument/2006/customXml" ds:itemID="{87D2A1B0-FF3E-4009-940D-AED0EB70AA20}">
   <ds:schemaRefs>
